--- a/slides/COP2073C-Module8.pptx
+++ b/slides/COP2073C-Module8.pptx
@@ -258,7 +258,7 @@
           <a:p>
             <a:fld id="{2A37B5DA-8E33-465E-AA6E-3D89F39FC24F}" type="datetimeFigureOut">
               <a:rPr lang="en-US" smtClean="0"/>
-              <a:t>12/25/2022</a:t>
+              <a:t>12/26/2022</a:t>
             </a:fld>
             <a:endParaRPr lang="en-US" dirty="0"/>
           </a:p>
@@ -1199,7 +1199,7 @@
           <a:p>
             <a:fld id="{EA4713E7-B5C7-46C0-9D1A-09BA4EBDD267}" type="datetime1">
               <a:rPr lang="en-US" smtClean="0"/>
-              <a:t>12/25/2022</a:t>
+              <a:t>12/26/2022</a:t>
             </a:fld>
             <a:endParaRPr lang="en-US"/>
           </a:p>
@@ -5771,10 +5771,16 @@
           <a:p>
             <a:pPr marR="0" rtl="0"/>
             <a:r>
+              <a:rPr lang="en-US" b="0" i="0" u="none" strike="noStrike" baseline="0">
+                <a:latin typeface="Cambria" panose="02040503050406030204" pitchFamily="18" charset="0"/>
+              </a:rPr>
+              <a:t>The Test </a:t>
+            </a:r>
+            <a:r>
               <a:rPr lang="en-US" b="0" i="0" u="none" strike="noStrike" baseline="0" dirty="0">
                 <a:latin typeface="Cambria" panose="02040503050406030204" pitchFamily="18" charset="0"/>
               </a:rPr>
-              <a:t>Test Statistic</a:t>
+              <a:t>Statistic</a:t>
             </a:r>
           </a:p>
         </p:txBody>
@@ -6086,9 +6092,10 @@
           <a:lstStyle/>
           <a:p>
             <a:r>
-              <a:rPr lang="en-US" dirty="0"/>
-              <a:t>Lower-Tailed Test</a:t>
-            </a:r>
+              <a:rPr lang="en-US"/>
+              <a:t>Lower-Tailed Tests</a:t>
+            </a:r>
+            <a:endParaRPr lang="en-US" dirty="0"/>
           </a:p>
         </p:txBody>
       </p:sp>
@@ -6344,9 +6351,10 @@
           <a:lstStyle/>
           <a:p>
             <a:r>
-              <a:rPr lang="en-US" dirty="0"/>
-              <a:t>Upper-Tailed Test</a:t>
-            </a:r>
+              <a:rPr lang="en-US"/>
+              <a:t>Upper-Tailed Tests</a:t>
+            </a:r>
+            <a:endParaRPr lang="en-US" dirty="0"/>
           </a:p>
         </p:txBody>
       </p:sp>
@@ -6534,9 +6542,10 @@
           <a:lstStyle/>
           <a:p>
             <a:r>
-              <a:rPr lang="en-US" dirty="0"/>
-              <a:t>Two-Tailed Test</a:t>
-            </a:r>
+              <a:rPr lang="en-US"/>
+              <a:t>Two-Tailed Tests</a:t>
+            </a:r>
+            <a:endParaRPr lang="en-US" dirty="0"/>
           </a:p>
         </p:txBody>
       </p:sp>

--- a/slides/COP2073C-Module8.pptx
+++ b/slides/COP2073C-Module8.pptx
@@ -5,7 +5,7 @@
     <p:sldMasterId id="2147483660" r:id="rId1"/>
   </p:sldMasterIdLst>
   <p:notesMasterIdLst>
-    <p:notesMasterId r:id="rId53"/>
+    <p:notesMasterId r:id="rId54"/>
   </p:notesMasterIdLst>
   <p:sldIdLst>
     <p:sldId id="836" r:id="rId2"/>
@@ -40,25 +40,26 @@
     <p:sldId id="1005" r:id="rId31"/>
     <p:sldId id="877" r:id="rId32"/>
     <p:sldId id="878" r:id="rId33"/>
-    <p:sldId id="881" r:id="rId34"/>
-    <p:sldId id="882" r:id="rId35"/>
-    <p:sldId id="883" r:id="rId36"/>
-    <p:sldId id="879" r:id="rId37"/>
-    <p:sldId id="885" r:id="rId38"/>
-    <p:sldId id="271" r:id="rId39"/>
-    <p:sldId id="982" r:id="rId40"/>
-    <p:sldId id="993" r:id="rId41"/>
-    <p:sldId id="994" r:id="rId42"/>
-    <p:sldId id="291" r:id="rId43"/>
-    <p:sldId id="1009" r:id="rId44"/>
-    <p:sldId id="1017" r:id="rId45"/>
-    <p:sldId id="1015" r:id="rId46"/>
-    <p:sldId id="1011" r:id="rId47"/>
-    <p:sldId id="1012" r:id="rId48"/>
-    <p:sldId id="1013" r:id="rId49"/>
-    <p:sldId id="1014" r:id="rId50"/>
-    <p:sldId id="1016" r:id="rId51"/>
-    <p:sldId id="296" r:id="rId52"/>
+    <p:sldId id="1020" r:id="rId34"/>
+    <p:sldId id="881" r:id="rId35"/>
+    <p:sldId id="882" r:id="rId36"/>
+    <p:sldId id="883" r:id="rId37"/>
+    <p:sldId id="879" r:id="rId38"/>
+    <p:sldId id="885" r:id="rId39"/>
+    <p:sldId id="271" r:id="rId40"/>
+    <p:sldId id="982" r:id="rId41"/>
+    <p:sldId id="993" r:id="rId42"/>
+    <p:sldId id="994" r:id="rId43"/>
+    <p:sldId id="291" r:id="rId44"/>
+    <p:sldId id="1009" r:id="rId45"/>
+    <p:sldId id="1017" r:id="rId46"/>
+    <p:sldId id="1015" r:id="rId47"/>
+    <p:sldId id="1011" r:id="rId48"/>
+    <p:sldId id="1012" r:id="rId49"/>
+    <p:sldId id="1013" r:id="rId50"/>
+    <p:sldId id="1014" r:id="rId51"/>
+    <p:sldId id="1016" r:id="rId52"/>
+    <p:sldId id="296" r:id="rId53"/>
   </p:sldIdLst>
   <p:sldSz cx="12192000" cy="6858000"/>
   <p:notesSz cx="6858000" cy="9144000"/>
@@ -258,7 +259,7 @@
           <a:p>
             <a:fld id="{2A37B5DA-8E33-465E-AA6E-3D89F39FC24F}" type="datetimeFigureOut">
               <a:rPr lang="en-US" smtClean="0"/>
-              <a:t>12/26/2022</a:t>
+              <a:t>12/27/2022</a:t>
             </a:fld>
             <a:endParaRPr lang="en-US" dirty="0"/>
           </a:p>
@@ -1199,7 +1200,7 @@
           <a:p>
             <a:fld id="{EA4713E7-B5C7-46C0-9D1A-09BA4EBDD267}" type="datetime1">
               <a:rPr lang="en-US" smtClean="0"/>
-              <a:t>12/26/2022</a:t>
+              <a:t>12/27/2022</a:t>
             </a:fld>
             <a:endParaRPr lang="en-US"/>
           </a:p>
@@ -6734,19 +6735,25 @@
           <a:p>
             <a:pPr marR="0" rtl="0"/>
             <a:r>
-              <a:rPr lang="en-US" b="0" i="0" u="none" strike="noStrike" baseline="0" dirty="0">
+              <a:rPr lang="en-US" sz="4000" b="0" i="0" u="none" strike="noStrike" baseline="0">
                 <a:latin typeface="Cambria" panose="02040503050406030204" pitchFamily="18" charset="0"/>
               </a:rPr>
-              <a:t>Single Mean Example Using </a:t>
-            </a:r>
-            <a:r>
-              <a:rPr lang="en-US" b="0" i="0" u="none" strike="noStrike" baseline="0" dirty="0" err="1">
+              <a:t>Practice: Single Mean Test </a:t>
+            </a:r>
+            <a:r>
+              <a:rPr lang="en-US" sz="4000" b="0" i="0" u="none" strike="noStrike" baseline="0" dirty="0">
                 <a:latin typeface="Cambria" panose="02040503050406030204" pitchFamily="18" charset="0"/>
               </a:rPr>
+              <a:t>Using </a:t>
+            </a:r>
+            <a:r>
+              <a:rPr lang="en-US" sz="4000" b="0" i="0" u="none" strike="noStrike" baseline="0" dirty="0" err="1">
+                <a:latin typeface="Cambria" panose="02040503050406030204" pitchFamily="18" charset="0"/>
+              </a:rPr>
               <a:t>pt</a:t>
             </a:r>
             <a:r>
-              <a:rPr lang="en-US" b="0" i="0" u="none" strike="noStrike" baseline="0" dirty="0">
+              <a:rPr lang="en-US" sz="4000" b="0" i="0" u="none" strike="noStrike" baseline="0" dirty="0">
                 <a:latin typeface="Cambria" panose="02040503050406030204" pitchFamily="18" charset="0"/>
               </a:rPr>
               <a:t> Function</a:t>
@@ -6961,11 +6968,14 @@
           <a:p>
             <a:pPr marR="0" rtl="0"/>
             <a:r>
-              <a:rPr lang="en-US" b="0" i="0" u="none" strike="noStrike" baseline="0" dirty="0">
+              <a:rPr lang="en-US" sz="4800" b="0" i="0" u="none" strike="noStrike" baseline="0">
                 <a:latin typeface="Cambria" panose="02040503050406030204" pitchFamily="18" charset="0"/>
               </a:rPr>
-              <a:t>Single Mean Example</a:t>
-            </a:r>
+              <a:t>Practice: Single Mean Test</a:t>
+            </a:r>
+            <a:endParaRPr lang="en-US" b="0" i="0" u="none" strike="noStrike" baseline="0" dirty="0">
+              <a:latin typeface="Cambria" panose="02040503050406030204" pitchFamily="18" charset="0"/>
+            </a:endParaRPr>
           </a:p>
         </p:txBody>
       </p:sp>
@@ -7142,11 +7152,14 @@
           <a:p>
             <a:pPr marR="0" rtl="0"/>
             <a:r>
-              <a:rPr lang="en-US" b="0" i="0" u="none" strike="noStrike" baseline="0" dirty="0">
+              <a:rPr lang="en-US" sz="4800" b="0" i="0" u="none" strike="noStrike" baseline="0">
                 <a:latin typeface="Cambria" panose="02040503050406030204" pitchFamily="18" charset="0"/>
               </a:rPr>
-              <a:t>Single Mean Example</a:t>
-            </a:r>
+              <a:t>Practice: Single Mean Test</a:t>
+            </a:r>
+            <a:endParaRPr lang="en-US" b="0" i="0" u="none" strike="noStrike" baseline="0" dirty="0">
+              <a:latin typeface="Cambria" panose="02040503050406030204" pitchFamily="18" charset="0"/>
+            </a:endParaRPr>
           </a:p>
         </p:txBody>
       </p:sp>
@@ -7413,11 +7426,14 @@
           <a:p>
             <a:pPr marR="0" rtl="0"/>
             <a:r>
-              <a:rPr lang="en-US" b="0" i="0" u="none" strike="noStrike" baseline="0" dirty="0">
+              <a:rPr lang="en-US" sz="4800" b="0" i="0" u="none" strike="noStrike" baseline="0">
                 <a:latin typeface="Cambria" panose="02040503050406030204" pitchFamily="18" charset="0"/>
               </a:rPr>
-              <a:t>Single Mean Example</a:t>
-            </a:r>
+              <a:t>Practice: Single Mean Test</a:t>
+            </a:r>
+            <a:endParaRPr lang="en-US" b="0" i="0" u="none" strike="noStrike" baseline="0" dirty="0">
+              <a:latin typeface="Cambria" panose="02040503050406030204" pitchFamily="18" charset="0"/>
+            </a:endParaRPr>
           </a:p>
         </p:txBody>
       </p:sp>
@@ -7679,11 +7695,14 @@
           <a:p>
             <a:pPr marR="0" rtl="0"/>
             <a:r>
-              <a:rPr lang="en-US" b="0" i="0" u="none" strike="noStrike" baseline="0" dirty="0">
+              <a:rPr lang="en-US" sz="4800" b="0" i="0" u="none" strike="noStrike" baseline="0">
                 <a:latin typeface="Cambria" panose="02040503050406030204" pitchFamily="18" charset="0"/>
               </a:rPr>
-              <a:t>Single Mean Example</a:t>
-            </a:r>
+              <a:t>Practice: Single Mean Test</a:t>
+            </a:r>
+            <a:endParaRPr lang="en-US" b="0" i="0" u="none" strike="noStrike" baseline="0" dirty="0">
+              <a:latin typeface="Cambria" panose="02040503050406030204" pitchFamily="18" charset="0"/>
+            </a:endParaRPr>
           </a:p>
         </p:txBody>
       </p:sp>
@@ -8040,11 +8059,14 @@
           <a:p>
             <a:pPr marR="0" rtl="0"/>
             <a:r>
-              <a:rPr lang="en-US" b="0" i="0" u="none" strike="noStrike" baseline="0" dirty="0">
+              <a:rPr lang="en-US" sz="4800" b="0" i="0" u="none" strike="noStrike" baseline="0">
                 <a:latin typeface="Cambria" panose="02040503050406030204" pitchFamily="18" charset="0"/>
               </a:rPr>
-              <a:t>Single Mean Example</a:t>
-            </a:r>
+              <a:t>Practice: Single Mean Test</a:t>
+            </a:r>
+            <a:endParaRPr lang="en-US" b="0" i="0" u="none" strike="noStrike" baseline="0" dirty="0">
+              <a:latin typeface="Cambria" panose="02040503050406030204" pitchFamily="18" charset="0"/>
+            </a:endParaRPr>
           </a:p>
         </p:txBody>
       </p:sp>
@@ -8250,9 +8272,10 @@
           <a:lstStyle/>
           <a:p>
             <a:r>
-              <a:rPr lang="en-US" dirty="0"/>
-              <a:t>t-Distribution</a:t>
-            </a:r>
+              <a:rPr lang="en-US"/>
+              <a:t>The t-Distribution</a:t>
+            </a:r>
+            <a:endParaRPr lang="en-US" dirty="0"/>
           </a:p>
         </p:txBody>
       </p:sp>
@@ -8436,7 +8459,7 @@
         </p:nvSpPr>
         <p:spPr>
           <a:xfrm>
-            <a:off x="2616360" y="4642862"/>
+            <a:off x="3148916" y="4760849"/>
             <a:ext cx="3595254" cy="830997"/>
           </a:xfrm>
           <a:prstGeom prst="rect">
@@ -9734,8 +9757,8 @@
         </p:nvSpPr>
         <p:spPr>
           <a:xfrm>
-            <a:off x="609600" y="1208691"/>
-            <a:ext cx="10160000" cy="5268310"/>
+            <a:off x="609600" y="1129862"/>
+            <a:ext cx="10160000" cy="5347139"/>
           </a:xfrm>
         </p:spPr>
         <p:txBody>
@@ -9750,7 +9773,7 @@
           <a:p>
             <a:pPr lvl="1"/>
             <a:r>
-              <a:rPr lang="en-US" sz="2400" dirty="0"/>
+              <a:rPr lang="en-US" dirty="0"/>
               <a:t>In this modern day and age, you're that kind of person that still relies on family and friends for recommendations. So, you ask them to rate those movies and get ready to crunch the data.</a:t>
             </a:r>
           </a:p>
@@ -9802,7 +9825,7 @@
         </p:nvSpPr>
         <p:spPr>
           <a:xfrm>
-            <a:off x="1638145" y="3650385"/>
+            <a:off x="1498036" y="5168839"/>
             <a:ext cx="2695575" cy="1333500"/>
           </a:xfrm>
           <a:prstGeom prst="rect">
@@ -9876,8 +9899,21 @@
                   <a:schemeClr val="tx1"/>
                 </a:solidFill>
               </a:rPr>
-              <a:t>median: 4.5</a:t>
-            </a:r>
+              <a:t>median</a:t>
+            </a:r>
+            <a:r>
+              <a:rPr lang="en-US" sz="1400">
+                <a:solidFill>
+                  <a:schemeClr val="tx1"/>
+                </a:solidFill>
+              </a:rPr>
+              <a:t>: 4.355</a:t>
+            </a:r>
+            <a:endParaRPr lang="en-US" sz="1400" dirty="0">
+              <a:solidFill>
+                <a:schemeClr val="tx1"/>
+              </a:solidFill>
+            </a:endParaRPr>
           </a:p>
           <a:p>
             <a:pPr algn="ctr"/>
@@ -9887,8 +9923,21 @@
                   <a:schemeClr val="tx1"/>
                 </a:solidFill>
               </a:rPr>
-              <a:t>mean: 4.26</a:t>
-            </a:r>
+              <a:t>mean</a:t>
+            </a:r>
+            <a:r>
+              <a:rPr lang="en-US" sz="1400">
+                <a:solidFill>
+                  <a:schemeClr val="tx1"/>
+                </a:solidFill>
+              </a:rPr>
+              <a:t>: 4.355</a:t>
+            </a:r>
+            <a:endParaRPr lang="en-US" sz="1400" dirty="0">
+              <a:solidFill>
+                <a:schemeClr val="tx1"/>
+              </a:solidFill>
+            </a:endParaRPr>
           </a:p>
           <a:p>
             <a:pPr algn="ctr"/>
@@ -9898,8 +9947,21 @@
                   <a:schemeClr val="tx1"/>
                 </a:solidFill>
               </a:rPr>
-              <a:t>standard deviation: 0.663</a:t>
-            </a:r>
+              <a:t>standard deviation</a:t>
+            </a:r>
+            <a:r>
+              <a:rPr lang="en-US" sz="1400">
+                <a:solidFill>
+                  <a:schemeClr val="tx1"/>
+                </a:solidFill>
+              </a:rPr>
+              <a:t>: 0.773</a:t>
+            </a:r>
+            <a:endParaRPr lang="en-US" sz="1400" dirty="0">
+              <a:solidFill>
+                <a:schemeClr val="tx1"/>
+              </a:solidFill>
+            </a:endParaRPr>
           </a:p>
         </p:txBody>
       </p:sp>
@@ -9917,7 +9979,7 @@
         </p:nvSpPr>
         <p:spPr>
           <a:xfrm>
-            <a:off x="7029296" y="3650386"/>
+            <a:off x="6889187" y="5168840"/>
             <a:ext cx="2695575" cy="1333501"/>
           </a:xfrm>
           <a:prstGeom prst="rect">
@@ -9976,8 +10038,21 @@
                   <a:schemeClr val="tx1"/>
                 </a:solidFill>
               </a:rPr>
-              <a:t>median:  3.5</a:t>
-            </a:r>
+              <a:t>median</a:t>
+            </a:r>
+            <a:r>
+              <a:rPr lang="en-US" sz="1400">
+                <a:solidFill>
+                  <a:schemeClr val="tx1"/>
+                </a:solidFill>
+              </a:rPr>
+              <a:t>:  2.16</a:t>
+            </a:r>
+            <a:endParaRPr lang="en-US" sz="1400" dirty="0">
+              <a:solidFill>
+                <a:schemeClr val="tx1"/>
+              </a:solidFill>
+            </a:endParaRPr>
           </a:p>
           <a:p>
             <a:pPr algn="ctr"/>
@@ -9987,8 +10062,21 @@
                   <a:schemeClr val="tx1"/>
                 </a:solidFill>
               </a:rPr>
-              <a:t>mean:  3.5</a:t>
-            </a:r>
+              <a:t>mean</a:t>
+            </a:r>
+            <a:r>
+              <a:rPr lang="en-US" sz="1400">
+                <a:solidFill>
+                  <a:schemeClr val="tx1"/>
+                </a:solidFill>
+              </a:rPr>
+              <a:t>:  2</a:t>
+            </a:r>
+            <a:endParaRPr lang="en-US" sz="1400" dirty="0">
+              <a:solidFill>
+                <a:schemeClr val="tx1"/>
+              </a:solidFill>
+            </a:endParaRPr>
           </a:p>
           <a:p>
             <a:pPr algn="ctr"/>
@@ -9998,8 +10086,21 @@
                   <a:schemeClr val="tx1"/>
                 </a:solidFill>
               </a:rPr>
-              <a:t>standard deviation: .892</a:t>
-            </a:r>
+              <a:t>standard deviation</a:t>
+            </a:r>
+            <a:r>
+              <a:rPr lang="en-US" sz="1400">
+                <a:solidFill>
+                  <a:schemeClr val="tx1"/>
+                </a:solidFill>
+              </a:rPr>
+              <a:t>: .608</a:t>
+            </a:r>
+            <a:endParaRPr lang="en-US" sz="1400" dirty="0">
+              <a:solidFill>
+                <a:schemeClr val="tx1"/>
+              </a:solidFill>
+            </a:endParaRPr>
           </a:p>
         </p:txBody>
       </p:sp>
@@ -10017,7 +10118,7 @@
         </p:nvSpPr>
         <p:spPr>
           <a:xfrm>
-            <a:off x="3733800" y="6403817"/>
+            <a:off x="3674806" y="6555828"/>
             <a:ext cx="4267200" cy="246221"/>
           </a:xfrm>
           <a:prstGeom prst="rect">
@@ -10052,7 +10153,7 @@
         </p:nvSpPr>
         <p:spPr>
           <a:xfrm>
-            <a:off x="4305146" y="3650385"/>
+            <a:off x="4165037" y="5168839"/>
             <a:ext cx="2695575" cy="1333500"/>
           </a:xfrm>
           <a:prstGeom prst="rect">
@@ -10111,8 +10212,21 @@
                   <a:schemeClr val="tx1"/>
                 </a:solidFill>
               </a:rPr>
-              <a:t>median :  4.5</a:t>
-            </a:r>
+              <a:t>median </a:t>
+            </a:r>
+            <a:r>
+              <a:rPr lang="en-US" sz="1400">
+                <a:solidFill>
+                  <a:schemeClr val="tx1"/>
+                </a:solidFill>
+              </a:rPr>
+              <a:t>:  5</a:t>
+            </a:r>
+            <a:endParaRPr lang="en-US" sz="1400" dirty="0">
+              <a:solidFill>
+                <a:schemeClr val="tx1"/>
+              </a:solidFill>
+            </a:endParaRPr>
           </a:p>
           <a:p>
             <a:pPr algn="ctr"/>
@@ -10122,8 +10236,21 @@
                   <a:schemeClr val="tx1"/>
                 </a:solidFill>
               </a:rPr>
-              <a:t>mean:  4.09</a:t>
-            </a:r>
+              <a:t>mean</a:t>
+            </a:r>
+            <a:r>
+              <a:rPr lang="en-US" sz="1400">
+                <a:solidFill>
+                  <a:schemeClr val="tx1"/>
+                </a:solidFill>
+              </a:rPr>
+              <a:t>:  4.545</a:t>
+            </a:r>
+            <a:endParaRPr lang="en-US" sz="1400" dirty="0">
+              <a:solidFill>
+                <a:schemeClr val="tx1"/>
+              </a:solidFill>
+            </a:endParaRPr>
           </a:p>
           <a:p>
             <a:pPr algn="ctr"/>
@@ -10133,11 +10260,464 @@
                   <a:schemeClr val="tx1"/>
                 </a:solidFill>
               </a:rPr>
-              <a:t>standard deviation:  .746</a:t>
-            </a:r>
-          </a:p>
-        </p:txBody>
-      </p:sp>
+              <a:t>standard deviation</a:t>
+            </a:r>
+            <a:r>
+              <a:rPr lang="en-US" sz="1400">
+                <a:solidFill>
+                  <a:schemeClr val="tx1"/>
+                </a:solidFill>
+              </a:rPr>
+              <a:t>:  .627</a:t>
+            </a:r>
+            <a:endParaRPr lang="en-US" sz="1400" dirty="0">
+              <a:solidFill>
+                <a:schemeClr val="tx1"/>
+              </a:solidFill>
+            </a:endParaRPr>
+          </a:p>
+        </p:txBody>
+      </p:sp>
+      <p:graphicFrame>
+        <p:nvGraphicFramePr>
+          <p:cNvPr id="11" name="Table 11">
+            <a:extLst>
+              <a:ext uri="{FF2B5EF4-FFF2-40B4-BE49-F238E27FC236}">
+                <a16:creationId xmlns:a16="http://schemas.microsoft.com/office/drawing/2014/main" id="{536E0BCE-508B-7D52-602D-2EF5B7D5DCAF}"/>
+              </a:ext>
+            </a:extLst>
+          </p:cNvPr>
+          <p:cNvGraphicFramePr>
+            <a:graphicFrameLocks noGrp="1"/>
+          </p:cNvGraphicFramePr>
+          <p:nvPr>
+            <p:extLst>
+              <p:ext uri="{D42A27DB-BD31-4B8C-83A1-F6EECF244321}">
+                <p14:modId xmlns:p14="http://schemas.microsoft.com/office/powerpoint/2010/main" val="1022896851"/>
+              </p:ext>
+            </p:extLst>
+          </p:nvPr>
+        </p:nvGraphicFramePr>
+        <p:xfrm>
+          <a:off x="2308432" y="2814030"/>
+          <a:ext cx="5842818" cy="2138680"/>
+        </p:xfrm>
+        <a:graphic>
+          <a:graphicData uri="http://schemas.openxmlformats.org/drawingml/2006/table">
+            <a:tbl>
+              <a:tblPr firstRow="1" bandRow="1">
+                <a:tableStyleId>{5C22544A-7EE6-4342-B048-85BDC9FD1C3A}</a:tableStyleId>
+              </a:tblPr>
+              <a:tblGrid>
+                <a:gridCol w="973803">
+                  <a:extLst>
+                    <a:ext uri="{9D8B030D-6E8A-4147-A177-3AD203B41FA5}">
+                      <a16:colId xmlns:a16="http://schemas.microsoft.com/office/drawing/2014/main" val="2149088704"/>
+                    </a:ext>
+                  </a:extLst>
+                </a:gridCol>
+                <a:gridCol w="973803">
+                  <a:extLst>
+                    <a:ext uri="{9D8B030D-6E8A-4147-A177-3AD203B41FA5}">
+                      <a16:colId xmlns:a16="http://schemas.microsoft.com/office/drawing/2014/main" val="30183569"/>
+                    </a:ext>
+                  </a:extLst>
+                </a:gridCol>
+                <a:gridCol w="973803">
+                  <a:extLst>
+                    <a:ext uri="{9D8B030D-6E8A-4147-A177-3AD203B41FA5}">
+                      <a16:colId xmlns:a16="http://schemas.microsoft.com/office/drawing/2014/main" val="3783372859"/>
+                    </a:ext>
+                  </a:extLst>
+                </a:gridCol>
+                <a:gridCol w="973803">
+                  <a:extLst>
+                    <a:ext uri="{9D8B030D-6E8A-4147-A177-3AD203B41FA5}">
+                      <a16:colId xmlns:a16="http://schemas.microsoft.com/office/drawing/2014/main" val="790332771"/>
+                    </a:ext>
+                  </a:extLst>
+                </a:gridCol>
+                <a:gridCol w="973803">
+                  <a:extLst>
+                    <a:ext uri="{9D8B030D-6E8A-4147-A177-3AD203B41FA5}">
+                      <a16:colId xmlns:a16="http://schemas.microsoft.com/office/drawing/2014/main" val="424726474"/>
+                    </a:ext>
+                  </a:extLst>
+                </a:gridCol>
+                <a:gridCol w="973803">
+                  <a:extLst>
+                    <a:ext uri="{9D8B030D-6E8A-4147-A177-3AD203B41FA5}">
+                      <a16:colId xmlns:a16="http://schemas.microsoft.com/office/drawing/2014/main" val="3289816598"/>
+                    </a:ext>
+                  </a:extLst>
+                </a:gridCol>
+              </a:tblGrid>
+              <a:tr h="370840">
+                <a:tc>
+                  <a:txBody>
+                    <a:bodyPr/>
+                    <a:lstStyle/>
+                    <a:p>
+                      <a:pPr marL="0" marR="0" lvl="0" indent="0" algn="l" defTabSz="914400" rtl="0" eaLnBrk="1" fontAlgn="auto" latinLnBrk="0" hangingPunct="1">
+                        <a:lnSpc>
+                          <a:spcPct val="100000"/>
+                        </a:lnSpc>
+                        <a:spcBef>
+                          <a:spcPts val="0"/>
+                        </a:spcBef>
+                        <a:spcAft>
+                          <a:spcPts val="0"/>
+                        </a:spcAft>
+                        <a:buClrTx/>
+                        <a:buSzTx/>
+                        <a:buFontTx/>
+                        <a:buNone/>
+                        <a:tabLst/>
+                        <a:defRPr/>
+                      </a:pPr>
+                      <a:r>
+                        <a:rPr lang="en-US" sz="1400"/>
+                        <a:t>Movie Ratings </a:t>
+                      </a:r>
+                    </a:p>
+                    <a:p>
+                      <a:pPr marL="0" marR="0" lvl="0" indent="0" algn="l" defTabSz="914400" rtl="0" eaLnBrk="1" fontAlgn="auto" latinLnBrk="0" hangingPunct="1">
+                        <a:lnSpc>
+                          <a:spcPct val="100000"/>
+                        </a:lnSpc>
+                        <a:spcBef>
+                          <a:spcPts val="0"/>
+                        </a:spcBef>
+                        <a:spcAft>
+                          <a:spcPts val="0"/>
+                        </a:spcAft>
+                        <a:buClrTx/>
+                        <a:buSzTx/>
+                        <a:buFontTx/>
+                        <a:buNone/>
+                        <a:tabLst/>
+                        <a:defRPr/>
+                      </a:pPr>
+                      <a:r>
+                        <a:rPr lang="en-US" sz="1400"/>
+                        <a:t>(1-5 stars)  </a:t>
+                      </a:r>
+                    </a:p>
+                  </a:txBody>
+                  <a:tcPr/>
+                </a:tc>
+                <a:tc>
+                  <a:txBody>
+                    <a:bodyPr/>
+                    <a:lstStyle/>
+                    <a:p>
+                      <a:r>
+                        <a:rPr lang="en-US" sz="1400"/>
+                        <a:t>1-star</a:t>
+                      </a:r>
+                    </a:p>
+                  </a:txBody>
+                  <a:tcPr/>
+                </a:tc>
+                <a:tc>
+                  <a:txBody>
+                    <a:bodyPr/>
+                    <a:lstStyle/>
+                    <a:p>
+                      <a:r>
+                        <a:rPr lang="en-US" sz="1400"/>
+                        <a:t>2-stars</a:t>
+                      </a:r>
+                    </a:p>
+                  </a:txBody>
+                  <a:tcPr/>
+                </a:tc>
+                <a:tc>
+                  <a:txBody>
+                    <a:bodyPr/>
+                    <a:lstStyle/>
+                    <a:p>
+                      <a:r>
+                        <a:rPr lang="en-US" sz="1400"/>
+                        <a:t>3-stars</a:t>
+                      </a:r>
+                    </a:p>
+                  </a:txBody>
+                  <a:tcPr/>
+                </a:tc>
+                <a:tc>
+                  <a:txBody>
+                    <a:bodyPr/>
+                    <a:lstStyle/>
+                    <a:p>
+                      <a:r>
+                        <a:rPr lang="en-US" sz="1400"/>
+                        <a:t>4-stars</a:t>
+                      </a:r>
+                    </a:p>
+                  </a:txBody>
+                  <a:tcPr/>
+                </a:tc>
+                <a:tc>
+                  <a:txBody>
+                    <a:bodyPr/>
+                    <a:lstStyle/>
+                    <a:p>
+                      <a:r>
+                        <a:rPr lang="en-US" sz="1400"/>
+                        <a:t>5-stars</a:t>
+                      </a:r>
+                    </a:p>
+                  </a:txBody>
+                  <a:tcPr/>
+                </a:tc>
+                <a:extLst>
+                  <a:ext uri="{0D108BD9-81ED-4DB2-BD59-A6C34878D82A}">
+                    <a16:rowId xmlns:a16="http://schemas.microsoft.com/office/drawing/2014/main" val="2565761381"/>
+                  </a:ext>
+                </a:extLst>
+              </a:tr>
+              <a:tr h="370840">
+                <a:tc>
+                  <a:txBody>
+                    <a:bodyPr/>
+                    <a:lstStyle/>
+                    <a:p>
+                      <a:r>
+                        <a:rPr lang="en-US" sz="1400"/>
+                        <a:t>Interstellar</a:t>
+                      </a:r>
+                    </a:p>
+                  </a:txBody>
+                  <a:tcPr/>
+                </a:tc>
+                <a:tc>
+                  <a:txBody>
+                    <a:bodyPr/>
+                    <a:lstStyle/>
+                    <a:p>
+                      <a:endParaRPr lang="en-US" sz="1400"/>
+                    </a:p>
+                  </a:txBody>
+                  <a:tcPr/>
+                </a:tc>
+                <a:tc>
+                  <a:txBody>
+                    <a:bodyPr/>
+                    <a:lstStyle/>
+                    <a:p>
+                      <a:endParaRPr lang="en-US" sz="1400"/>
+                    </a:p>
+                  </a:txBody>
+                  <a:tcPr/>
+                </a:tc>
+                <a:tc>
+                  <a:txBody>
+                    <a:bodyPr/>
+                    <a:lstStyle/>
+                    <a:p>
+                      <a:r>
+                        <a:rPr lang="en-US" sz="1400"/>
+                        <a:t>8</a:t>
+                      </a:r>
+                    </a:p>
+                  </a:txBody>
+                  <a:tcPr/>
+                </a:tc>
+                <a:tc>
+                  <a:txBody>
+                    <a:bodyPr/>
+                    <a:lstStyle/>
+                    <a:p>
+                      <a:r>
+                        <a:rPr lang="en-US" sz="1400"/>
+                        <a:t>13</a:t>
+                      </a:r>
+                    </a:p>
+                  </a:txBody>
+                  <a:tcPr/>
+                </a:tc>
+                <a:tc>
+                  <a:txBody>
+                    <a:bodyPr/>
+                    <a:lstStyle/>
+                    <a:p>
+                      <a:r>
+                        <a:rPr lang="en-US" sz="1400"/>
+                        <a:t>24</a:t>
+                      </a:r>
+                    </a:p>
+                  </a:txBody>
+                  <a:tcPr/>
+                </a:tc>
+                <a:extLst>
+                  <a:ext uri="{0D108BD9-81ED-4DB2-BD59-A6C34878D82A}">
+                    <a16:rowId xmlns:a16="http://schemas.microsoft.com/office/drawing/2014/main" val="2418683552"/>
+                  </a:ext>
+                </a:extLst>
+              </a:tr>
+              <a:tr h="370840">
+                <a:tc>
+                  <a:txBody>
+                    <a:bodyPr/>
+                    <a:lstStyle/>
+                    <a:p>
+                      <a:r>
+                        <a:rPr lang="en-US" sz="1400"/>
+                        <a:t>Star Wars: Last Jedi</a:t>
+                      </a:r>
+                    </a:p>
+                  </a:txBody>
+                  <a:tcPr/>
+                </a:tc>
+                <a:tc>
+                  <a:txBody>
+                    <a:bodyPr/>
+                    <a:lstStyle/>
+                    <a:p>
+                      <a:endParaRPr lang="en-US" sz="1400"/>
+                    </a:p>
+                  </a:txBody>
+                  <a:tcPr/>
+                </a:tc>
+                <a:tc>
+                  <a:txBody>
+                    <a:bodyPr/>
+                    <a:lstStyle/>
+                    <a:p>
+                      <a:endParaRPr lang="en-US" sz="1400"/>
+                    </a:p>
+                  </a:txBody>
+                  <a:tcPr/>
+                </a:tc>
+                <a:tc>
+                  <a:txBody>
+                    <a:bodyPr/>
+                    <a:lstStyle/>
+                    <a:p>
+                      <a:r>
+                        <a:rPr lang="en-US" sz="1400"/>
+                        <a:t>3</a:t>
+                      </a:r>
+                    </a:p>
+                  </a:txBody>
+                  <a:tcPr/>
+                </a:tc>
+                <a:tc>
+                  <a:txBody>
+                    <a:bodyPr/>
+                    <a:lstStyle/>
+                    <a:p>
+                      <a:r>
+                        <a:rPr lang="en-US" sz="1400"/>
+                        <a:t>14</a:t>
+                      </a:r>
+                    </a:p>
+                  </a:txBody>
+                  <a:tcPr/>
+                </a:tc>
+                <a:tc>
+                  <a:txBody>
+                    <a:bodyPr/>
+                    <a:lstStyle/>
+                    <a:p>
+                      <a:r>
+                        <a:rPr lang="en-US" sz="1400"/>
+                        <a:t>27</a:t>
+                      </a:r>
+                    </a:p>
+                  </a:txBody>
+                  <a:tcPr/>
+                </a:tc>
+                <a:extLst>
+                  <a:ext uri="{0D108BD9-81ED-4DB2-BD59-A6C34878D82A}">
+                    <a16:rowId xmlns:a16="http://schemas.microsoft.com/office/drawing/2014/main" val="4261845419"/>
+                  </a:ext>
+                </a:extLst>
+              </a:tr>
+              <a:tr h="370840">
+                <a:tc>
+                  <a:txBody>
+                    <a:bodyPr/>
+                    <a:lstStyle/>
+                    <a:p>
+                      <a:r>
+                        <a:rPr lang="en-US" sz="1400"/>
+                        <a:t>The Emoji Movie</a:t>
+                      </a:r>
+                    </a:p>
+                  </a:txBody>
+                  <a:tcPr/>
+                </a:tc>
+                <a:tc>
+                  <a:txBody>
+                    <a:bodyPr/>
+                    <a:lstStyle/>
+                    <a:p>
+                      <a:r>
+                        <a:rPr lang="en-US" sz="1400"/>
+                        <a:t>5</a:t>
+                      </a:r>
+                    </a:p>
+                  </a:txBody>
+                  <a:tcPr/>
+                </a:tc>
+                <a:tc>
+                  <a:txBody>
+                    <a:bodyPr/>
+                    <a:lstStyle/>
+                    <a:p>
+                      <a:r>
+                        <a:rPr lang="en-US" sz="1400"/>
+                        <a:t>27</a:t>
+                      </a:r>
+                    </a:p>
+                  </a:txBody>
+                  <a:tcPr/>
+                </a:tc>
+                <a:tc>
+                  <a:txBody>
+                    <a:bodyPr/>
+                    <a:lstStyle/>
+                    <a:p>
+                      <a:r>
+                        <a:rPr lang="en-US" sz="1400"/>
+                        <a:t>12</a:t>
+                      </a:r>
+                    </a:p>
+                  </a:txBody>
+                  <a:tcPr/>
+                </a:tc>
+                <a:tc>
+                  <a:txBody>
+                    <a:bodyPr/>
+                    <a:lstStyle/>
+                    <a:p>
+                      <a:endParaRPr lang="en-US" sz="1400"/>
+                    </a:p>
+                  </a:txBody>
+                  <a:tcPr/>
+                </a:tc>
+                <a:tc>
+                  <a:txBody>
+                    <a:bodyPr/>
+                    <a:lstStyle/>
+                    <a:p>
+                      <a:endParaRPr lang="en-US" sz="1400"/>
+                    </a:p>
+                  </a:txBody>
+                  <a:tcPr/>
+                </a:tc>
+                <a:extLst>
+                  <a:ext uri="{0D108BD9-81ED-4DB2-BD59-A6C34878D82A}">
+                    <a16:rowId xmlns:a16="http://schemas.microsoft.com/office/drawing/2014/main" val="685491166"/>
+                  </a:ext>
+                </a:extLst>
+              </a:tr>
+            </a:tbl>
+          </a:graphicData>
+        </a:graphic>
+      </p:graphicFrame>
     </p:spTree>
     <p:extLst>
       <p:ext uri="{BB962C8B-B14F-4D97-AF65-F5344CB8AC3E}">
@@ -10173,7 +10753,7 @@
           <p:cNvPr id="2" name="Title 1">
             <a:extLst>
               <a:ext uri="{FF2B5EF4-FFF2-40B4-BE49-F238E27FC236}">
-                <a16:creationId xmlns:a16="http://schemas.microsoft.com/office/drawing/2014/main" id="{4743F040-4EC7-4973-BD21-386FAA280462}"/>
+                <a16:creationId xmlns:a16="http://schemas.microsoft.com/office/drawing/2014/main" id="{98CF5E9F-BA15-4C2B-A419-2DDEDF8FDECE}"/>
               </a:ext>
             </a:extLst>
           </p:cNvPr>
@@ -10186,8 +10766,8 @@
         </p:nvSpPr>
         <p:spPr>
           <a:xfrm>
-            <a:off x="609600" y="148514"/>
-            <a:ext cx="10160000" cy="923541"/>
+            <a:off x="609600" y="116983"/>
+            <a:ext cx="10160000" cy="934052"/>
           </a:xfrm>
         </p:spPr>
         <p:txBody>
@@ -10196,7 +10776,15 @@
           <a:p>
             <a:r>
               <a:rPr lang="en-US" dirty="0"/>
-              <a:t>Define the Hypothesis</a:t>
+              <a:t>Using </a:t>
+            </a:r>
+            <a:r>
+              <a:rPr lang="en-US" dirty="0" err="1"/>
+              <a:t>t.test</a:t>
+            </a:r>
+            <a:r>
+              <a:rPr lang="en-US" dirty="0"/>
+              <a:t>() to Analyze Movies</a:t>
             </a:r>
           </a:p>
         </p:txBody>
@@ -10206,7 +10794,7 @@
           <p:cNvPr id="3" name="Content Placeholder 2">
             <a:extLst>
               <a:ext uri="{FF2B5EF4-FFF2-40B4-BE49-F238E27FC236}">
-                <a16:creationId xmlns:a16="http://schemas.microsoft.com/office/drawing/2014/main" id="{CEF0306D-4EB2-4E39-AA08-5D95CF1BFBFF}"/>
+                <a16:creationId xmlns:a16="http://schemas.microsoft.com/office/drawing/2014/main" id="{42CDBE9B-F206-406A-95C4-3FFC96F6E5D4}"/>
               </a:ext>
             </a:extLst>
           </p:cNvPr>
@@ -10219,8 +10807,8 @@
         </p:nvSpPr>
         <p:spPr>
           <a:xfrm>
-            <a:off x="609600" y="1198179"/>
-            <a:ext cx="10160000" cy="5278821"/>
+            <a:off x="609600" y="1129862"/>
+            <a:ext cx="10160000" cy="5347139"/>
           </a:xfrm>
         </p:spPr>
         <p:txBody>
@@ -10229,33 +10817,140 @@
           </a:bodyPr>
           <a:lstStyle/>
           <a:p>
-            <a:r>
-              <a:rPr lang="en-US" sz="2400" dirty="0"/>
-              <a:t>The null hypothesis (H0) states that all things remain equal. No phenomena is observed or there is not relationship between what you are comparing</a:t>
-            </a:r>
-          </a:p>
-          <a:p>
-            <a:r>
-              <a:rPr lang="en-US" sz="2400" dirty="0"/>
-              <a:t>The alternative hypothesis (HA): states the opposite of the null Hypothesis. That there was some change, or observed relationship between what you are comparing</a:t>
-            </a:r>
-          </a:p>
-          <a:p>
-            <a:r>
-              <a:rPr lang="en-US" sz="2400" dirty="0"/>
-              <a:t>For your movie choices, you want to know if one movie is significantly better than the others.</a:t>
-            </a:r>
-          </a:p>
-          <a:p>
-            <a:pPr lvl="1"/>
-            <a:r>
-              <a:rPr lang="en-US" sz="2400" dirty="0"/>
-              <a:t>In this case, you can build your hypothesis on the difference between the average rating your friends gave to each movie.</a:t>
-            </a:r>
-          </a:p>
-          <a:p>
-            <a:pPr lvl="1"/>
-            <a:endParaRPr lang="en-US" sz="2400" dirty="0"/>
+            <a:pPr marL="114300" indent="0">
+              <a:buNone/>
+            </a:pPr>
+            <a:r>
+              <a:rPr lang="en-US" sz="1800"/>
+              <a:t># set up the data, calculate summary stats</a:t>
+            </a:r>
+          </a:p>
+          <a:p>
+            <a:pPr marL="114300" indent="0">
+              <a:buNone/>
+            </a:pPr>
+            <a:r>
+              <a:rPr lang="en-US" sz="1800"/>
+              <a:t>&gt; m_in &lt;- c(rep(3,8), rep(4,13), rep(5,24))</a:t>
+            </a:r>
+          </a:p>
+          <a:p>
+            <a:pPr marL="114300" indent="0">
+              <a:buNone/>
+            </a:pPr>
+            <a:r>
+              <a:rPr lang="en-US" sz="1800"/>
+              <a:t>&gt; m_sw &lt;- c(rep(3,3), rep(4,14), rep(5,27))</a:t>
+            </a:r>
+          </a:p>
+          <a:p>
+            <a:pPr marL="114300" indent="0">
+              <a:buNone/>
+            </a:pPr>
+            <a:r>
+              <a:rPr lang="en-US" sz="1800"/>
+              <a:t>&gt; m_em &lt;- c(rep(1,5), rep(2,27), rep(3,12))</a:t>
+            </a:r>
+          </a:p>
+          <a:p>
+            <a:pPr marL="114300" indent="0">
+              <a:buNone/>
+            </a:pPr>
+            <a:endParaRPr lang="en-US" sz="1800"/>
+          </a:p>
+          <a:p>
+            <a:pPr marL="114300" indent="0">
+              <a:buNone/>
+            </a:pPr>
+            <a:r>
+              <a:rPr lang="en-US" sz="1800"/>
+              <a:t>&gt; mean_in &lt;- mean(m_in)</a:t>
+            </a:r>
+          </a:p>
+          <a:p>
+            <a:pPr marL="114300" indent="0">
+              <a:buNone/>
+            </a:pPr>
+            <a:r>
+              <a:rPr lang="en-US" sz="1800"/>
+              <a:t>&gt; mean_sw &lt;- mean(m_sw)</a:t>
+            </a:r>
+          </a:p>
+          <a:p>
+            <a:pPr marL="114300" indent="0">
+              <a:buNone/>
+            </a:pPr>
+            <a:r>
+              <a:rPr lang="en-US" sz="1800"/>
+              <a:t>&gt; mean_em &lt;- mean(m_em)</a:t>
+            </a:r>
+          </a:p>
+          <a:p>
+            <a:pPr marL="114300" indent="0">
+              <a:buNone/>
+            </a:pPr>
+            <a:endParaRPr lang="en-US" sz="1800"/>
+          </a:p>
+          <a:p>
+            <a:pPr marL="114300" indent="0">
+              <a:buNone/>
+            </a:pPr>
+            <a:r>
+              <a:rPr lang="en-US" sz="1800"/>
+              <a:t>&gt; median_in &lt;- mean(m_in)</a:t>
+            </a:r>
+          </a:p>
+          <a:p>
+            <a:pPr marL="114300" indent="0">
+              <a:buNone/>
+            </a:pPr>
+            <a:r>
+              <a:rPr lang="en-US" sz="1800"/>
+              <a:t>&gt; median_sw &lt;- median(m_sw)</a:t>
+            </a:r>
+          </a:p>
+          <a:p>
+            <a:pPr marL="114300" indent="0">
+              <a:buNone/>
+            </a:pPr>
+            <a:r>
+              <a:rPr lang="en-US" sz="1800"/>
+              <a:t>&gt; median_em &lt;- median(m_em)</a:t>
+            </a:r>
+          </a:p>
+          <a:p>
+            <a:pPr marL="114300" indent="0">
+              <a:buNone/>
+            </a:pPr>
+            <a:endParaRPr lang="en-US" sz="1800"/>
+          </a:p>
+          <a:p>
+            <a:pPr marL="114300" indent="0">
+              <a:buNone/>
+            </a:pPr>
+            <a:r>
+              <a:rPr lang="en-US" sz="1800"/>
+              <a:t>&gt; sd_in &lt;- sd(m_in)</a:t>
+            </a:r>
+          </a:p>
+          <a:p>
+            <a:pPr marL="114300" indent="0">
+              <a:buNone/>
+            </a:pPr>
+            <a:r>
+              <a:rPr lang="en-US" sz="1800"/>
+              <a:t>&gt; sd_sw &lt;- sd(m_sw)</a:t>
+            </a:r>
+          </a:p>
+          <a:p>
+            <a:pPr marL="114300" indent="0">
+              <a:buNone/>
+            </a:pPr>
+            <a:r>
+              <a:rPr lang="en-US" sz="1800"/>
+              <a:t>&gt; sd_em &lt;- sd(m_em)</a:t>
+            </a:r>
+            <a:endParaRPr lang="en-US" sz="1800" dirty="0"/>
           </a:p>
         </p:txBody>
       </p:sp>
@@ -10264,7 +10959,7 @@
           <p:cNvPr id="4" name="Slide Number Placeholder 3">
             <a:extLst>
               <a:ext uri="{FF2B5EF4-FFF2-40B4-BE49-F238E27FC236}">
-                <a16:creationId xmlns:a16="http://schemas.microsoft.com/office/drawing/2014/main" id="{CB9EC1AC-41B5-41D6-8E4B-56C3BFD77DC7}"/>
+                <a16:creationId xmlns:a16="http://schemas.microsoft.com/office/drawing/2014/main" id="{00B0BDFF-3078-4F2F-AD92-BD6102EA9A78}"/>
               </a:ext>
             </a:extLst>
           </p:cNvPr>
@@ -10288,10 +10983,477 @@
           </a:p>
         </p:txBody>
       </p:sp>
+      <p:sp>
+        <p:nvSpPr>
+          <p:cNvPr id="5" name="Rectangle 4">
+            <a:extLst>
+              <a:ext uri="{FF2B5EF4-FFF2-40B4-BE49-F238E27FC236}">
+                <a16:creationId xmlns:a16="http://schemas.microsoft.com/office/drawing/2014/main" id="{9D0AD1F4-5D47-4FC7-AF9E-252EF17019FB}"/>
+              </a:ext>
+            </a:extLst>
+          </p:cNvPr>
+          <p:cNvSpPr/>
+          <p:nvPr/>
+        </p:nvSpPr>
+        <p:spPr>
+          <a:xfrm>
+            <a:off x="6335507" y="1815850"/>
+            <a:ext cx="2695575" cy="1333500"/>
+          </a:xfrm>
+          <a:prstGeom prst="rect">
+            <a:avLst/>
+          </a:prstGeom>
+          <a:noFill/>
+          <a:ln>
+            <a:solidFill>
+              <a:schemeClr val="tx1"/>
+            </a:solidFill>
+          </a:ln>
+        </p:spPr>
+        <p:style>
+          <a:lnRef idx="2">
+            <a:schemeClr val="accent1">
+              <a:shade val="50000"/>
+            </a:schemeClr>
+          </a:lnRef>
+          <a:fillRef idx="1">
+            <a:schemeClr val="accent1"/>
+          </a:fillRef>
+          <a:effectRef idx="0">
+            <a:schemeClr val="accent1"/>
+          </a:effectRef>
+          <a:fontRef idx="minor">
+            <a:schemeClr val="lt1"/>
+          </a:fontRef>
+        </p:style>
+        <p:txBody>
+          <a:bodyPr rtlCol="0" anchor="ctr"/>
+          <a:lstStyle/>
+          <a:p>
+            <a:pPr algn="ctr"/>
+            <a:r>
+              <a:rPr lang="en-US" sz="1400" dirty="0">
+                <a:solidFill>
+                  <a:schemeClr val="tx1"/>
+                </a:solidFill>
+              </a:rPr>
+              <a:t>Ratings for Interstellar</a:t>
+            </a:r>
+            <a:br>
+              <a:rPr lang="en-US" sz="1400" dirty="0">
+                <a:solidFill>
+                  <a:schemeClr val="tx1"/>
+                </a:solidFill>
+              </a:rPr>
+            </a:br>
+            <a:r>
+              <a:rPr lang="en-US" sz="1400" dirty="0">
+                <a:solidFill>
+                  <a:schemeClr val="tx1"/>
+                </a:solidFill>
+              </a:rPr>
+              <a:t>(unit = stars)</a:t>
+            </a:r>
+          </a:p>
+          <a:p>
+            <a:pPr algn="ctr"/>
+            <a:endParaRPr lang="en-US" sz="1400" dirty="0">
+              <a:solidFill>
+                <a:schemeClr val="tx1"/>
+              </a:solidFill>
+            </a:endParaRPr>
+          </a:p>
+          <a:p>
+            <a:pPr algn="ctr"/>
+            <a:r>
+              <a:rPr lang="en-US" sz="1400" dirty="0">
+                <a:solidFill>
+                  <a:schemeClr val="tx1"/>
+                </a:solidFill>
+              </a:rPr>
+              <a:t>median</a:t>
+            </a:r>
+            <a:r>
+              <a:rPr lang="en-US" sz="1400">
+                <a:solidFill>
+                  <a:schemeClr val="tx1"/>
+                </a:solidFill>
+              </a:rPr>
+              <a:t>: 4.355</a:t>
+            </a:r>
+            <a:endParaRPr lang="en-US" sz="1400" dirty="0">
+              <a:solidFill>
+                <a:schemeClr val="tx1"/>
+              </a:solidFill>
+            </a:endParaRPr>
+          </a:p>
+          <a:p>
+            <a:pPr algn="ctr"/>
+            <a:r>
+              <a:rPr lang="en-US" sz="1400" dirty="0">
+                <a:solidFill>
+                  <a:schemeClr val="tx1"/>
+                </a:solidFill>
+              </a:rPr>
+              <a:t>mean</a:t>
+            </a:r>
+            <a:r>
+              <a:rPr lang="en-US" sz="1400">
+                <a:solidFill>
+                  <a:schemeClr val="tx1"/>
+                </a:solidFill>
+              </a:rPr>
+              <a:t>: 4.355</a:t>
+            </a:r>
+            <a:endParaRPr lang="en-US" sz="1400" dirty="0">
+              <a:solidFill>
+                <a:schemeClr val="tx1"/>
+              </a:solidFill>
+            </a:endParaRPr>
+          </a:p>
+          <a:p>
+            <a:pPr algn="ctr"/>
+            <a:r>
+              <a:rPr lang="en-US" sz="1400" dirty="0">
+                <a:solidFill>
+                  <a:schemeClr val="tx1"/>
+                </a:solidFill>
+              </a:rPr>
+              <a:t>standard deviation</a:t>
+            </a:r>
+            <a:r>
+              <a:rPr lang="en-US" sz="1400">
+                <a:solidFill>
+                  <a:schemeClr val="tx1"/>
+                </a:solidFill>
+              </a:rPr>
+              <a:t>: 0.773</a:t>
+            </a:r>
+            <a:endParaRPr lang="en-US" sz="1400" dirty="0">
+              <a:solidFill>
+                <a:schemeClr val="tx1"/>
+              </a:solidFill>
+            </a:endParaRPr>
+          </a:p>
+        </p:txBody>
+      </p:sp>
+      <p:sp>
+        <p:nvSpPr>
+          <p:cNvPr id="6" name="Rectangle 5">
+            <a:extLst>
+              <a:ext uri="{FF2B5EF4-FFF2-40B4-BE49-F238E27FC236}">
+                <a16:creationId xmlns:a16="http://schemas.microsoft.com/office/drawing/2014/main" id="{36EB6C40-BF0D-4E61-8683-CCDE705BF719}"/>
+              </a:ext>
+            </a:extLst>
+          </p:cNvPr>
+          <p:cNvSpPr/>
+          <p:nvPr/>
+        </p:nvSpPr>
+        <p:spPr>
+          <a:xfrm>
+            <a:off x="6335507" y="4559386"/>
+            <a:ext cx="2695575" cy="1333501"/>
+          </a:xfrm>
+          <a:prstGeom prst="rect">
+            <a:avLst/>
+          </a:prstGeom>
+          <a:noFill/>
+          <a:ln>
+            <a:solidFill>
+              <a:schemeClr val="tx1"/>
+            </a:solidFill>
+          </a:ln>
+        </p:spPr>
+        <p:style>
+          <a:lnRef idx="2">
+            <a:schemeClr val="accent1">
+              <a:shade val="50000"/>
+            </a:schemeClr>
+          </a:lnRef>
+          <a:fillRef idx="1">
+            <a:schemeClr val="accent1"/>
+          </a:fillRef>
+          <a:effectRef idx="0">
+            <a:schemeClr val="accent1"/>
+          </a:effectRef>
+          <a:fontRef idx="minor">
+            <a:schemeClr val="lt1"/>
+          </a:fontRef>
+        </p:style>
+        <p:txBody>
+          <a:bodyPr rtlCol="0" anchor="ctr"/>
+          <a:lstStyle/>
+          <a:p>
+            <a:pPr algn="ctr"/>
+            <a:r>
+              <a:rPr lang="en-US" sz="1400" dirty="0">
+                <a:solidFill>
+                  <a:schemeClr val="tx1"/>
+                </a:solidFill>
+              </a:rPr>
+              <a:t>Ratings for The Emoji Movie</a:t>
+            </a:r>
+          </a:p>
+          <a:p>
+            <a:pPr algn="ctr"/>
+            <a:endParaRPr lang="en-US" sz="1400" dirty="0">
+              <a:solidFill>
+                <a:schemeClr val="tx1"/>
+              </a:solidFill>
+            </a:endParaRPr>
+          </a:p>
+          <a:p>
+            <a:pPr algn="ctr"/>
+            <a:r>
+              <a:rPr lang="en-US" sz="1400" dirty="0">
+                <a:solidFill>
+                  <a:schemeClr val="tx1"/>
+                </a:solidFill>
+              </a:rPr>
+              <a:t>median</a:t>
+            </a:r>
+            <a:r>
+              <a:rPr lang="en-US" sz="1400">
+                <a:solidFill>
+                  <a:schemeClr val="tx1"/>
+                </a:solidFill>
+              </a:rPr>
+              <a:t>:  2.16</a:t>
+            </a:r>
+            <a:endParaRPr lang="en-US" sz="1400" dirty="0">
+              <a:solidFill>
+                <a:schemeClr val="tx1"/>
+              </a:solidFill>
+            </a:endParaRPr>
+          </a:p>
+          <a:p>
+            <a:pPr algn="ctr"/>
+            <a:r>
+              <a:rPr lang="en-US" sz="1400" dirty="0">
+                <a:solidFill>
+                  <a:schemeClr val="tx1"/>
+                </a:solidFill>
+              </a:rPr>
+              <a:t>mean</a:t>
+            </a:r>
+            <a:r>
+              <a:rPr lang="en-US" sz="1400">
+                <a:solidFill>
+                  <a:schemeClr val="tx1"/>
+                </a:solidFill>
+              </a:rPr>
+              <a:t>:  2</a:t>
+            </a:r>
+            <a:endParaRPr lang="en-US" sz="1400" dirty="0">
+              <a:solidFill>
+                <a:schemeClr val="tx1"/>
+              </a:solidFill>
+            </a:endParaRPr>
+          </a:p>
+          <a:p>
+            <a:pPr algn="ctr"/>
+            <a:r>
+              <a:rPr lang="en-US" sz="1400" dirty="0">
+                <a:solidFill>
+                  <a:schemeClr val="tx1"/>
+                </a:solidFill>
+              </a:rPr>
+              <a:t>standard deviation</a:t>
+            </a:r>
+            <a:r>
+              <a:rPr lang="en-US" sz="1400">
+                <a:solidFill>
+                  <a:schemeClr val="tx1"/>
+                </a:solidFill>
+              </a:rPr>
+              <a:t>: .608</a:t>
+            </a:r>
+            <a:endParaRPr lang="en-US" sz="1400" dirty="0">
+              <a:solidFill>
+                <a:schemeClr val="tx1"/>
+              </a:solidFill>
+            </a:endParaRPr>
+          </a:p>
+        </p:txBody>
+      </p:sp>
+      <p:sp>
+        <p:nvSpPr>
+          <p:cNvPr id="7" name="TextBox 6">
+            <a:extLst>
+              <a:ext uri="{FF2B5EF4-FFF2-40B4-BE49-F238E27FC236}">
+                <a16:creationId xmlns:a16="http://schemas.microsoft.com/office/drawing/2014/main" id="{EED16CD3-4FFD-44A0-B4A7-AD40D206CD4E}"/>
+              </a:ext>
+            </a:extLst>
+          </p:cNvPr>
+          <p:cNvSpPr txBox="1"/>
+          <p:nvPr/>
+        </p:nvSpPr>
+        <p:spPr>
+          <a:xfrm>
+            <a:off x="3674806" y="6555828"/>
+            <a:ext cx="4267200" cy="246221"/>
+          </a:xfrm>
+          <a:prstGeom prst="rect">
+            <a:avLst/>
+          </a:prstGeom>
+          <a:noFill/>
+        </p:spPr>
+        <p:txBody>
+          <a:bodyPr wrap="square" rtlCol="0">
+            <a:spAutoFit/>
+          </a:bodyPr>
+          <a:lstStyle/>
+          <a:p>
+            <a:r>
+              <a:rPr lang="en-US" sz="1000" dirty="0"/>
+              <a:t>https://towardsdatascience.com/hypothesis-testing-in-real-life-47f42420b1f7</a:t>
+            </a:r>
+          </a:p>
+        </p:txBody>
+      </p:sp>
+      <p:sp>
+        <p:nvSpPr>
+          <p:cNvPr id="9" name="Rectangle 8">
+            <a:extLst>
+              <a:ext uri="{FF2B5EF4-FFF2-40B4-BE49-F238E27FC236}">
+                <a16:creationId xmlns:a16="http://schemas.microsoft.com/office/drawing/2014/main" id="{7082A833-4E43-4443-ADCF-0169AEF33559}"/>
+              </a:ext>
+            </a:extLst>
+          </p:cNvPr>
+          <p:cNvSpPr/>
+          <p:nvPr/>
+        </p:nvSpPr>
+        <p:spPr>
+          <a:xfrm>
+            <a:off x="6335507" y="3187618"/>
+            <a:ext cx="2695575" cy="1333500"/>
+          </a:xfrm>
+          <a:prstGeom prst="rect">
+            <a:avLst/>
+          </a:prstGeom>
+          <a:noFill/>
+          <a:ln>
+            <a:solidFill>
+              <a:schemeClr val="tx1"/>
+            </a:solidFill>
+          </a:ln>
+        </p:spPr>
+        <p:style>
+          <a:lnRef idx="2">
+            <a:schemeClr val="accent1">
+              <a:shade val="50000"/>
+            </a:schemeClr>
+          </a:lnRef>
+          <a:fillRef idx="1">
+            <a:schemeClr val="accent1"/>
+          </a:fillRef>
+          <a:effectRef idx="0">
+            <a:schemeClr val="accent1"/>
+          </a:effectRef>
+          <a:fontRef idx="minor">
+            <a:schemeClr val="lt1"/>
+          </a:fontRef>
+        </p:style>
+        <p:txBody>
+          <a:bodyPr rtlCol="0" anchor="ctr"/>
+          <a:lstStyle/>
+          <a:p>
+            <a:pPr algn="ctr"/>
+            <a:r>
+              <a:rPr lang="en-US" sz="1400" dirty="0">
+                <a:solidFill>
+                  <a:schemeClr val="tx1"/>
+                </a:solidFill>
+              </a:rPr>
+              <a:t>Ratings for Star Wars: Last Jedi</a:t>
+            </a:r>
+          </a:p>
+          <a:p>
+            <a:pPr algn="ctr"/>
+            <a:endParaRPr lang="en-US" sz="1400" dirty="0">
+              <a:solidFill>
+                <a:schemeClr val="tx1"/>
+              </a:solidFill>
+            </a:endParaRPr>
+          </a:p>
+          <a:p>
+            <a:pPr algn="ctr"/>
+            <a:r>
+              <a:rPr lang="en-US" sz="1400" dirty="0">
+                <a:solidFill>
+                  <a:schemeClr val="tx1"/>
+                </a:solidFill>
+              </a:rPr>
+              <a:t>median </a:t>
+            </a:r>
+            <a:r>
+              <a:rPr lang="en-US" sz="1400">
+                <a:solidFill>
+                  <a:schemeClr val="tx1"/>
+                </a:solidFill>
+              </a:rPr>
+              <a:t>:  5</a:t>
+            </a:r>
+            <a:endParaRPr lang="en-US" sz="1400" dirty="0">
+              <a:solidFill>
+                <a:schemeClr val="tx1"/>
+              </a:solidFill>
+            </a:endParaRPr>
+          </a:p>
+          <a:p>
+            <a:pPr algn="ctr"/>
+            <a:r>
+              <a:rPr lang="en-US" sz="1400" dirty="0">
+                <a:solidFill>
+                  <a:schemeClr val="tx1"/>
+                </a:solidFill>
+              </a:rPr>
+              <a:t>mean</a:t>
+            </a:r>
+            <a:r>
+              <a:rPr lang="en-US" sz="1400">
+                <a:solidFill>
+                  <a:schemeClr val="tx1"/>
+                </a:solidFill>
+              </a:rPr>
+              <a:t>:  4.545</a:t>
+            </a:r>
+            <a:endParaRPr lang="en-US" sz="1400" dirty="0">
+              <a:solidFill>
+                <a:schemeClr val="tx1"/>
+              </a:solidFill>
+            </a:endParaRPr>
+          </a:p>
+          <a:p>
+            <a:pPr algn="ctr"/>
+            <a:r>
+              <a:rPr lang="en-US" sz="1400" dirty="0">
+                <a:solidFill>
+                  <a:schemeClr val="tx1"/>
+                </a:solidFill>
+              </a:rPr>
+              <a:t>standard deviation</a:t>
+            </a:r>
+            <a:r>
+              <a:rPr lang="en-US" sz="1400">
+                <a:solidFill>
+                  <a:schemeClr val="tx1"/>
+                </a:solidFill>
+              </a:rPr>
+              <a:t>:  .627</a:t>
+            </a:r>
+            <a:endParaRPr lang="en-US" sz="1400" dirty="0">
+              <a:solidFill>
+                <a:schemeClr val="tx1"/>
+              </a:solidFill>
+            </a:endParaRPr>
+          </a:p>
+        </p:txBody>
+      </p:sp>
     </p:spTree>
     <p:extLst>
       <p:ext uri="{BB962C8B-B14F-4D97-AF65-F5344CB8AC3E}">
-        <p14:creationId xmlns:p14="http://schemas.microsoft.com/office/powerpoint/2010/main" val="1237902829"/>
+        <p14:creationId xmlns:p14="http://schemas.microsoft.com/office/powerpoint/2010/main" val="1265408943"/>
       </p:ext>
     </p:extLst>
   </p:cSld>
@@ -10323,7 +11485,7 @@
           <p:cNvPr id="2" name="Title 1">
             <a:extLst>
               <a:ext uri="{FF2B5EF4-FFF2-40B4-BE49-F238E27FC236}">
-                <a16:creationId xmlns:a16="http://schemas.microsoft.com/office/drawing/2014/main" id="{4DDEDB7F-8FE2-4584-B6C5-B9BA97EB7087}"/>
+                <a16:creationId xmlns:a16="http://schemas.microsoft.com/office/drawing/2014/main" id="{4743F040-4EC7-4973-BD21-386FAA280462}"/>
               </a:ext>
             </a:extLst>
           </p:cNvPr>
@@ -10336,8 +11498,8 @@
         </p:nvSpPr>
         <p:spPr>
           <a:xfrm>
-            <a:off x="609600" y="274638"/>
-            <a:ext cx="10160000" cy="955072"/>
+            <a:off x="609600" y="148514"/>
+            <a:ext cx="10160000" cy="923541"/>
           </a:xfrm>
         </p:spPr>
         <p:txBody>
@@ -10369,135 +11531,43 @@
         </p:nvSpPr>
         <p:spPr>
           <a:xfrm>
-            <a:off x="609600" y="1387366"/>
-            <a:ext cx="10160000" cy="5333474"/>
+            <a:off x="609600" y="1198179"/>
+            <a:ext cx="10160000" cy="5278821"/>
           </a:xfrm>
         </p:spPr>
         <p:txBody>
           <a:bodyPr>
-            <a:normAutofit lnSpcReduction="10000"/>
+            <a:normAutofit/>
           </a:bodyPr>
           <a:lstStyle/>
           <a:p>
             <a:r>
-              <a:rPr lang="en-US" sz="2800" dirty="0"/>
-              <a:t>Null hypothesis (H0): The mean of movie A is equal to the mean of movie B </a:t>
+              <a:rPr lang="en-US" sz="2400" dirty="0"/>
+              <a:t>The null hypothesis (H0) states that all things remain equal. No phenomena is observed or there is not relationship between what you are comparing</a:t>
+            </a:r>
+          </a:p>
+          <a:p>
+            <a:r>
+              <a:rPr lang="en-US" sz="2400" dirty="0"/>
+              <a:t>The alternative hypothesis (HA): states the opposite of the null Hypothesis. That there was some change, or observed relationship between what you are comparing</a:t>
+            </a:r>
+          </a:p>
+          <a:p>
+            <a:r>
+              <a:rPr lang="en-US" sz="2400" dirty="0"/>
+              <a:t>For your movie choices, you want to know if one movie is significantly better than the others.</a:t>
             </a:r>
           </a:p>
           <a:p>
             <a:pPr lvl="1"/>
             <a:r>
-              <a:rPr lang="en-US" sz="2600" dirty="0"/>
-              <a:t>Alternative hypothesis (HA): The mean of movie A is not equal to the mean of movie B</a:t>
-            </a:r>
-          </a:p>
-          <a:p>
-            <a:endParaRPr lang="en-US" sz="1200" dirty="0"/>
-          </a:p>
-          <a:p>
-            <a:pPr marL="2743200" lvl="1" indent="0">
-              <a:buNone/>
-            </a:pPr>
-            <a:r>
-              <a:rPr lang="en-US" sz="2400" b="1" dirty="0"/>
-              <a:t>H0: </a:t>
-            </a:r>
-            <a:r>
-              <a:rPr lang="en-US" sz="2400" b="1" dirty="0" err="1"/>
-              <a:t>μA</a:t>
-            </a:r>
-            <a:r>
-              <a:rPr lang="en-US" sz="2400" b="1" dirty="0"/>
-              <a:t> = </a:t>
-            </a:r>
-            <a:r>
-              <a:rPr lang="en-US" sz="2400" b="1" dirty="0" err="1"/>
-              <a:t>μB</a:t>
-            </a:r>
-            <a:endParaRPr lang="en-US" sz="2400" b="1" dirty="0"/>
-          </a:p>
-          <a:p>
-            <a:pPr marL="2743200" lvl="1" indent="0">
-              <a:buNone/>
-            </a:pPr>
-            <a:r>
-              <a:rPr lang="en-US" sz="2400" b="1" dirty="0"/>
-              <a:t>HA: </a:t>
-            </a:r>
-            <a:r>
-              <a:rPr lang="en-US" sz="2400" b="1" dirty="0" err="1"/>
-              <a:t>μA</a:t>
-            </a:r>
-            <a:r>
-              <a:rPr lang="en-US" sz="2400" b="1" dirty="0"/>
-              <a:t> </a:t>
-            </a:r>
-            <a:r>
-              <a:rPr lang="en-US" sz="2400" b="1" dirty="0">
-                <a:latin typeface="Calibri" panose="020F0502020204030204" pitchFamily="34" charset="0"/>
-                <a:cs typeface="Calibri" panose="020F0502020204030204" pitchFamily="34" charset="0"/>
-              </a:rPr>
-              <a:t>≠ </a:t>
-            </a:r>
-            <a:r>
-              <a:rPr lang="en-US" sz="2400" b="1" dirty="0" err="1"/>
-              <a:t>μB</a:t>
-            </a:r>
-            <a:endParaRPr lang="en-US" sz="2400" b="1" dirty="0"/>
-          </a:p>
-          <a:p>
-            <a:pPr marL="114300" indent="0">
-              <a:buNone/>
-            </a:pPr>
-            <a:endParaRPr lang="en-US" sz="1100" dirty="0"/>
-          </a:p>
-          <a:p>
-            <a:r>
-              <a:rPr lang="en-US" sz="2800" dirty="0"/>
-              <a:t>The goal of the test is to reject the null hypothesis </a:t>
-            </a:r>
-            <a:r>
-              <a:rPr lang="en-US" sz="2800" u="sng" dirty="0"/>
-              <a:t>with confidence</a:t>
+              <a:rPr lang="en-US" sz="2400" dirty="0"/>
+              <a:t>In this case, you can build your hypothesis on the difference between the average rating your friends gave to each movie.</a:t>
             </a:r>
           </a:p>
           <a:p>
             <a:pPr lvl="1"/>
-            <a:r>
-              <a:rPr lang="en-US" sz="2600" dirty="0"/>
-              <a:t>The </a:t>
-            </a:r>
-            <a:r>
-              <a:rPr lang="en-US" sz="2600" u="sng" dirty="0"/>
-              <a:t>Welch's t-test</a:t>
-            </a:r>
-            <a:r>
-              <a:rPr lang="en-US" sz="2600" dirty="0"/>
-              <a:t> (default for </a:t>
-            </a:r>
-            <a:r>
-              <a:rPr lang="en-US" sz="2600" dirty="0" err="1"/>
-              <a:t>t.test</a:t>
-            </a:r>
-            <a:r>
-              <a:rPr lang="en-US" sz="2600" dirty="0"/>
-              <a:t>) is also called the </a:t>
-            </a:r>
-            <a:r>
-              <a:rPr lang="en-US" sz="2600" i="1" dirty="0"/>
-              <a:t>unequal variances t-test</a:t>
-            </a:r>
-            <a:r>
-              <a:rPr lang="en-US" sz="2600" dirty="0"/>
-              <a:t> </a:t>
-            </a:r>
-          </a:p>
-          <a:p>
-            <a:pPr lvl="1"/>
-            <a:r>
-              <a:rPr lang="en-US" sz="2600" dirty="0"/>
-              <a:t>Requires data to be normally distributed but takes into account differences in standard deviations</a:t>
-            </a:r>
+            <a:endParaRPr lang="en-US" sz="2400" dirty="0"/>
           </a:p>
         </p:txBody>
       </p:sp>
@@ -10533,7 +11603,7 @@
     </p:spTree>
     <p:extLst>
       <p:ext uri="{BB962C8B-B14F-4D97-AF65-F5344CB8AC3E}">
-        <p14:creationId xmlns:p14="http://schemas.microsoft.com/office/powerpoint/2010/main" val="503651296"/>
+        <p14:creationId xmlns:p14="http://schemas.microsoft.com/office/powerpoint/2010/main" val="1237902829"/>
       </p:ext>
     </p:extLst>
   </p:cSld>
@@ -10565,7 +11635,7 @@
           <p:cNvPr id="2" name="Title 1">
             <a:extLst>
               <a:ext uri="{FF2B5EF4-FFF2-40B4-BE49-F238E27FC236}">
-                <a16:creationId xmlns:a16="http://schemas.microsoft.com/office/drawing/2014/main" id="{4743F040-4EC7-4973-BD21-386FAA280462}"/>
+                <a16:creationId xmlns:a16="http://schemas.microsoft.com/office/drawing/2014/main" id="{4DDEDB7F-8FE2-4584-B6C5-B9BA97EB7087}"/>
               </a:ext>
             </a:extLst>
           </p:cNvPr>
@@ -10579,7 +11649,7 @@
         <p:spPr>
           <a:xfrm>
             <a:off x="609600" y="274638"/>
-            <a:ext cx="10160000" cy="913031"/>
+            <a:ext cx="10160000" cy="955072"/>
           </a:xfrm>
         </p:spPr>
         <p:txBody>
@@ -10588,7 +11658,7 @@
           <a:p>
             <a:r>
               <a:rPr lang="en-US" dirty="0"/>
-              <a:t>Specify the Significance Level</a:t>
+              <a:t>Define the Hypothesis</a:t>
             </a:r>
           </a:p>
         </p:txBody>
@@ -10611,74 +11681,134 @@
         </p:nvSpPr>
         <p:spPr>
           <a:xfrm>
-            <a:off x="609600" y="1313793"/>
-            <a:ext cx="10160000" cy="5163207"/>
+            <a:off x="609600" y="1387366"/>
+            <a:ext cx="10160000" cy="5333474"/>
           </a:xfrm>
         </p:spPr>
         <p:txBody>
           <a:bodyPr>
-            <a:normAutofit/>
+            <a:normAutofit lnSpcReduction="10000"/>
           </a:bodyPr>
           <a:lstStyle/>
           <a:p>
             <a:r>
-              <a:rPr lang="el-GR" sz="3200" dirty="0"/>
-              <a:t>α</a:t>
-            </a:r>
-            <a:r>
-              <a:rPr lang="en-US" sz="3200" dirty="0"/>
-              <a:t>  (alpha) specifies the probability of rejecting the null hypothesis when it was actually true</a:t>
-            </a:r>
-            <a:endParaRPr lang="en-US" sz="1800" dirty="0"/>
-          </a:p>
-          <a:p>
-            <a:r>
-              <a:rPr lang="en-US" sz="3200" dirty="0"/>
-              <a:t>The significance levels that are normally used are 1% and 5%</a:t>
-            </a:r>
-          </a:p>
-          <a:p>
-            <a:r>
-              <a:rPr lang="en-US" sz="3200" dirty="0"/>
-              <a:t>Confidence interval of 95% indicates 5% significance level</a:t>
-            </a:r>
-          </a:p>
-          <a:p>
-            <a:r>
-              <a:rPr lang="en-US" sz="3200" dirty="0" err="1"/>
+              <a:rPr lang="en-US" sz="2800" dirty="0"/>
+              <a:t>Null hypothesis (H0): The mean of movie A is equal to the mean of movie B </a:t>
+            </a:r>
+          </a:p>
+          <a:p>
+            <a:pPr lvl="1"/>
+            <a:r>
+              <a:rPr lang="en-US" sz="2600" dirty="0"/>
+              <a:t>Alternative hypothesis (HA): The mean of movie A is not equal to the mean of movie B</a:t>
+            </a:r>
+          </a:p>
+          <a:p>
+            <a:endParaRPr lang="en-US" sz="1200" dirty="0"/>
+          </a:p>
+          <a:p>
+            <a:pPr marL="2743200" lvl="1" indent="0">
+              <a:buNone/>
+            </a:pPr>
+            <a:r>
+              <a:rPr lang="en-US" sz="2400" b="1" dirty="0"/>
+              <a:t>H0: </a:t>
+            </a:r>
+            <a:r>
+              <a:rPr lang="en-US" sz="2400" b="1" dirty="0" err="1"/>
+              <a:t>μA</a:t>
+            </a:r>
+            <a:r>
+              <a:rPr lang="en-US" sz="2400" b="1" dirty="0"/>
+              <a:t> = </a:t>
+            </a:r>
+            <a:r>
+              <a:rPr lang="en-US" sz="2400" b="1" dirty="0" err="1"/>
+              <a:t>μB</a:t>
+            </a:r>
+            <a:endParaRPr lang="en-US" sz="2400" b="1" dirty="0"/>
+          </a:p>
+          <a:p>
+            <a:pPr marL="2743200" lvl="1" indent="0">
+              <a:buNone/>
+            </a:pPr>
+            <a:r>
+              <a:rPr lang="en-US" sz="2400" b="1" dirty="0"/>
+              <a:t>HA: </a:t>
+            </a:r>
+            <a:r>
+              <a:rPr lang="en-US" sz="2400" b="1" dirty="0" err="1"/>
+              <a:t>μA</a:t>
+            </a:r>
+            <a:r>
+              <a:rPr lang="en-US" sz="2400" b="1" dirty="0"/>
+              <a:t> </a:t>
+            </a:r>
+            <a:r>
+              <a:rPr lang="en-US" sz="2400" b="1" dirty="0">
+                <a:latin typeface="Calibri" panose="020F0502020204030204" pitchFamily="34" charset="0"/>
+                <a:cs typeface="Calibri" panose="020F0502020204030204" pitchFamily="34" charset="0"/>
+              </a:rPr>
+              <a:t>≠ </a:t>
+            </a:r>
+            <a:r>
+              <a:rPr lang="en-US" sz="2400" b="1" dirty="0" err="1"/>
+              <a:t>μB</a:t>
+            </a:r>
+            <a:endParaRPr lang="en-US" sz="2400" b="1" dirty="0"/>
+          </a:p>
+          <a:p>
+            <a:pPr marL="114300" indent="0">
+              <a:buNone/>
+            </a:pPr>
+            <a:endParaRPr lang="en-US" sz="1100" dirty="0"/>
+          </a:p>
+          <a:p>
+            <a:r>
+              <a:rPr lang="en-US" sz="2800" dirty="0"/>
+              <a:t>The goal of the test is to reject the null hypothesis </a:t>
+            </a:r>
+            <a:r>
+              <a:rPr lang="en-US" sz="2800" u="sng" dirty="0"/>
+              <a:t>with confidence</a:t>
+            </a:r>
+          </a:p>
+          <a:p>
+            <a:pPr lvl="1"/>
+            <a:r>
+              <a:rPr lang="en-US" sz="2600" dirty="0"/>
+              <a:t>The </a:t>
+            </a:r>
+            <a:r>
+              <a:rPr lang="en-US" sz="2600" u="sng" dirty="0"/>
+              <a:t>Welch's t-test</a:t>
+            </a:r>
+            <a:r>
+              <a:rPr lang="en-US" sz="2600" dirty="0"/>
+              <a:t> (default for </a:t>
+            </a:r>
+            <a:r>
+              <a:rPr lang="en-US" sz="2600" dirty="0" err="1"/>
               <a:t>t.test</a:t>
             </a:r>
             <a:r>
-              <a:rPr lang="en-US" sz="3200" dirty="0"/>
-              <a:t>() uses a default confidence interval of 95%</a:t>
+              <a:rPr lang="en-US" sz="2600" dirty="0"/>
+              <a:t>) is also called the </a:t>
+            </a:r>
+            <a:r>
+              <a:rPr lang="en-US" sz="2600" i="1" dirty="0"/>
+              <a:t>unequal variances t-test</a:t>
+            </a:r>
+            <a:r>
+              <a:rPr lang="en-US" sz="2600" dirty="0"/>
+              <a:t> </a:t>
             </a:r>
           </a:p>
           <a:p>
             <a:pPr lvl="1"/>
             <a:r>
-              <a:rPr lang="en-US" sz="3200" dirty="0" err="1"/>
-              <a:t>conf.level</a:t>
-            </a:r>
-            <a:r>
-              <a:rPr lang="en-US" sz="3200" dirty="0"/>
-              <a:t> = 0.95</a:t>
-            </a:r>
-          </a:p>
-          <a:p>
-            <a:r>
-              <a:rPr lang="en-US" sz="3200" dirty="0"/>
-              <a:t>also defaults to non-equal standard deviations</a:t>
-            </a:r>
-          </a:p>
-          <a:p>
-            <a:pPr lvl="1"/>
-            <a:r>
-              <a:rPr lang="en-US" sz="3200" dirty="0" err="1"/>
-              <a:t>var.equal</a:t>
-            </a:r>
-            <a:r>
-              <a:rPr lang="en-US" sz="3200" dirty="0"/>
-              <a:t> = FALSE</a:t>
+              <a:rPr lang="en-US" sz="2600" dirty="0"/>
+              <a:t>Requires data to be normally distributed but takes into account differences in standard deviations</a:t>
             </a:r>
           </a:p>
         </p:txBody>
@@ -10715,7 +11845,7 @@
     </p:spTree>
     <p:extLst>
       <p:ext uri="{BB962C8B-B14F-4D97-AF65-F5344CB8AC3E}">
-        <p14:creationId xmlns:p14="http://schemas.microsoft.com/office/powerpoint/2010/main" val="3303839650"/>
+        <p14:creationId xmlns:p14="http://schemas.microsoft.com/office/powerpoint/2010/main" val="503651296"/>
       </p:ext>
     </p:extLst>
   </p:cSld>
@@ -10744,10 +11874,10 @@
       </p:grpSpPr>
       <p:sp>
         <p:nvSpPr>
-          <p:cNvPr id="20" name="Title 19">
-            <a:extLst>
-              <a:ext uri="{FF2B5EF4-FFF2-40B4-BE49-F238E27FC236}">
-                <a16:creationId xmlns:a16="http://schemas.microsoft.com/office/drawing/2014/main" id="{95E80BAC-7B55-4034-9AD6-1EF4CB9829CE}"/>
+          <p:cNvPr id="2" name="Title 1">
+            <a:extLst>
+              <a:ext uri="{FF2B5EF4-FFF2-40B4-BE49-F238E27FC236}">
+                <a16:creationId xmlns:a16="http://schemas.microsoft.com/office/drawing/2014/main" id="{4743F040-4EC7-4973-BD21-386FAA280462}"/>
               </a:ext>
             </a:extLst>
           </p:cNvPr>
@@ -10760,8 +11890,8 @@
         </p:nvSpPr>
         <p:spPr>
           <a:xfrm>
-            <a:off x="609600" y="136692"/>
-            <a:ext cx="10160000" cy="923541"/>
+            <a:off x="609600" y="274638"/>
+            <a:ext cx="10160000" cy="913031"/>
           </a:xfrm>
         </p:spPr>
         <p:txBody>
@@ -10770,7 +11900,7 @@
           <a:p>
             <a:r>
               <a:rPr lang="en-US" dirty="0"/>
-              <a:t>Test 1</a:t>
+              <a:t>Specify the Significance Level</a:t>
             </a:r>
           </a:p>
         </p:txBody>
@@ -10780,7 +11910,7 @@
           <p:cNvPr id="3" name="Content Placeholder 2">
             <a:extLst>
               <a:ext uri="{FF2B5EF4-FFF2-40B4-BE49-F238E27FC236}">
-                <a16:creationId xmlns:a16="http://schemas.microsoft.com/office/drawing/2014/main" id="{42CDBE9B-F206-406A-95C4-3FFC96F6E5D4}"/>
+                <a16:creationId xmlns:a16="http://schemas.microsoft.com/office/drawing/2014/main" id="{CEF0306D-4EB2-4E39-AA08-5D95CF1BFBFF}"/>
               </a:ext>
             </a:extLst>
           </p:cNvPr>
@@ -10793,8 +11923,8 @@
         </p:nvSpPr>
         <p:spPr>
           <a:xfrm>
-            <a:off x="609600" y="1123951"/>
-            <a:ext cx="10160000" cy="5597357"/>
+            <a:off x="609600" y="1313793"/>
+            <a:ext cx="10160000" cy="5163207"/>
           </a:xfrm>
         </p:spPr>
         <p:txBody>
@@ -10804,211 +11934,65 @@
           <a:lstStyle/>
           <a:p>
             <a:r>
-              <a:rPr lang="en-US" sz="2800" dirty="0"/>
-              <a:t>Compare "Interstellar" to "Star Wars: Last Jedi"</a:t>
-            </a:r>
-          </a:p>
-          <a:p>
-            <a:endParaRPr lang="en-US" sz="1800" b="1" dirty="0"/>
-          </a:p>
-          <a:p>
-            <a:pPr marL="114300" indent="0">
-              <a:buNone/>
-            </a:pPr>
-            <a:r>
-              <a:rPr lang="en-US" sz="1800" dirty="0">
-                <a:latin typeface="Courier New" panose="02070309020205020404" pitchFamily="49" charset="0"/>
-                <a:cs typeface="Courier New" panose="02070309020205020404" pitchFamily="49" charset="0"/>
-              </a:rPr>
-              <a:t>&gt; </a:t>
-            </a:r>
-            <a:r>
-              <a:rPr lang="en-US" sz="1800" dirty="0" err="1">
-                <a:latin typeface="Courier New" panose="02070309020205020404" pitchFamily="49" charset="0"/>
-                <a:cs typeface="Courier New" panose="02070309020205020404" pitchFamily="49" charset="0"/>
-              </a:rPr>
+              <a:rPr lang="el-GR" sz="3200" dirty="0"/>
+              <a:t>α</a:t>
+            </a:r>
+            <a:r>
+              <a:rPr lang="en-US" sz="3200" dirty="0"/>
+              <a:t>  (alpha) specifies the probability of rejecting the null hypothesis when it was actually true</a:t>
+            </a:r>
+            <a:endParaRPr lang="en-US" sz="1800" dirty="0"/>
+          </a:p>
+          <a:p>
+            <a:pPr lvl="1"/>
+            <a:r>
+              <a:rPr lang="en-US" sz="3000" dirty="0"/>
+              <a:t>The significance levels that are normally used are 1% and 5%</a:t>
+            </a:r>
+          </a:p>
+          <a:p>
+            <a:pPr lvl="1"/>
+            <a:r>
+              <a:rPr lang="en-US" sz="3000" dirty="0"/>
+              <a:t>Confidence interval of 95% indicates 5% significance level</a:t>
+            </a:r>
+          </a:p>
+          <a:p>
+            <a:r>
+              <a:rPr lang="en-US" sz="3200" dirty="0" err="1"/>
               <a:t>t.test</a:t>
             </a:r>
             <a:r>
-              <a:rPr lang="en-US" sz="1800" dirty="0">
-                <a:latin typeface="Courier New" panose="02070309020205020404" pitchFamily="49" charset="0"/>
-                <a:cs typeface="Courier New" panose="02070309020205020404" pitchFamily="49" charset="0"/>
-              </a:rPr>
-              <a:t>(</a:t>
-            </a:r>
-            <a:r>
-              <a:rPr lang="en-US" sz="1800" dirty="0" err="1">
-                <a:latin typeface="Courier New" panose="02070309020205020404" pitchFamily="49" charset="0"/>
-                <a:cs typeface="Courier New" panose="02070309020205020404" pitchFamily="49" charset="0"/>
-              </a:rPr>
-              <a:t>m_i,m_sw</a:t>
-            </a:r>
-            <a:r>
-              <a:rPr lang="en-US" sz="1800" dirty="0">
-                <a:latin typeface="Courier New" panose="02070309020205020404" pitchFamily="49" charset="0"/>
-                <a:cs typeface="Courier New" panose="02070309020205020404" pitchFamily="49" charset="0"/>
-              </a:rPr>
-              <a:t>)</a:t>
-            </a:r>
-          </a:p>
-          <a:p>
-            <a:pPr marL="114300" indent="0">
-              <a:buNone/>
-            </a:pPr>
-            <a:r>
-              <a:rPr lang="en-US" sz="1800" dirty="0">
-                <a:latin typeface="Courier New" panose="02070309020205020404" pitchFamily="49" charset="0"/>
-                <a:cs typeface="Courier New" panose="02070309020205020404" pitchFamily="49" charset="0"/>
-              </a:rPr>
-              <a:t>	Welch Two Sample t-test</a:t>
-            </a:r>
-          </a:p>
-          <a:p>
-            <a:pPr marL="114300" indent="0">
-              <a:buNone/>
-            </a:pPr>
-            <a:r>
-              <a:rPr lang="en-US" sz="1800" dirty="0">
-                <a:latin typeface="Courier New" panose="02070309020205020404" pitchFamily="49" charset="0"/>
-                <a:cs typeface="Courier New" panose="02070309020205020404" pitchFamily="49" charset="0"/>
-              </a:rPr>
-              <a:t>data:  </a:t>
-            </a:r>
-            <a:r>
-              <a:rPr lang="en-US" sz="1800" dirty="0" err="1">
-                <a:latin typeface="Courier New" panose="02070309020205020404" pitchFamily="49" charset="0"/>
-                <a:cs typeface="Courier New" panose="02070309020205020404" pitchFamily="49" charset="0"/>
-              </a:rPr>
-              <a:t>m_i</a:t>
-            </a:r>
-            <a:r>
-              <a:rPr lang="en-US" sz="1800" dirty="0">
-                <a:latin typeface="Courier New" panose="02070309020205020404" pitchFamily="49" charset="0"/>
-                <a:cs typeface="Courier New" panose="02070309020205020404" pitchFamily="49" charset="0"/>
-              </a:rPr>
-              <a:t> and </a:t>
-            </a:r>
-            <a:r>
-              <a:rPr lang="en-US" sz="1800" dirty="0" err="1">
-                <a:latin typeface="Courier New" panose="02070309020205020404" pitchFamily="49" charset="0"/>
-                <a:cs typeface="Courier New" panose="02070309020205020404" pitchFamily="49" charset="0"/>
-              </a:rPr>
-              <a:t>m_sw</a:t>
-            </a:r>
-            <a:endParaRPr lang="en-US" sz="1800" dirty="0">
-              <a:latin typeface="Courier New" panose="02070309020205020404" pitchFamily="49" charset="0"/>
-              <a:cs typeface="Courier New" panose="02070309020205020404" pitchFamily="49" charset="0"/>
-            </a:endParaRPr>
-          </a:p>
-          <a:p>
-            <a:pPr marL="114300" indent="0">
-              <a:buNone/>
-            </a:pPr>
-            <a:r>
-              <a:rPr lang="en-US" sz="1800" b="1" dirty="0">
-                <a:latin typeface="Courier New" panose="02070309020205020404" pitchFamily="49" charset="0"/>
-                <a:cs typeface="Courier New" panose="02070309020205020404" pitchFamily="49" charset="0"/>
-              </a:rPr>
-              <a:t>t = 1.4955</a:t>
-            </a:r>
-            <a:r>
-              <a:rPr lang="en-US" sz="1800" dirty="0">
-                <a:latin typeface="Courier New" panose="02070309020205020404" pitchFamily="49" charset="0"/>
-                <a:cs typeface="Courier New" panose="02070309020205020404" pitchFamily="49" charset="0"/>
-              </a:rPr>
-              <a:t>, df = 158.75, </a:t>
-            </a:r>
-            <a:r>
-              <a:rPr lang="en-US" sz="1800" b="1" dirty="0">
-                <a:latin typeface="Courier New" panose="02070309020205020404" pitchFamily="49" charset="0"/>
-                <a:cs typeface="Courier New" panose="02070309020205020404" pitchFamily="49" charset="0"/>
-              </a:rPr>
-              <a:t>p-value = 0.1368</a:t>
-            </a:r>
-          </a:p>
-          <a:p>
-            <a:pPr marL="114300" indent="0">
-              <a:buNone/>
-            </a:pPr>
-            <a:r>
-              <a:rPr lang="en-US" sz="1800" dirty="0">
-                <a:latin typeface="Courier New" panose="02070309020205020404" pitchFamily="49" charset="0"/>
-                <a:cs typeface="Courier New" panose="02070309020205020404" pitchFamily="49" charset="0"/>
-              </a:rPr>
-              <a:t>alternative hypothesis: true difference in </a:t>
-            </a:r>
-            <a:br>
-              <a:rPr lang="en-US" sz="1800" dirty="0">
-                <a:latin typeface="Courier New" panose="02070309020205020404" pitchFamily="49" charset="0"/>
-                <a:cs typeface="Courier New" panose="02070309020205020404" pitchFamily="49" charset="0"/>
-              </a:rPr>
-            </a:br>
-            <a:r>
-              <a:rPr lang="en-US" sz="1800" dirty="0">
-                <a:latin typeface="Courier New" panose="02070309020205020404" pitchFamily="49" charset="0"/>
-                <a:cs typeface="Courier New" panose="02070309020205020404" pitchFamily="49" charset="0"/>
-              </a:rPr>
-              <a:t>                               means is not equal to 0</a:t>
-            </a:r>
-          </a:p>
-          <a:p>
-            <a:pPr marL="114300" indent="0">
-              <a:buNone/>
-            </a:pPr>
-            <a:r>
-              <a:rPr lang="en-US" sz="1800" dirty="0">
-                <a:latin typeface="Courier New" panose="02070309020205020404" pitchFamily="49" charset="0"/>
-                <a:cs typeface="Courier New" panose="02070309020205020404" pitchFamily="49" charset="0"/>
-              </a:rPr>
-              <a:t>95 percent confidence interval:</a:t>
-            </a:r>
-          </a:p>
-          <a:p>
-            <a:pPr marL="114300" indent="0">
-              <a:buNone/>
-            </a:pPr>
-            <a:r>
-              <a:rPr lang="en-US" sz="1800" dirty="0">
-                <a:latin typeface="Courier New" panose="02070309020205020404" pitchFamily="49" charset="0"/>
-                <a:cs typeface="Courier New" panose="02070309020205020404" pitchFamily="49" charset="0"/>
-              </a:rPr>
-              <a:t> -0.05146803  0.37245568</a:t>
-            </a:r>
-          </a:p>
-          <a:p>
-            <a:pPr marL="114300" indent="0">
-              <a:buNone/>
-            </a:pPr>
-            <a:r>
-              <a:rPr lang="en-US" sz="1800" dirty="0">
-                <a:latin typeface="Courier New" panose="02070309020205020404" pitchFamily="49" charset="0"/>
-                <a:cs typeface="Courier New" panose="02070309020205020404" pitchFamily="49" charset="0"/>
-              </a:rPr>
-              <a:t>sample estimates:</a:t>
-            </a:r>
-          </a:p>
-          <a:p>
-            <a:pPr marL="114300" indent="0">
-              <a:buNone/>
-            </a:pPr>
-            <a:r>
-              <a:rPr lang="en-US" sz="1800" dirty="0">
-                <a:latin typeface="Courier New" panose="02070309020205020404" pitchFamily="49" charset="0"/>
-                <a:cs typeface="Courier New" panose="02070309020205020404" pitchFamily="49" charset="0"/>
-              </a:rPr>
-              <a:t>mean of x mean of y </a:t>
-            </a:r>
-          </a:p>
-          <a:p>
-            <a:pPr marL="114300" indent="0">
-              <a:buNone/>
-            </a:pPr>
-            <a:r>
-              <a:rPr lang="en-US" sz="1800" dirty="0">
-                <a:latin typeface="Courier New" panose="02070309020205020404" pitchFamily="49" charset="0"/>
-                <a:cs typeface="Courier New" panose="02070309020205020404" pitchFamily="49" charset="0"/>
-              </a:rPr>
-              <a:t> 4.277778  4.117284 </a:t>
+              <a:rPr lang="en-US" sz="3200" dirty="0"/>
+              <a:t>() uses a default confidence interval of 95%</a:t>
+            </a:r>
+          </a:p>
+          <a:p>
+            <a:pPr lvl="1"/>
+            <a:r>
+              <a:rPr lang="en-US" sz="3200" dirty="0" err="1"/>
+              <a:t>conf.level</a:t>
+            </a:r>
+            <a:r>
+              <a:rPr lang="en-US" sz="3200" dirty="0"/>
+              <a:t> = 0.95</a:t>
+            </a:r>
+          </a:p>
+          <a:p>
+            <a:r>
+              <a:rPr lang="en-US" sz="3200" dirty="0"/>
+              <a:t>also defaults to non-equal standard deviations</a:t>
+            </a:r>
+          </a:p>
+          <a:p>
+            <a:pPr lvl="1"/>
+            <a:r>
+              <a:rPr lang="en-US" sz="3200" dirty="0" err="1"/>
+              <a:t>var.equal</a:t>
+            </a:r>
+            <a:r>
+              <a:rPr lang="en-US" sz="3200" dirty="0"/>
+              <a:t> = FALSE</a:t>
             </a:r>
           </a:p>
         </p:txBody>
@@ -11018,7 +12002,7 @@
           <p:cNvPr id="4" name="Slide Number Placeholder 3">
             <a:extLst>
               <a:ext uri="{FF2B5EF4-FFF2-40B4-BE49-F238E27FC236}">
-                <a16:creationId xmlns:a16="http://schemas.microsoft.com/office/drawing/2014/main" id="{00B0BDFF-3078-4F2F-AD92-BD6102EA9A78}"/>
+                <a16:creationId xmlns:a16="http://schemas.microsoft.com/office/drawing/2014/main" id="{CB9EC1AC-41B5-41D6-8E4B-56C3BFD77DC7}"/>
               </a:ext>
             </a:extLst>
           </p:cNvPr>
@@ -11042,64 +12026,10 @@
           </a:p>
         </p:txBody>
       </p:sp>
-      <p:sp>
-        <p:nvSpPr>
-          <p:cNvPr id="21" name="TextBox 20">
-            <a:extLst>
-              <a:ext uri="{FF2B5EF4-FFF2-40B4-BE49-F238E27FC236}">
-                <a16:creationId xmlns:a16="http://schemas.microsoft.com/office/drawing/2014/main" id="{7E5F5E65-E90E-4E77-BB09-BE98D136A759}"/>
-              </a:ext>
-            </a:extLst>
-          </p:cNvPr>
-          <p:cNvSpPr txBox="1"/>
-          <p:nvPr/>
-        </p:nvSpPr>
-        <p:spPr>
-          <a:xfrm>
-            <a:off x="5891059" y="4441830"/>
-            <a:ext cx="5181600" cy="2246769"/>
-          </a:xfrm>
-          <a:prstGeom prst="rect">
-            <a:avLst/>
-          </a:prstGeom>
-          <a:noFill/>
-          <a:ln>
-            <a:solidFill>
-              <a:schemeClr val="tx1"/>
-            </a:solidFill>
-          </a:ln>
-        </p:spPr>
-        <p:txBody>
-          <a:bodyPr wrap="square" rtlCol="0">
-            <a:spAutoFit/>
-          </a:bodyPr>
-          <a:lstStyle/>
-          <a:p>
-            <a:r>
-              <a:rPr lang="en-US" sz="2000" dirty="0"/>
-              <a:t>From these results (low t-value, p-value &gt; 0.05) you cannot prove a statistically significant difference between reviews of the two movies.</a:t>
-            </a:r>
-          </a:p>
-          <a:p>
-            <a:endParaRPr lang="en-US" sz="2000" dirty="0"/>
-          </a:p>
-          <a:p>
-            <a:r>
-              <a:rPr lang="en-US" sz="2000" dirty="0"/>
-              <a:t>We cannot say the null Hypothesis is true, so we say </a:t>
-            </a:r>
-            <a:r>
-              <a:rPr lang="en-US" sz="2000" u="sng" dirty="0"/>
-              <a:t>there is not enough evidence to reject the Null hypothesis</a:t>
-            </a:r>
-            <a:endParaRPr lang="en-US" sz="2000" dirty="0"/>
-          </a:p>
-        </p:txBody>
-      </p:sp>
     </p:spTree>
     <p:extLst>
       <p:ext uri="{BB962C8B-B14F-4D97-AF65-F5344CB8AC3E}">
-        <p14:creationId xmlns:p14="http://schemas.microsoft.com/office/powerpoint/2010/main" val="1359905631"/>
+        <p14:creationId xmlns:p14="http://schemas.microsoft.com/office/powerpoint/2010/main" val="3303839650"/>
       </p:ext>
     </p:extLst>
   </p:cSld>
@@ -11144,8 +12074,8 @@
         </p:nvSpPr>
         <p:spPr>
           <a:xfrm>
-            <a:off x="609600" y="274638"/>
-            <a:ext cx="10160000" cy="849969"/>
+            <a:off x="609600" y="136692"/>
+            <a:ext cx="10160000" cy="923541"/>
           </a:xfrm>
         </p:spPr>
         <p:txBody>
@@ -11154,7 +12084,7 @@
           <a:p>
             <a:r>
               <a:rPr lang="en-US" dirty="0"/>
-              <a:t>Test 2</a:t>
+              <a:t>Test 1</a:t>
             </a:r>
           </a:p>
         </p:txBody>
@@ -11177,8 +12107,8 @@
         </p:nvSpPr>
         <p:spPr>
           <a:xfrm>
-            <a:off x="609600" y="1250731"/>
-            <a:ext cx="10160000" cy="5226269"/>
+            <a:off x="609599" y="1123951"/>
+            <a:ext cx="10540181" cy="5597357"/>
           </a:xfrm>
         </p:spPr>
         <p:txBody>
@@ -11189,50 +12119,45 @@
           <a:p>
             <a:r>
               <a:rPr lang="en-US" sz="2800" dirty="0"/>
-              <a:t>Compare "Interstellar" to "The Emoji Movie"</a:t>
+              <a:t>Compare "Interstellar" to "Star Wars: Last Jedi"</a:t>
             </a:r>
           </a:p>
           <a:p>
             <a:endParaRPr lang="en-US" sz="1800" b="1" dirty="0"/>
           </a:p>
           <a:p>
+            <a:pPr>
+              <a:buFont typeface="Wingdings" panose="05000000000000000000" pitchFamily="2" charset="2"/>
+              <a:buChar char="Ø"/>
+            </a:pPr>
+            <a:r>
+              <a:rPr lang="en-US" sz="1800">
+                <a:latin typeface="Courier New" panose="02070309020205020404" pitchFamily="49" charset="0"/>
+                <a:cs typeface="Courier New" panose="02070309020205020404" pitchFamily="49" charset="0"/>
+              </a:rPr>
+              <a:t>t.test(m_in,m_sw)</a:t>
+            </a:r>
+          </a:p>
+          <a:p>
+            <a:pPr>
+              <a:buFont typeface="Wingdings" panose="05000000000000000000" pitchFamily="2" charset="2"/>
+              <a:buChar char="Ø"/>
+            </a:pPr>
+            <a:endParaRPr lang="en-US" sz="1800">
+              <a:latin typeface="Courier New" panose="02070309020205020404" pitchFamily="49" charset="0"/>
+              <a:cs typeface="Courier New" panose="02070309020205020404" pitchFamily="49" charset="0"/>
+            </a:endParaRPr>
+          </a:p>
+          <a:p>
             <a:pPr marL="114300" indent="0">
               <a:buNone/>
             </a:pPr>
             <a:r>
-              <a:rPr lang="en-US" sz="1800" dirty="0">
-                <a:latin typeface="Courier New" panose="02070309020205020404" pitchFamily="49" charset="0"/>
-                <a:cs typeface="Courier New" panose="02070309020205020404" pitchFamily="49" charset="0"/>
-              </a:rPr>
-              <a:t>&gt; </a:t>
-            </a:r>
-            <a:r>
-              <a:rPr lang="en-US" sz="1800" dirty="0" err="1">
-                <a:latin typeface="Courier New" panose="02070309020205020404" pitchFamily="49" charset="0"/>
-                <a:cs typeface="Courier New" panose="02070309020205020404" pitchFamily="49" charset="0"/>
-              </a:rPr>
-              <a:t>t.test</a:t>
-            </a:r>
-            <a:r>
-              <a:rPr lang="en-US" sz="1800" dirty="0">
-                <a:latin typeface="Courier New" panose="02070309020205020404" pitchFamily="49" charset="0"/>
-                <a:cs typeface="Courier New" panose="02070309020205020404" pitchFamily="49" charset="0"/>
-              </a:rPr>
-              <a:t>(</a:t>
-            </a:r>
-            <a:r>
-              <a:rPr lang="en-US" sz="1800" dirty="0" err="1">
-                <a:latin typeface="Courier New" panose="02070309020205020404" pitchFamily="49" charset="0"/>
-                <a:cs typeface="Courier New" panose="02070309020205020404" pitchFamily="49" charset="0"/>
-              </a:rPr>
-              <a:t>m_i,m_e</a:t>
-            </a:r>
-            <a:r>
-              <a:rPr lang="en-US" sz="1800" dirty="0">
-                <a:latin typeface="Courier New" panose="02070309020205020404" pitchFamily="49" charset="0"/>
-                <a:cs typeface="Courier New" panose="02070309020205020404" pitchFamily="49" charset="0"/>
-              </a:rPr>
-              <a:t>)</a:t>
+              <a:rPr lang="en-US" sz="1800">
+                <a:latin typeface="Courier New" panose="02070309020205020404" pitchFamily="49" charset="0"/>
+                <a:cs typeface="Courier New" panose="02070309020205020404" pitchFamily="49" charset="0"/>
+              </a:rPr>
+              <a:t>	Welch Two Sample t-test</a:t>
             </a:r>
           </a:p>
           <a:p>
@@ -11240,11 +12165,11 @@
               <a:buNone/>
             </a:pPr>
             <a:r>
-              <a:rPr lang="en-US" sz="1800" dirty="0">
-                <a:latin typeface="Courier New" panose="02070309020205020404" pitchFamily="49" charset="0"/>
-                <a:cs typeface="Courier New" panose="02070309020205020404" pitchFamily="49" charset="0"/>
-              </a:rPr>
-              <a:t>	Welch Two Sample t-test</a:t>
+              <a:rPr lang="en-US" sz="1800">
+                <a:latin typeface="Courier New" panose="02070309020205020404" pitchFamily="49" charset="0"/>
+                <a:cs typeface="Courier New" panose="02070309020205020404" pitchFamily="49" charset="0"/>
+              </a:rPr>
+              <a:t>data:  m_i and m_sw</a:t>
             </a:r>
           </a:p>
           <a:p>
@@ -11252,148 +12177,102 @@
               <a:buNone/>
             </a:pPr>
             <a:r>
-              <a:rPr lang="en-US" sz="1800" dirty="0">
-                <a:latin typeface="Courier New" panose="02070309020205020404" pitchFamily="49" charset="0"/>
-                <a:cs typeface="Courier New" panose="02070309020205020404" pitchFamily="49" charset="0"/>
-              </a:rPr>
-              <a:t>data:  </a:t>
-            </a:r>
-            <a:r>
-              <a:rPr lang="en-US" sz="1800" dirty="0" err="1">
-                <a:latin typeface="Courier New" panose="02070309020205020404" pitchFamily="49" charset="0"/>
-                <a:cs typeface="Courier New" panose="02070309020205020404" pitchFamily="49" charset="0"/>
-              </a:rPr>
-              <a:t>m_i</a:t>
-            </a:r>
-            <a:r>
-              <a:rPr lang="en-US" sz="1800" dirty="0">
-                <a:latin typeface="Courier New" panose="02070309020205020404" pitchFamily="49" charset="0"/>
-                <a:cs typeface="Courier New" panose="02070309020205020404" pitchFamily="49" charset="0"/>
-              </a:rPr>
-              <a:t> and </a:t>
-            </a:r>
-            <a:r>
-              <a:rPr lang="en-US" sz="1800" dirty="0" err="1">
-                <a:latin typeface="Courier New" panose="02070309020205020404" pitchFamily="49" charset="0"/>
-                <a:cs typeface="Courier New" panose="02070309020205020404" pitchFamily="49" charset="0"/>
-              </a:rPr>
-              <a:t>m_e</a:t>
+              <a:rPr lang="en-US" sz="1800" b="1">
+                <a:latin typeface="Courier New" panose="02070309020205020404" pitchFamily="49" charset="0"/>
+                <a:cs typeface="Courier New" panose="02070309020205020404" pitchFamily="49" charset="0"/>
+              </a:rPr>
+              <a:t>t = -1.2738</a:t>
+            </a:r>
+            <a:r>
+              <a:rPr lang="en-US" sz="1800">
+                <a:latin typeface="Courier New" panose="02070309020205020404" pitchFamily="49" charset="0"/>
+                <a:cs typeface="Courier New" panose="02070309020205020404" pitchFamily="49" charset="0"/>
+              </a:rPr>
+              <a:t>, df = 84.142, </a:t>
+            </a:r>
+            <a:r>
+              <a:rPr lang="en-US" sz="1800" b="1">
+                <a:latin typeface="Courier New" panose="02070309020205020404" pitchFamily="49" charset="0"/>
+                <a:cs typeface="Courier New" panose="02070309020205020404" pitchFamily="49" charset="0"/>
+              </a:rPr>
+              <a:t>p-value = 0.2062</a:t>
+            </a:r>
+          </a:p>
+          <a:p>
+            <a:pPr marL="114300" indent="0">
+              <a:buNone/>
+            </a:pPr>
+            <a:r>
+              <a:rPr lang="en-US" sz="1800">
+                <a:latin typeface="Courier New" panose="02070309020205020404" pitchFamily="49" charset="0"/>
+                <a:cs typeface="Courier New" panose="02070309020205020404" pitchFamily="49" charset="0"/>
+              </a:rPr>
+              <a:t>alternative hypothesis: true difference in means is not equal to 0</a:t>
+            </a:r>
+          </a:p>
+          <a:p>
+            <a:pPr marL="114300" indent="0">
+              <a:buNone/>
+            </a:pPr>
+            <a:r>
+              <a:rPr lang="en-US" sz="1800">
+                <a:latin typeface="Courier New" panose="02070309020205020404" pitchFamily="49" charset="0"/>
+                <a:cs typeface="Courier New" panose="02070309020205020404" pitchFamily="49" charset="0"/>
+              </a:rPr>
+              <a:t>95 percent confidence interval:</a:t>
+            </a:r>
+          </a:p>
+          <a:p>
+            <a:pPr marL="114300" indent="0">
+              <a:buNone/>
+            </a:pPr>
+            <a:r>
+              <a:rPr lang="en-US" sz="1800">
+                <a:latin typeface="Courier New" panose="02070309020205020404" pitchFamily="49" charset="0"/>
+                <a:cs typeface="Courier New" panose="02070309020205020404" pitchFamily="49" charset="0"/>
+              </a:rPr>
+              <a:t> -0.4863586  0.1065606</a:t>
+            </a:r>
+          </a:p>
+          <a:p>
+            <a:pPr marL="114300" indent="0">
+              <a:buNone/>
+            </a:pPr>
+            <a:r>
+              <a:rPr lang="en-US" sz="1800">
+                <a:latin typeface="Courier New" panose="02070309020205020404" pitchFamily="49" charset="0"/>
+                <a:cs typeface="Courier New" panose="02070309020205020404" pitchFamily="49" charset="0"/>
+              </a:rPr>
+              <a:t>sample estimates:</a:t>
+            </a:r>
+          </a:p>
+          <a:p>
+            <a:pPr marL="114300" indent="0">
+              <a:buNone/>
+            </a:pPr>
+            <a:r>
+              <a:rPr lang="en-US" sz="1800">
+                <a:latin typeface="Courier New" panose="02070309020205020404" pitchFamily="49" charset="0"/>
+                <a:cs typeface="Courier New" panose="02070309020205020404" pitchFamily="49" charset="0"/>
+              </a:rPr>
+              <a:t>mean of x mean of y </a:t>
+            </a:r>
+          </a:p>
+          <a:p>
+            <a:pPr marL="114300" indent="0">
+              <a:buNone/>
+            </a:pPr>
+            <a:r>
+              <a:rPr lang="en-US" sz="1800">
+                <a:latin typeface="Courier New" panose="02070309020205020404" pitchFamily="49" charset="0"/>
+                <a:cs typeface="Courier New" panose="02070309020205020404" pitchFamily="49" charset="0"/>
+              </a:rPr>
+              <a:t> 4.355556  4.545455 </a:t>
             </a:r>
             <a:endParaRPr lang="en-US" sz="1800" dirty="0">
               <a:latin typeface="Courier New" panose="02070309020205020404" pitchFamily="49" charset="0"/>
               <a:cs typeface="Courier New" panose="02070309020205020404" pitchFamily="49" charset="0"/>
             </a:endParaRPr>
-          </a:p>
-          <a:p>
-            <a:pPr marL="114300" indent="0">
-              <a:buNone/>
-            </a:pPr>
-            <a:r>
-              <a:rPr lang="en-US" sz="1800" b="1" dirty="0">
-                <a:latin typeface="Courier New" panose="02070309020205020404" pitchFamily="49" charset="0"/>
-                <a:cs typeface="Courier New" panose="02070309020205020404" pitchFamily="49" charset="0"/>
-              </a:rPr>
-              <a:t>t = 6.2626</a:t>
-            </a:r>
-            <a:r>
-              <a:rPr lang="en-US" sz="1800" dirty="0">
-                <a:latin typeface="Courier New" panose="02070309020205020404" pitchFamily="49" charset="0"/>
-                <a:cs typeface="Courier New" panose="02070309020205020404" pitchFamily="49" charset="0"/>
-              </a:rPr>
-              <a:t>, df = 149.7, </a:t>
-            </a:r>
-            <a:r>
-              <a:rPr lang="en-US" sz="1800" b="1" dirty="0">
-                <a:latin typeface="Courier New" panose="02070309020205020404" pitchFamily="49" charset="0"/>
-                <a:cs typeface="Courier New" panose="02070309020205020404" pitchFamily="49" charset="0"/>
-              </a:rPr>
-              <a:t>p-value = 3.806e-09</a:t>
-            </a:r>
-          </a:p>
-          <a:p>
-            <a:pPr marL="114300" indent="0">
-              <a:buNone/>
-            </a:pPr>
-            <a:r>
-              <a:rPr lang="en-US" sz="1800" dirty="0">
-                <a:latin typeface="Courier New" panose="02070309020205020404" pitchFamily="49" charset="0"/>
-                <a:cs typeface="Courier New" panose="02070309020205020404" pitchFamily="49" charset="0"/>
-              </a:rPr>
-              <a:t>alternative hypothesis: true difference in</a:t>
-            </a:r>
-            <a:br>
-              <a:rPr lang="en-US" sz="1800" dirty="0">
-                <a:latin typeface="Courier New" panose="02070309020205020404" pitchFamily="49" charset="0"/>
-                <a:cs typeface="Courier New" panose="02070309020205020404" pitchFamily="49" charset="0"/>
-              </a:rPr>
-            </a:br>
-            <a:r>
-              <a:rPr lang="en-US" sz="1800" dirty="0">
-                <a:latin typeface="Courier New" panose="02070309020205020404" pitchFamily="49" charset="0"/>
-                <a:cs typeface="Courier New" panose="02070309020205020404" pitchFamily="49" charset="0"/>
-              </a:rPr>
-              <a:t>                                means is not equal to 0</a:t>
-            </a:r>
-          </a:p>
-          <a:p>
-            <a:pPr marL="114300" indent="0">
-              <a:buNone/>
-            </a:pPr>
-            <a:r>
-              <a:rPr lang="en-US" sz="1800" dirty="0">
-                <a:latin typeface="Courier New" panose="02070309020205020404" pitchFamily="49" charset="0"/>
-                <a:cs typeface="Courier New" panose="02070309020205020404" pitchFamily="49" charset="0"/>
-              </a:rPr>
-              <a:t>95 percent confidence interval:</a:t>
-            </a:r>
-          </a:p>
-          <a:p>
-            <a:pPr marL="114300" indent="0">
-              <a:buNone/>
-            </a:pPr>
-            <a:r>
-              <a:rPr lang="en-US" sz="1800" dirty="0">
-                <a:latin typeface="Courier New" panose="02070309020205020404" pitchFamily="49" charset="0"/>
-                <a:cs typeface="Courier New" panose="02070309020205020404" pitchFamily="49" charset="0"/>
-              </a:rPr>
-              <a:t> 0.5112529 0.9825742</a:t>
-            </a:r>
-          </a:p>
-          <a:p>
-            <a:pPr marL="114300" indent="0">
-              <a:buNone/>
-            </a:pPr>
-            <a:r>
-              <a:rPr lang="en-US" sz="1800" dirty="0">
-                <a:latin typeface="Courier New" panose="02070309020205020404" pitchFamily="49" charset="0"/>
-                <a:cs typeface="Courier New" panose="02070309020205020404" pitchFamily="49" charset="0"/>
-              </a:rPr>
-              <a:t>sample estimates:</a:t>
-            </a:r>
-          </a:p>
-          <a:p>
-            <a:pPr marL="114300" indent="0">
-              <a:buNone/>
-            </a:pPr>
-            <a:r>
-              <a:rPr lang="en-US" sz="1800" dirty="0">
-                <a:latin typeface="Courier New" panose="02070309020205020404" pitchFamily="49" charset="0"/>
-                <a:cs typeface="Courier New" panose="02070309020205020404" pitchFamily="49" charset="0"/>
-              </a:rPr>
-              <a:t>mean of x mean of y </a:t>
-            </a:r>
-          </a:p>
-          <a:p>
-            <a:pPr marL="114300" indent="0">
-              <a:buNone/>
-            </a:pPr>
-            <a:r>
-              <a:rPr lang="en-US" sz="1800" dirty="0">
-                <a:latin typeface="Courier New" panose="02070309020205020404" pitchFamily="49" charset="0"/>
-                <a:cs typeface="Courier New" panose="02070309020205020404" pitchFamily="49" charset="0"/>
-              </a:rPr>
-              <a:t> 4.277778  3.530864 </a:t>
-            </a:r>
           </a:p>
         </p:txBody>
       </p:sp>
@@ -11440,8 +12319,8 @@
         </p:nvSpPr>
         <p:spPr>
           <a:xfrm>
-            <a:off x="6096000" y="4217051"/>
-            <a:ext cx="4945118" cy="2554545"/>
+            <a:off x="5891059" y="4441830"/>
+            <a:ext cx="5181600" cy="2246769"/>
           </a:xfrm>
           <a:prstGeom prst="rect">
             <a:avLst/>
@@ -11461,40 +12340,37 @@
           <a:p>
             <a:r>
               <a:rPr lang="en-US" sz="2000" dirty="0"/>
-              <a:t>From these results (higher t-value, very small p-value) you can claim that there </a:t>
+              <a:t>From these results (low t-value, p-value &gt; 0.05) you cannot prove a statistically significant difference between reviews of the two movies.</a:t>
+            </a:r>
+          </a:p>
+          <a:p>
+            <a:endParaRPr lang="en-US" sz="2000" dirty="0"/>
+          </a:p>
+          <a:p>
+            <a:r>
+              <a:rPr lang="en-US" sz="2000" dirty="0"/>
+              <a:t>We cannot say </a:t>
+            </a:r>
+            <a:r>
+              <a:rPr lang="en-US" sz="2000"/>
+              <a:t>the Null </a:t>
+            </a:r>
+            <a:r>
+              <a:rPr lang="en-US" sz="2000" dirty="0"/>
+              <a:t>Hypothesis is true, so we say </a:t>
             </a:r>
             <a:r>
               <a:rPr lang="en-US" sz="2000" u="sng" dirty="0"/>
-              <a:t>is</a:t>
-            </a:r>
-            <a:r>
-              <a:rPr lang="en-US" sz="2000" dirty="0"/>
-              <a:t> a  statistically significant difference between reviews of the two movies.</a:t>
-            </a:r>
-          </a:p>
-          <a:p>
+              <a:t>there is not enough evidence to reject the Null hypothesis</a:t>
+            </a:r>
             <a:endParaRPr lang="en-US" sz="2000" dirty="0"/>
-          </a:p>
-          <a:p>
-            <a:r>
-              <a:rPr lang="en-US" sz="2000" dirty="0"/>
-              <a:t>We can safely </a:t>
-            </a:r>
-            <a:r>
-              <a:rPr lang="en-US" sz="2000" u="sng" dirty="0"/>
-              <a:t>reject the null hypothesis</a:t>
-            </a:r>
-            <a:r>
-              <a:rPr lang="en-US" sz="2000" dirty="0"/>
-              <a:t> (that there is no statistically significant difference in the ratings of the movies).</a:t>
-            </a:r>
           </a:p>
         </p:txBody>
       </p:sp>
     </p:spTree>
     <p:extLst>
       <p:ext uri="{BB962C8B-B14F-4D97-AF65-F5344CB8AC3E}">
-        <p14:creationId xmlns:p14="http://schemas.microsoft.com/office/powerpoint/2010/main" val="3255482513"/>
+        <p14:creationId xmlns:p14="http://schemas.microsoft.com/office/powerpoint/2010/main" val="1359905631"/>
       </p:ext>
     </p:extLst>
   </p:cSld>
@@ -11523,10 +12399,10 @@
       </p:grpSpPr>
       <p:sp>
         <p:nvSpPr>
-          <p:cNvPr id="2" name="Title 1">
-            <a:extLst>
-              <a:ext uri="{FF2B5EF4-FFF2-40B4-BE49-F238E27FC236}">
-                <a16:creationId xmlns:a16="http://schemas.microsoft.com/office/drawing/2014/main" id="{6450D131-9F2B-468C-91FB-7DBA3B899CFF}"/>
+          <p:cNvPr id="20" name="Title 19">
+            <a:extLst>
+              <a:ext uri="{FF2B5EF4-FFF2-40B4-BE49-F238E27FC236}">
+                <a16:creationId xmlns:a16="http://schemas.microsoft.com/office/drawing/2014/main" id="{95E80BAC-7B55-4034-9AD6-1EF4CB9829CE}"/>
               </a:ext>
             </a:extLst>
           </p:cNvPr>
@@ -11539,44 +12415,41 @@
         </p:nvSpPr>
         <p:spPr>
           <a:xfrm>
-            <a:off x="609600" y="35719"/>
-            <a:ext cx="10160000" cy="842962"/>
+            <a:off x="609600" y="274638"/>
+            <a:ext cx="10160000" cy="849969"/>
           </a:xfrm>
         </p:spPr>
         <p:txBody>
           <a:bodyPr/>
           <a:lstStyle/>
           <a:p>
-            <a:pPr marR="0" rtl="0"/>
-            <a:r>
-              <a:rPr lang="en-US" b="0" i="0" u="none" strike="noStrike" baseline="0" dirty="0">
-                <a:latin typeface="Cambria" panose="02040503050406030204" pitchFamily="18" charset="0"/>
-              </a:rPr>
-              <a:t>Criticisms of Hypothesis Testing</a:t>
-            </a:r>
-          </a:p>
-        </p:txBody>
-      </p:sp>
-      <p:sp>
-        <p:nvSpPr>
-          <p:cNvPr id="3" name="Text Placeholder 2">
-            <a:extLst>
-              <a:ext uri="{FF2B5EF4-FFF2-40B4-BE49-F238E27FC236}">
-                <a16:creationId xmlns:a16="http://schemas.microsoft.com/office/drawing/2014/main" id="{AB7360B5-DA68-489A-8C30-7358BCB31683}"/>
-              </a:ext>
-            </a:extLst>
-          </p:cNvPr>
-          <p:cNvSpPr>
-            <a:spLocks noGrp="1"/>
-          </p:cNvSpPr>
-          <p:nvPr>
-            <p:ph type="body" idx="1"/>
+            <a:r>
+              <a:rPr lang="en-US" dirty="0"/>
+              <a:t>Test 2</a:t>
+            </a:r>
+          </a:p>
+        </p:txBody>
+      </p:sp>
+      <p:sp>
+        <p:nvSpPr>
+          <p:cNvPr id="3" name="Content Placeholder 2">
+            <a:extLst>
+              <a:ext uri="{FF2B5EF4-FFF2-40B4-BE49-F238E27FC236}">
+                <a16:creationId xmlns:a16="http://schemas.microsoft.com/office/drawing/2014/main" id="{42CDBE9B-F206-406A-95C4-3FFC96F6E5D4}"/>
+              </a:ext>
+            </a:extLst>
+          </p:cNvPr>
+          <p:cNvSpPr>
+            <a:spLocks noGrp="1"/>
+          </p:cNvSpPr>
+          <p:nvPr>
+            <p:ph idx="1"/>
           </p:nvPr>
         </p:nvSpPr>
         <p:spPr>
           <a:xfrm>
-            <a:off x="609600" y="988291"/>
-            <a:ext cx="10160000" cy="5412509"/>
+            <a:off x="609600" y="1250731"/>
+            <a:ext cx="10525432" cy="5520865"/>
           </a:xfrm>
         </p:spPr>
         <p:txBody>
@@ -11587,40 +12460,165 @@
           <a:p>
             <a:r>
               <a:rPr lang="en-US" sz="2800" dirty="0"/>
-              <a:t>The end result of any hypothesis test is dependent upon the arbitrary choice of α, usually set at one of the conventionally used values</a:t>
-            </a:r>
-          </a:p>
-          <a:p>
-            <a:r>
-              <a:rPr lang="en-US" sz="2800" dirty="0"/>
-              <a:t>A p-value never provides “proof” of either H0 or HA being truly correct</a:t>
-            </a:r>
-          </a:p>
-          <a:p>
-            <a:pPr lvl="1"/>
-            <a:r>
-              <a:rPr lang="en-US" sz="2400" dirty="0"/>
-              <a:t>The p-value indicates the strength of this preference of HA over H0</a:t>
-            </a:r>
-          </a:p>
-          <a:p>
-            <a:pPr lvl="1"/>
-            <a:r>
-              <a:rPr lang="en-US" sz="2400" dirty="0"/>
-              <a:t>It can only quantify evidence against the null hypothesis</a:t>
-            </a:r>
-          </a:p>
-          <a:p>
-            <a:r>
-              <a:rPr lang="en-US" sz="2800" dirty="0"/>
-              <a:t>Rejecting a null hypothesis is not the same as disproving it.</a:t>
-            </a:r>
-          </a:p>
-          <a:p>
-            <a:r>
-              <a:rPr lang="en-US" sz="2800" dirty="0"/>
-              <a:t>The best way to improve the use and interpretation of hypothesis testing is to understand what it can and cannot tell you</a:t>
-            </a:r>
+              <a:t>Compare "Interstellar" to "The Emoji Movie"</a:t>
+            </a:r>
+          </a:p>
+          <a:p>
+            <a:endParaRPr lang="en-US" sz="1800" b="1" dirty="0"/>
+          </a:p>
+          <a:p>
+            <a:pPr marL="114300" indent="0">
+              <a:buNone/>
+            </a:pPr>
+            <a:r>
+              <a:rPr lang="en-US" sz="1800">
+                <a:latin typeface="Courier New" panose="02070309020205020404" pitchFamily="49" charset="0"/>
+                <a:cs typeface="Courier New" panose="02070309020205020404" pitchFamily="49" charset="0"/>
+              </a:rPr>
+              <a:t>&gt; t.test(m_in,m_em)</a:t>
+            </a:r>
+          </a:p>
+          <a:p>
+            <a:pPr marL="114300" indent="0">
+              <a:buNone/>
+            </a:pPr>
+            <a:endParaRPr lang="en-US" sz="1800">
+              <a:latin typeface="Courier New" panose="02070309020205020404" pitchFamily="49" charset="0"/>
+              <a:cs typeface="Courier New" panose="02070309020205020404" pitchFamily="49" charset="0"/>
+            </a:endParaRPr>
+          </a:p>
+          <a:p>
+            <a:pPr marL="114300" indent="0">
+              <a:buNone/>
+            </a:pPr>
+            <a:r>
+              <a:rPr lang="en-US" sz="1800">
+                <a:latin typeface="Courier New" panose="02070309020205020404" pitchFamily="49" charset="0"/>
+                <a:cs typeface="Courier New" panose="02070309020205020404" pitchFamily="49" charset="0"/>
+              </a:rPr>
+              <a:t>	Welch Two Sample t-test</a:t>
+            </a:r>
+          </a:p>
+          <a:p>
+            <a:pPr marL="114300" indent="0">
+              <a:buNone/>
+            </a:pPr>
+            <a:r>
+              <a:rPr lang="en-US" sz="1800">
+                <a:latin typeface="Courier New" panose="02070309020205020404" pitchFamily="49" charset="0"/>
+                <a:cs typeface="Courier New" panose="02070309020205020404" pitchFamily="49" charset="0"/>
+              </a:rPr>
+              <a:t>data:  m_in and m_em</a:t>
+            </a:r>
+          </a:p>
+          <a:p>
+            <a:pPr marL="114300" indent="0">
+              <a:buNone/>
+            </a:pPr>
+            <a:r>
+              <a:rPr lang="en-US" sz="1800">
+                <a:latin typeface="Courier New" panose="02070309020205020404" pitchFamily="49" charset="0"/>
+                <a:cs typeface="Courier New" panose="02070309020205020404" pitchFamily="49" charset="0"/>
+              </a:rPr>
+              <a:t>t = </a:t>
+            </a:r>
+            <a:r>
+              <a:rPr lang="en-US" sz="1800" b="1">
+                <a:latin typeface="Courier New" panose="02070309020205020404" pitchFamily="49" charset="0"/>
+                <a:cs typeface="Courier New" panose="02070309020205020404" pitchFamily="49" charset="0"/>
+              </a:rPr>
+              <a:t>14.916</a:t>
+            </a:r>
+            <a:r>
+              <a:rPr lang="en-US" sz="1800">
+                <a:latin typeface="Courier New" panose="02070309020205020404" pitchFamily="49" charset="0"/>
+                <a:cs typeface="Courier New" panose="02070309020205020404" pitchFamily="49" charset="0"/>
+              </a:rPr>
+              <a:t>, df = 83.187, </a:t>
+            </a:r>
+            <a:r>
+              <a:rPr lang="en-US" sz="1800" b="1">
+                <a:latin typeface="Courier New" panose="02070309020205020404" pitchFamily="49" charset="0"/>
+                <a:cs typeface="Courier New" panose="02070309020205020404" pitchFamily="49" charset="0"/>
+              </a:rPr>
+              <a:t>p-value &lt; 2.2e-16</a:t>
+            </a:r>
+          </a:p>
+          <a:p>
+            <a:pPr marL="114300" indent="0">
+              <a:buNone/>
+            </a:pPr>
+            <a:r>
+              <a:rPr lang="en-US" sz="1800">
+                <a:latin typeface="Courier New" panose="02070309020205020404" pitchFamily="49" charset="0"/>
+                <a:cs typeface="Courier New" panose="02070309020205020404" pitchFamily="49" charset="0"/>
+              </a:rPr>
+              <a:t>alternative hypothesis: true difference in means is not equal to 0</a:t>
+            </a:r>
+          </a:p>
+          <a:p>
+            <a:pPr marL="114300" indent="0">
+              <a:buNone/>
+            </a:pPr>
+            <a:r>
+              <a:rPr lang="en-US" sz="1800">
+                <a:latin typeface="Courier New" panose="02070309020205020404" pitchFamily="49" charset="0"/>
+                <a:cs typeface="Courier New" panose="02070309020205020404" pitchFamily="49" charset="0"/>
+              </a:rPr>
+              <a:t>95 percent confidence interval:</a:t>
+            </a:r>
+          </a:p>
+          <a:p>
+            <a:pPr marL="114300" indent="0">
+              <a:buNone/>
+            </a:pPr>
+            <a:r>
+              <a:rPr lang="en-US" sz="1800">
+                <a:latin typeface="Courier New" panose="02070309020205020404" pitchFamily="49" charset="0"/>
+                <a:cs typeface="Courier New" panose="02070309020205020404" pitchFamily="49" charset="0"/>
+              </a:rPr>
+              <a:t> 1.903583 2.489346</a:t>
+            </a:r>
+          </a:p>
+          <a:p>
+            <a:pPr marL="114300" indent="0">
+              <a:buNone/>
+            </a:pPr>
+            <a:r>
+              <a:rPr lang="en-US" sz="1800">
+                <a:latin typeface="Courier New" panose="02070309020205020404" pitchFamily="49" charset="0"/>
+                <a:cs typeface="Courier New" panose="02070309020205020404" pitchFamily="49" charset="0"/>
+              </a:rPr>
+              <a:t>sample estimates:</a:t>
+            </a:r>
+          </a:p>
+          <a:p>
+            <a:pPr marL="114300" indent="0">
+              <a:buNone/>
+            </a:pPr>
+            <a:r>
+              <a:rPr lang="en-US" sz="1800">
+                <a:latin typeface="Courier New" panose="02070309020205020404" pitchFamily="49" charset="0"/>
+                <a:cs typeface="Courier New" panose="02070309020205020404" pitchFamily="49" charset="0"/>
+              </a:rPr>
+              <a:t>mean of x mean of y </a:t>
+            </a:r>
+          </a:p>
+          <a:p>
+            <a:pPr marL="114300" indent="0">
+              <a:buNone/>
+            </a:pPr>
+            <a:r>
+              <a:rPr lang="en-US" sz="1800">
+                <a:latin typeface="Courier New" panose="02070309020205020404" pitchFamily="49" charset="0"/>
+                <a:cs typeface="Courier New" panose="02070309020205020404" pitchFamily="49" charset="0"/>
+              </a:rPr>
+              <a:t> 4.355556  2.159091 </a:t>
+            </a:r>
+            <a:endParaRPr lang="en-US" sz="1800" dirty="0">
+              <a:latin typeface="Courier New" panose="02070309020205020404" pitchFamily="49" charset="0"/>
+              <a:cs typeface="Courier New" panose="02070309020205020404" pitchFamily="49" charset="0"/>
+            </a:endParaRPr>
           </a:p>
         </p:txBody>
       </p:sp>
@@ -11629,7 +12627,7 @@
           <p:cNvPr id="4" name="Slide Number Placeholder 3">
             <a:extLst>
               <a:ext uri="{FF2B5EF4-FFF2-40B4-BE49-F238E27FC236}">
-                <a16:creationId xmlns:a16="http://schemas.microsoft.com/office/drawing/2014/main" id="{9DE7F2A3-BD39-4F99-90F5-EA5E74A6DC29}"/>
+                <a16:creationId xmlns:a16="http://schemas.microsoft.com/office/drawing/2014/main" id="{00B0BDFF-3078-4F2F-AD92-BD6102EA9A78}"/>
               </a:ext>
             </a:extLst>
           </p:cNvPr>
@@ -11645,7 +12643,7 @@
           <a:bodyPr/>
           <a:lstStyle/>
           <a:p>
-            <a:fld id="{3A6A1FD8-DC5E-4118-B28D-026D064165E4}" type="slidenum">
+            <a:fld id="{4FE1A042-55E0-4FEE-A3E3-0291800935DF}" type="slidenum">
               <a:rPr lang="en-US" smtClean="0"/>
               <a:t>38</a:t>
             </a:fld>
@@ -11653,10 +12651,83 @@
           </a:p>
         </p:txBody>
       </p:sp>
+      <p:sp>
+        <p:nvSpPr>
+          <p:cNvPr id="21" name="TextBox 20">
+            <a:extLst>
+              <a:ext uri="{FF2B5EF4-FFF2-40B4-BE49-F238E27FC236}">
+                <a16:creationId xmlns:a16="http://schemas.microsoft.com/office/drawing/2014/main" id="{7E5F5E65-E90E-4E77-BB09-BE98D136A759}"/>
+              </a:ext>
+            </a:extLst>
+          </p:cNvPr>
+          <p:cNvSpPr txBox="1"/>
+          <p:nvPr/>
+        </p:nvSpPr>
+        <p:spPr>
+          <a:xfrm>
+            <a:off x="6096000" y="4217051"/>
+            <a:ext cx="4945118" cy="2554545"/>
+          </a:xfrm>
+          <a:prstGeom prst="rect">
+            <a:avLst/>
+          </a:prstGeom>
+          <a:noFill/>
+          <a:ln>
+            <a:solidFill>
+              <a:schemeClr val="tx1"/>
+            </a:solidFill>
+          </a:ln>
+        </p:spPr>
+        <p:txBody>
+          <a:bodyPr wrap="square" rtlCol="0">
+            <a:spAutoFit/>
+          </a:bodyPr>
+          <a:lstStyle/>
+          <a:p>
+            <a:r>
+              <a:rPr lang="en-US" sz="2000" dirty="0"/>
+              <a:t>From these results (higher t-value, very small p-value) you can claim that there </a:t>
+            </a:r>
+            <a:r>
+              <a:rPr lang="en-US" sz="2000" u="sng" dirty="0"/>
+              <a:t>is</a:t>
+            </a:r>
+            <a:r>
+              <a:rPr lang="en-US" sz="2000" dirty="0"/>
+              <a:t> a  statistically significant difference between reviews of the two movies.</a:t>
+            </a:r>
+          </a:p>
+          <a:p>
+            <a:endParaRPr lang="en-US" sz="2000" dirty="0"/>
+          </a:p>
+          <a:p>
+            <a:r>
+              <a:rPr lang="en-US" sz="2000" dirty="0"/>
+              <a:t>We can safely </a:t>
+            </a:r>
+            <a:r>
+              <a:rPr lang="en-US" sz="2000" u="sng" dirty="0"/>
+              <a:t>reject the null </a:t>
+            </a:r>
+            <a:r>
+              <a:rPr lang="en-US" sz="2000" u="sng"/>
+              <a:t>hypothesis</a:t>
+            </a:r>
+            <a:r>
+              <a:rPr lang="en-US" sz="2000"/>
+              <a:t> (stating there </a:t>
+            </a:r>
+            <a:r>
+              <a:rPr lang="en-US" sz="2000" dirty="0"/>
+              <a:t>is no statistically significant difference in the ratings of the movies).</a:t>
+            </a:r>
+          </a:p>
+        </p:txBody>
+      </p:sp>
     </p:spTree>
     <p:extLst>
       <p:ext uri="{BB962C8B-B14F-4D97-AF65-F5344CB8AC3E}">
-        <p14:creationId xmlns:p14="http://schemas.microsoft.com/office/powerpoint/2010/main" val="3936997219"/>
+        <p14:creationId xmlns:p14="http://schemas.microsoft.com/office/powerpoint/2010/main" val="3255482513"/>
       </p:ext>
     </p:extLst>
   </p:cSld>
@@ -11685,41 +12756,140 @@
       </p:grpSpPr>
       <p:sp>
         <p:nvSpPr>
-          <p:cNvPr id="5" name="Title 4">
-            <a:extLst>
-              <a:ext uri="{FF2B5EF4-FFF2-40B4-BE49-F238E27FC236}">
-                <a16:creationId xmlns:a16="http://schemas.microsoft.com/office/drawing/2014/main" id="{DB6F406F-71A3-4FDE-B8E2-5462EC3BCC00}"/>
-              </a:ext>
-            </a:extLst>
-          </p:cNvPr>
-          <p:cNvSpPr>
-            <a:spLocks noGrp="1"/>
-          </p:cNvSpPr>
-          <p:nvPr>
-            <p:ph type="ctrTitle"/>
+          <p:cNvPr id="2" name="Title 1">
+            <a:extLst>
+              <a:ext uri="{FF2B5EF4-FFF2-40B4-BE49-F238E27FC236}">
+                <a16:creationId xmlns:a16="http://schemas.microsoft.com/office/drawing/2014/main" id="{6450D131-9F2B-468C-91FB-7DBA3B899CFF}"/>
+              </a:ext>
+            </a:extLst>
+          </p:cNvPr>
+          <p:cNvSpPr>
+            <a:spLocks noGrp="1"/>
+          </p:cNvSpPr>
+          <p:nvPr>
+            <p:ph type="title"/>
           </p:nvPr>
         </p:nvSpPr>
         <p:spPr>
           <a:xfrm>
-            <a:off x="1018582" y="1278234"/>
-            <a:ext cx="7833588" cy="2799780"/>
+            <a:off x="609600" y="35719"/>
+            <a:ext cx="10160000" cy="842962"/>
           </a:xfrm>
         </p:spPr>
         <p:txBody>
           <a:bodyPr/>
           <a:lstStyle/>
           <a:p>
-            <a:r>
-              <a:rPr lang="en-US" dirty="0"/>
-              <a:t>Ch. 19 Analysis of Variance</a:t>
-            </a:r>
+            <a:pPr marR="0" rtl="0"/>
+            <a:r>
+              <a:rPr lang="en-US" b="0" i="0" u="none" strike="noStrike" baseline="0" dirty="0">
+                <a:latin typeface="Cambria" panose="02040503050406030204" pitchFamily="18" charset="0"/>
+              </a:rPr>
+              <a:t>Criticisms of Hypothesis Testing</a:t>
+            </a:r>
+          </a:p>
+        </p:txBody>
+      </p:sp>
+      <p:sp>
+        <p:nvSpPr>
+          <p:cNvPr id="3" name="Text Placeholder 2">
+            <a:extLst>
+              <a:ext uri="{FF2B5EF4-FFF2-40B4-BE49-F238E27FC236}">
+                <a16:creationId xmlns:a16="http://schemas.microsoft.com/office/drawing/2014/main" id="{AB7360B5-DA68-489A-8C30-7358BCB31683}"/>
+              </a:ext>
+            </a:extLst>
+          </p:cNvPr>
+          <p:cNvSpPr>
+            <a:spLocks noGrp="1"/>
+          </p:cNvSpPr>
+          <p:nvPr>
+            <p:ph type="body" idx="1"/>
+          </p:nvPr>
+        </p:nvSpPr>
+        <p:spPr>
+          <a:xfrm>
+            <a:off x="609600" y="988291"/>
+            <a:ext cx="10160000" cy="5412509"/>
+          </a:xfrm>
+        </p:spPr>
+        <p:txBody>
+          <a:bodyPr>
+            <a:normAutofit/>
+          </a:bodyPr>
+          <a:lstStyle/>
+          <a:p>
+            <a:r>
+              <a:rPr lang="en-US" sz="2800" dirty="0"/>
+              <a:t>The end result of any hypothesis test is dependent upon the arbitrary choice of α, usually set at one of the conventionally used values</a:t>
+            </a:r>
+          </a:p>
+          <a:p>
+            <a:r>
+              <a:rPr lang="en-US" sz="2800" dirty="0"/>
+              <a:t>A p-value never provides “proof” of either H0 or HA being truly correct</a:t>
+            </a:r>
+          </a:p>
+          <a:p>
+            <a:pPr lvl="1"/>
+            <a:r>
+              <a:rPr lang="en-US" sz="2400" dirty="0"/>
+              <a:t>The p-value indicates the strength of this preference of HA over H0</a:t>
+            </a:r>
+          </a:p>
+          <a:p>
+            <a:pPr lvl="1"/>
+            <a:r>
+              <a:rPr lang="en-US" sz="2400" dirty="0"/>
+              <a:t>It can only quantify evidence against the null hypothesis</a:t>
+            </a:r>
+          </a:p>
+          <a:p>
+            <a:r>
+              <a:rPr lang="en-US" sz="2800" dirty="0"/>
+              <a:t>Rejecting a null hypothesis is not the same as disproving it.</a:t>
+            </a:r>
+          </a:p>
+          <a:p>
+            <a:r>
+              <a:rPr lang="en-US" sz="2800" dirty="0"/>
+              <a:t>The best way to improve the use and interpretation of hypothesis testing is to understand what it can and cannot tell you</a:t>
+            </a:r>
+          </a:p>
+        </p:txBody>
+      </p:sp>
+      <p:sp>
+        <p:nvSpPr>
+          <p:cNvPr id="4" name="Slide Number Placeholder 3">
+            <a:extLst>
+              <a:ext uri="{FF2B5EF4-FFF2-40B4-BE49-F238E27FC236}">
+                <a16:creationId xmlns:a16="http://schemas.microsoft.com/office/drawing/2014/main" id="{9DE7F2A3-BD39-4F99-90F5-EA5E74A6DC29}"/>
+              </a:ext>
+            </a:extLst>
+          </p:cNvPr>
+          <p:cNvSpPr>
+            <a:spLocks noGrp="1"/>
+          </p:cNvSpPr>
+          <p:nvPr>
+            <p:ph type="sldNum" sz="quarter" idx="12"/>
+          </p:nvPr>
+        </p:nvSpPr>
+        <p:spPr/>
+        <p:txBody>
+          <a:bodyPr/>
+          <a:lstStyle/>
+          <a:p>
+            <a:fld id="{3A6A1FD8-DC5E-4118-B28D-026D064165E4}" type="slidenum">
+              <a:rPr lang="en-US" smtClean="0"/>
+              <a:t>39</a:t>
+            </a:fld>
+            <a:endParaRPr lang="en-US"/>
           </a:p>
         </p:txBody>
       </p:sp>
     </p:spTree>
     <p:extLst>
       <p:ext uri="{BB962C8B-B14F-4D97-AF65-F5344CB8AC3E}">
-        <p14:creationId xmlns:p14="http://schemas.microsoft.com/office/powerpoint/2010/main" val="3296825097"/>
+        <p14:creationId xmlns:p14="http://schemas.microsoft.com/office/powerpoint/2010/main" val="3936997219"/>
       </p:ext>
     </p:extLst>
   </p:cSld>
@@ -11919,24 +13089,24 @@
       </p:grpSpPr>
       <p:sp>
         <p:nvSpPr>
-          <p:cNvPr id="2" name="Title 1">
-            <a:extLst>
-              <a:ext uri="{FF2B5EF4-FFF2-40B4-BE49-F238E27FC236}">
-                <a16:creationId xmlns:a16="http://schemas.microsoft.com/office/drawing/2014/main" id="{5AFF220F-736B-4CC6-97EA-E4B10F9A311C}"/>
-              </a:ext>
-            </a:extLst>
-          </p:cNvPr>
-          <p:cNvSpPr>
-            <a:spLocks noGrp="1"/>
-          </p:cNvSpPr>
-          <p:nvPr>
-            <p:ph type="title"/>
+          <p:cNvPr id="5" name="Title 4">
+            <a:extLst>
+              <a:ext uri="{FF2B5EF4-FFF2-40B4-BE49-F238E27FC236}">
+                <a16:creationId xmlns:a16="http://schemas.microsoft.com/office/drawing/2014/main" id="{DB6F406F-71A3-4FDE-B8E2-5462EC3BCC00}"/>
+              </a:ext>
+            </a:extLst>
+          </p:cNvPr>
+          <p:cNvSpPr>
+            <a:spLocks noGrp="1"/>
+          </p:cNvSpPr>
+          <p:nvPr>
+            <p:ph type="ctrTitle"/>
           </p:nvPr>
         </p:nvSpPr>
         <p:spPr>
           <a:xfrm>
-            <a:off x="609600" y="126857"/>
-            <a:ext cx="10160000" cy="861435"/>
+            <a:off x="1018582" y="1278234"/>
+            <a:ext cx="7833588" cy="2799780"/>
           </a:xfrm>
         </p:spPr>
         <p:txBody>
@@ -11945,147 +13115,15 @@
           <a:p>
             <a:r>
               <a:rPr lang="en-US" dirty="0"/>
-              <a:t>What is ANOVA</a:t>
-            </a:r>
-          </a:p>
-        </p:txBody>
-      </p:sp>
-      <p:sp>
-        <p:nvSpPr>
-          <p:cNvPr id="3" name="Content Placeholder 2">
-            <a:extLst>
-              <a:ext uri="{FF2B5EF4-FFF2-40B4-BE49-F238E27FC236}">
-                <a16:creationId xmlns:a16="http://schemas.microsoft.com/office/drawing/2014/main" id="{17EED3F7-A81A-43AE-B5A1-46C8539B238D}"/>
-              </a:ext>
-            </a:extLst>
-          </p:cNvPr>
-          <p:cNvSpPr>
-            <a:spLocks noGrp="1"/>
-          </p:cNvSpPr>
-          <p:nvPr>
-            <p:ph idx="1"/>
-          </p:nvPr>
-        </p:nvSpPr>
-        <p:spPr>
-          <a:xfrm>
-            <a:off x="609600" y="1089891"/>
-            <a:ext cx="10160000" cy="5387109"/>
-          </a:xfrm>
-        </p:spPr>
-        <p:txBody>
-          <a:bodyPr>
-            <a:normAutofit/>
-          </a:bodyPr>
-          <a:lstStyle/>
-          <a:p>
-            <a:r>
-              <a:rPr lang="en-US" sz="2800" dirty="0"/>
-              <a:t>Analysis of variance (ANOVA) is used to compare multiple means in a test for equivalence.</a:t>
-            </a:r>
-            <a:endParaRPr lang="en-US" sz="2400" dirty="0"/>
-          </a:p>
-          <a:p>
-            <a:pPr lvl="1"/>
-            <a:r>
-              <a:rPr lang="en-US" sz="2400" dirty="0"/>
-              <a:t>Measures variation between groups</a:t>
-            </a:r>
-          </a:p>
-          <a:p>
-            <a:pPr lvl="1"/>
-            <a:r>
-              <a:rPr lang="en-US" sz="2400" dirty="0"/>
-              <a:t>Similar to t-test for two groups, but more conservative</a:t>
-            </a:r>
-          </a:p>
-          <a:p>
-            <a:pPr lvl="1"/>
-            <a:r>
-              <a:rPr lang="en-US" sz="2400" dirty="0"/>
-              <a:t>null hypothesis: the mean is the same for all groups</a:t>
-            </a:r>
-          </a:p>
-          <a:p>
-            <a:r>
-              <a:rPr lang="en-US" sz="2800" dirty="0"/>
-              <a:t>ANOVA testing reveals that either</a:t>
-            </a:r>
-          </a:p>
-          <a:p>
-            <a:pPr marL="914400" lvl="1" indent="0">
-              <a:buNone/>
-            </a:pPr>
-            <a:r>
-              <a:rPr lang="en-US" sz="2400" dirty="0"/>
-              <a:t>H0: cannot be rejected -- no significant difference exists</a:t>
-            </a:r>
-          </a:p>
-          <a:p>
-            <a:pPr marL="396875" indent="0">
-              <a:buNone/>
-            </a:pPr>
-            <a:r>
-              <a:rPr lang="en-US" sz="2800" dirty="0"/>
-              <a:t>or</a:t>
-            </a:r>
-          </a:p>
-          <a:p>
-            <a:pPr marL="914400" lvl="1" indent="0">
-              <a:buNone/>
-            </a:pPr>
-            <a:r>
-              <a:rPr lang="en-US" sz="2400" dirty="0"/>
-              <a:t>HA: H0 can be rejected -- a significant difference exists</a:t>
-            </a:r>
-          </a:p>
-          <a:p>
-            <a:pPr marL="396875" indent="0">
-              <a:buNone/>
-            </a:pPr>
-            <a:r>
-              <a:rPr lang="en-US" sz="2800" u="sng" dirty="0"/>
-              <a:t>but</a:t>
-            </a:r>
-            <a:r>
-              <a:rPr lang="en-US" sz="2800" dirty="0"/>
-              <a:t> it does not reveal where the difference comes from</a:t>
-            </a:r>
-          </a:p>
-        </p:txBody>
-      </p:sp>
-      <p:sp>
-        <p:nvSpPr>
-          <p:cNvPr id="4" name="Slide Number Placeholder 3">
-            <a:extLst>
-              <a:ext uri="{FF2B5EF4-FFF2-40B4-BE49-F238E27FC236}">
-                <a16:creationId xmlns:a16="http://schemas.microsoft.com/office/drawing/2014/main" id="{FADB2C46-EE81-4D58-A31F-804CB11E79FA}"/>
-              </a:ext>
-            </a:extLst>
-          </p:cNvPr>
-          <p:cNvSpPr>
-            <a:spLocks noGrp="1"/>
-          </p:cNvSpPr>
-          <p:nvPr>
-            <p:ph type="sldNum" sz="quarter" idx="12"/>
-          </p:nvPr>
-        </p:nvSpPr>
-        <p:spPr/>
-        <p:txBody>
-          <a:bodyPr/>
-          <a:lstStyle/>
-          <a:p>
-            <a:fld id="{4FE1A042-55E0-4FEE-A3E3-0291800935DF}" type="slidenum">
-              <a:rPr lang="en-US" smtClean="0"/>
-              <a:t>40</a:t>
-            </a:fld>
-            <a:endParaRPr lang="en-US" dirty="0"/>
+              <a:t>Ch. 19 Analysis of Variance</a:t>
+            </a:r>
           </a:p>
         </p:txBody>
       </p:sp>
     </p:spTree>
     <p:extLst>
       <p:ext uri="{BB962C8B-B14F-4D97-AF65-F5344CB8AC3E}">
-        <p14:creationId xmlns:p14="http://schemas.microsoft.com/office/powerpoint/2010/main" val="4015740274"/>
+        <p14:creationId xmlns:p14="http://schemas.microsoft.com/office/powerpoint/2010/main" val="3296825097"/>
       </p:ext>
     </p:extLst>
   </p:cSld>
@@ -12140,7 +13178,7 @@
           <a:p>
             <a:r>
               <a:rPr lang="en-US" dirty="0"/>
-              <a:t>The F-test</a:t>
+              <a:t>What is ANOVA</a:t>
             </a:r>
           </a:p>
         </p:txBody>
@@ -12168,51 +13206,83 @@
           </a:xfrm>
         </p:spPr>
         <p:txBody>
-          <a:bodyPr/>
-          <a:lstStyle/>
-          <a:p>
-            <a:r>
-              <a:rPr lang="en-US" sz="3200" dirty="0"/>
-              <a:t>An F-test is used in ANOVA  to compare overall deviation from the observed population mean.</a:t>
-            </a:r>
+          <a:bodyPr>
+            <a:normAutofit/>
+          </a:bodyPr>
+          <a:lstStyle/>
+          <a:p>
+            <a:r>
+              <a:rPr lang="en-US" sz="2800" dirty="0"/>
+              <a:t>Analysis of variance (ANOVA) is used to compare multiple means in a test for equivalence.</a:t>
+            </a:r>
+            <a:endParaRPr lang="en-US" sz="2400" dirty="0"/>
           </a:p>
           <a:p>
             <a:pPr lvl="1"/>
             <a:r>
               <a:rPr lang="en-US" sz="2400" dirty="0"/>
-              <a:t>F-tests are named after the test statistic, F, which was named in honor of Sir Ronald Fisher. </a:t>
+              <a:t>Measures variation between groups</a:t>
             </a:r>
           </a:p>
           <a:p>
             <a:pPr lvl="1"/>
             <a:r>
               <a:rPr lang="en-US" sz="2400" dirty="0"/>
-              <a:t>The F-statistic is a ratio of two variances as a measure of dispersion, or how far the data are scattered from the mean.</a:t>
-            </a:r>
-          </a:p>
-          <a:p>
-            <a:pPr lvl="2"/>
+              <a:t>Similar to t-test for two groups, but more conservative</a:t>
+            </a:r>
+          </a:p>
+          <a:p>
+            <a:pPr lvl="1"/>
             <a:r>
               <a:rPr lang="en-US" sz="2400" dirty="0"/>
-              <a:t>Larger values represent greater dispersion.</a:t>
-            </a:r>
-          </a:p>
-          <a:p>
-            <a:pPr lvl="1"/>
+              <a:t>null hypothesis: the mean is the same for all groups</a:t>
+            </a:r>
+          </a:p>
+          <a:p>
+            <a:r>
+              <a:rPr lang="en-US" sz="2800" dirty="0"/>
+              <a:t>ANOVA testing reveals that either</a:t>
+            </a:r>
+          </a:p>
+          <a:p>
+            <a:pPr marL="914400" lvl="1" indent="0">
+              <a:buNone/>
+            </a:pPr>
             <a:r>
               <a:rPr lang="en-US" sz="2400" dirty="0"/>
-              <a:t>As values of F increase above 1, the evidence is increasingly inconsistent with the null hypothesis.</a:t>
-            </a:r>
-          </a:p>
-          <a:p>
-            <a:pPr lvl="1"/>
+              <a:t>H0: cannot be rejected -- no significant difference exists</a:t>
+            </a:r>
+          </a:p>
+          <a:p>
+            <a:pPr marL="396875" indent="0">
+              <a:buNone/>
+            </a:pPr>
+            <a:r>
+              <a:rPr lang="en-US" sz="2800" dirty="0"/>
+              <a:t>or</a:t>
+            </a:r>
+          </a:p>
+          <a:p>
+            <a:pPr marL="914400" lvl="1" indent="0">
+              <a:buNone/>
+            </a:pPr>
             <a:r>
               <a:rPr lang="en-US" sz="2400" dirty="0"/>
-              <a:t>The probability (p-value) of a value of F greater than or equal to the observed value is calculated. The null hypothesis is rejected if this probability is less than or equal to the significance level (α).</a:t>
-            </a:r>
-          </a:p>
-          <a:p>
-            <a:endParaRPr lang="en-US" dirty="0"/>
+              <a:t>HA: H0 can be rejected -- a significant difference exists</a:t>
+            </a:r>
+          </a:p>
+          <a:p>
+            <a:pPr marL="396875" indent="0">
+              <a:buNone/>
+            </a:pPr>
+            <a:r>
+              <a:rPr lang="en-US" sz="2800" u="sng" dirty="0"/>
+              <a:t>but</a:t>
+            </a:r>
+            <a:r>
+              <a:rPr lang="en-US" sz="2800" dirty="0"/>
+              <a:t> it does not reveal where the difference comes from</a:t>
+            </a:r>
           </a:p>
         </p:txBody>
       </p:sp>
@@ -12248,7 +13318,7 @@
     </p:spTree>
     <p:extLst>
       <p:ext uri="{BB962C8B-B14F-4D97-AF65-F5344CB8AC3E}">
-        <p14:creationId xmlns:p14="http://schemas.microsoft.com/office/powerpoint/2010/main" val="1715537136"/>
+        <p14:creationId xmlns:p14="http://schemas.microsoft.com/office/powerpoint/2010/main" val="4015740274"/>
       </p:ext>
     </p:extLst>
   </p:cSld>
@@ -12280,7 +13350,7 @@
           <p:cNvPr id="2" name="Title 1">
             <a:extLst>
               <a:ext uri="{FF2B5EF4-FFF2-40B4-BE49-F238E27FC236}">
-                <a16:creationId xmlns:a16="http://schemas.microsoft.com/office/drawing/2014/main" id="{2D5BF995-073B-40D2-904B-F98DC989A8AB}"/>
+                <a16:creationId xmlns:a16="http://schemas.microsoft.com/office/drawing/2014/main" id="{5AFF220F-736B-4CC6-97EA-E4B10F9A311C}"/>
               </a:ext>
             </a:extLst>
           </p:cNvPr>
@@ -12293,44 +13363,41 @@
         </p:nvSpPr>
         <p:spPr>
           <a:xfrm>
-            <a:off x="609600" y="182275"/>
-            <a:ext cx="10160000" cy="769071"/>
+            <a:off x="609600" y="126857"/>
+            <a:ext cx="10160000" cy="861435"/>
           </a:xfrm>
         </p:spPr>
         <p:txBody>
           <a:bodyPr/>
           <a:lstStyle/>
           <a:p>
-            <a:pPr marR="0" rtl="0"/>
-            <a:r>
-              <a:rPr lang="en-US" b="0" i="0" u="none" strike="noStrike" baseline="0" dirty="0">
-                <a:latin typeface="Cambria" panose="02040503050406030204" pitchFamily="18" charset="0"/>
-              </a:rPr>
-              <a:t>One-Way ANOVA</a:t>
-            </a:r>
-          </a:p>
-        </p:txBody>
-      </p:sp>
-      <p:sp>
-        <p:nvSpPr>
-          <p:cNvPr id="3" name="Text Placeholder 2">
-            <a:extLst>
-              <a:ext uri="{FF2B5EF4-FFF2-40B4-BE49-F238E27FC236}">
-                <a16:creationId xmlns:a16="http://schemas.microsoft.com/office/drawing/2014/main" id="{207CECFC-38D8-4A46-99D4-49F2806342FD}"/>
-              </a:ext>
-            </a:extLst>
-          </p:cNvPr>
-          <p:cNvSpPr>
-            <a:spLocks noGrp="1"/>
-          </p:cNvSpPr>
-          <p:nvPr>
-            <p:ph type="body" idx="1"/>
+            <a:r>
+              <a:rPr lang="en-US" dirty="0"/>
+              <a:t>The F-test</a:t>
+            </a:r>
+          </a:p>
+        </p:txBody>
+      </p:sp>
+      <p:sp>
+        <p:nvSpPr>
+          <p:cNvPr id="3" name="Content Placeholder 2">
+            <a:extLst>
+              <a:ext uri="{FF2B5EF4-FFF2-40B4-BE49-F238E27FC236}">
+                <a16:creationId xmlns:a16="http://schemas.microsoft.com/office/drawing/2014/main" id="{17EED3F7-A81A-43AE-B5A1-46C8539B238D}"/>
+              </a:ext>
+            </a:extLst>
+          </p:cNvPr>
+          <p:cNvSpPr>
+            <a:spLocks noGrp="1"/>
+          </p:cNvSpPr>
+          <p:nvPr>
+            <p:ph idx="1"/>
           </p:nvPr>
         </p:nvSpPr>
         <p:spPr>
           <a:xfrm>
-            <a:off x="609600" y="1302327"/>
-            <a:ext cx="10160000" cy="5098473"/>
+            <a:off x="609600" y="1089891"/>
+            <a:ext cx="10160000" cy="5387109"/>
           </a:xfrm>
         </p:spPr>
         <p:txBody>
@@ -12338,113 +13405,47 @@
           <a:lstStyle/>
           <a:p>
             <a:r>
+              <a:rPr lang="en-US" sz="3200" dirty="0"/>
+              <a:t>An F-test is used in ANOVA  to compare overall deviation from the observed population mean.</a:t>
+            </a:r>
+          </a:p>
+          <a:p>
+            <a:pPr lvl="1"/>
+            <a:r>
               <a:rPr lang="en-US" sz="2400" dirty="0"/>
-              <a:t>The simplest version of ANOVA is referred to as one-way or one-factor analysis.</a:t>
-            </a:r>
-          </a:p>
-          <a:p>
+              <a:t>F-tests are named after the test statistic, F, which was named in honor of Sir Ronald Fisher. </a:t>
+            </a:r>
+          </a:p>
+          <a:p>
+            <a:pPr lvl="1"/>
             <a:r>
               <a:rPr lang="en-US" sz="2400" dirty="0"/>
-              <a:t>The one-way ANOVA is used to test two or more means for equality.</a:t>
-            </a:r>
-          </a:p>
-          <a:p>
+              <a:t>The F-statistic is a ratio of two variances as a measure of dispersion, or how far the data are scattered from the mean.</a:t>
+            </a:r>
+          </a:p>
+          <a:p>
+            <a:pPr lvl="2"/>
             <a:r>
               <a:rPr lang="en-US" sz="2400" dirty="0"/>
-              <a:t>Example: </a:t>
-            </a:r>
-          </a:p>
-          <a:p>
-            <a:pPr marL="914400" lvl="1"/>
-            <a:r>
-              <a:rPr lang="en-US" sz="2400" u="sng" dirty="0" err="1"/>
-              <a:t>PlantGrowth</a:t>
-            </a:r>
-            <a:r>
-              <a:rPr lang="en-US" sz="2400" u="sng" dirty="0"/>
-              <a:t> (dataset included with the base-R distribution)</a:t>
-            </a:r>
-          </a:p>
-          <a:p>
-            <a:pPr marL="914400" indent="-4763">
-              <a:buNone/>
-            </a:pPr>
-            <a:r>
-              <a:rPr lang="en-US" sz="1800" dirty="0">
-                <a:latin typeface="Courier New" panose="02070309020205020404" pitchFamily="49" charset="0"/>
-                <a:cs typeface="Courier New" panose="02070309020205020404" pitchFamily="49" charset="0"/>
-              </a:rPr>
-              <a:t>Results from an experiment to compare yields (as measured by dried weight of plants) obtained under a control and two different treatment conditions.</a:t>
-            </a:r>
-          </a:p>
-          <a:p>
-            <a:pPr marL="914400" indent="-4763">
-              <a:buNone/>
-            </a:pPr>
-            <a:r>
-              <a:rPr lang="en-US" sz="1800" b="1" u="sng" dirty="0">
-                <a:latin typeface="Courier New" panose="02070309020205020404" pitchFamily="49" charset="0"/>
-                <a:cs typeface="Courier New" panose="02070309020205020404" pitchFamily="49" charset="0"/>
-              </a:rPr>
-              <a:t>Format</a:t>
-            </a:r>
-          </a:p>
-          <a:p>
-            <a:pPr marL="914400" indent="-4763">
-              <a:buNone/>
-            </a:pPr>
-            <a:r>
-              <a:rPr lang="en-US" sz="1800" dirty="0">
-                <a:latin typeface="Courier New" panose="02070309020205020404" pitchFamily="49" charset="0"/>
-                <a:cs typeface="Courier New" panose="02070309020205020404" pitchFamily="49" charset="0"/>
-              </a:rPr>
-              <a:t>A data frame of 30 cases on 2 variables</a:t>
-            </a:r>
-          </a:p>
-          <a:p>
-            <a:pPr marL="914400" indent="-4763">
-              <a:buNone/>
-            </a:pPr>
-            <a:r>
-              <a:rPr lang="en-US" sz="1800" dirty="0">
-                <a:latin typeface="Courier New" panose="02070309020205020404" pitchFamily="49" charset="0"/>
-                <a:cs typeface="Courier New" panose="02070309020205020404" pitchFamily="49" charset="0"/>
-              </a:rPr>
-              <a:t>[, 1]	weight	(numeric)</a:t>
-            </a:r>
-          </a:p>
-          <a:p>
-            <a:pPr marL="914400" indent="-4763">
-              <a:buNone/>
-            </a:pPr>
-            <a:r>
-              <a:rPr lang="en-US" sz="1800" dirty="0">
-                <a:latin typeface="Courier New" panose="02070309020205020404" pitchFamily="49" charset="0"/>
-                <a:cs typeface="Courier New" panose="02070309020205020404" pitchFamily="49" charset="0"/>
-              </a:rPr>
-              <a:t>[, 2]	group	(factor)</a:t>
-            </a:r>
-          </a:p>
-          <a:p>
-            <a:pPr marL="914400" indent="-4763">
-              <a:buNone/>
-            </a:pPr>
-            <a:endParaRPr lang="en-US" sz="1800" dirty="0">
-              <a:latin typeface="Courier New" panose="02070309020205020404" pitchFamily="49" charset="0"/>
-              <a:cs typeface="Courier New" panose="02070309020205020404" pitchFamily="49" charset="0"/>
-            </a:endParaRPr>
-          </a:p>
-          <a:p>
-            <a:pPr marL="914400" indent="-4763">
-              <a:buNone/>
-            </a:pPr>
-            <a:r>
-              <a:rPr lang="en-US" sz="1800" dirty="0">
-                <a:latin typeface="Courier New" panose="02070309020205020404" pitchFamily="49" charset="0"/>
-                <a:cs typeface="Courier New" panose="02070309020205020404" pitchFamily="49" charset="0"/>
-              </a:rPr>
-              <a:t>The levels of group are ‘ctrl’, ‘trt1’, and ‘trt2’</a:t>
-            </a:r>
+              <a:t>Larger values represent greater dispersion.</a:t>
+            </a:r>
+          </a:p>
+          <a:p>
+            <a:pPr lvl="1"/>
+            <a:r>
+              <a:rPr lang="en-US" sz="2400" dirty="0"/>
+              <a:t>As values of F increase above 1, the evidence is increasingly inconsistent with the null hypothesis.</a:t>
+            </a:r>
+          </a:p>
+          <a:p>
+            <a:pPr lvl="1"/>
+            <a:r>
+              <a:rPr lang="en-US" sz="2400" dirty="0"/>
+              <a:t>The probability (p-value) of a value of F greater than or equal to the observed value is calculated. The null hypothesis is rejected if this probability is less than or equal to the significance level (α).</a:t>
+            </a:r>
+          </a:p>
+          <a:p>
+            <a:endParaRPr lang="en-US" dirty="0"/>
           </a:p>
         </p:txBody>
       </p:sp>
@@ -12453,7 +13454,7 @@
           <p:cNvPr id="4" name="Slide Number Placeholder 3">
             <a:extLst>
               <a:ext uri="{FF2B5EF4-FFF2-40B4-BE49-F238E27FC236}">
-                <a16:creationId xmlns:a16="http://schemas.microsoft.com/office/drawing/2014/main" id="{662B5483-44DA-4E12-AC39-65B0A5DBD46D}"/>
+                <a16:creationId xmlns:a16="http://schemas.microsoft.com/office/drawing/2014/main" id="{FADB2C46-EE81-4D58-A31F-804CB11E79FA}"/>
               </a:ext>
             </a:extLst>
           </p:cNvPr>
@@ -12469,18 +13470,18 @@
           <a:bodyPr/>
           <a:lstStyle/>
           <a:p>
-            <a:fld id="{3A6A1FD8-DC5E-4118-B28D-026D064165E4}" type="slidenum">
+            <a:fld id="{4FE1A042-55E0-4FEE-A3E3-0291800935DF}" type="slidenum">
               <a:rPr lang="en-US" smtClean="0"/>
               <a:t>42</a:t>
             </a:fld>
-            <a:endParaRPr lang="en-US"/>
+            <a:endParaRPr lang="en-US" dirty="0"/>
           </a:p>
         </p:txBody>
       </p:sp>
     </p:spTree>
     <p:extLst>
       <p:ext uri="{BB962C8B-B14F-4D97-AF65-F5344CB8AC3E}">
-        <p14:creationId xmlns:p14="http://schemas.microsoft.com/office/powerpoint/2010/main" val="3486394737"/>
+        <p14:creationId xmlns:p14="http://schemas.microsoft.com/office/powerpoint/2010/main" val="1715537136"/>
       </p:ext>
     </p:extLst>
   </p:cSld>
@@ -12561,21 +13562,121 @@
         </p:nvSpPr>
         <p:spPr>
           <a:xfrm>
-            <a:off x="609600" y="1162547"/>
-            <a:ext cx="10160000" cy="5238254"/>
+            <a:off x="609600" y="1302327"/>
+            <a:ext cx="10160000" cy="5098473"/>
           </a:xfrm>
         </p:spPr>
         <p:txBody>
-          <a:bodyPr>
-            <a:normAutofit/>
-          </a:bodyPr>
-          <a:lstStyle/>
-          <a:p>
-            <a:r>
-              <a:rPr lang="en-US" sz="2800" dirty="0">
-                <a:cs typeface="Courier New" panose="02070309020205020404" pitchFamily="49" charset="0"/>
-              </a:rPr>
-              <a:t>Summarize the data</a:t>
+          <a:bodyPr/>
+          <a:lstStyle/>
+          <a:p>
+            <a:r>
+              <a:rPr lang="en-US" sz="2400" dirty="0"/>
+              <a:t>The simplest version of ANOVA is referred to as one-way or one-factor analysis.</a:t>
+            </a:r>
+          </a:p>
+          <a:p>
+            <a:r>
+              <a:rPr lang="en-US" sz="2400" dirty="0"/>
+              <a:t>The one-way ANOVA is used to test two or more means for equality.</a:t>
+            </a:r>
+          </a:p>
+          <a:p>
+            <a:r>
+              <a:rPr lang="en-US" sz="2400" dirty="0"/>
+              <a:t>Example: </a:t>
+            </a:r>
+          </a:p>
+          <a:p>
+            <a:pPr marL="914400" lvl="1"/>
+            <a:r>
+              <a:rPr lang="en-US" sz="2400" u="sng" dirty="0" err="1"/>
+              <a:t>PlantGrowth</a:t>
+            </a:r>
+            <a:r>
+              <a:rPr lang="en-US" sz="2400" u="sng" dirty="0"/>
+              <a:t> (dataset included with the base-R distribution)</a:t>
+            </a:r>
+          </a:p>
+          <a:p>
+            <a:pPr marL="914400" indent="-4763">
+              <a:buNone/>
+            </a:pPr>
+            <a:r>
+              <a:rPr lang="en-US" sz="1800" dirty="0">
+                <a:latin typeface="Courier New" panose="02070309020205020404" pitchFamily="49" charset="0"/>
+                <a:cs typeface="Courier New" panose="02070309020205020404" pitchFamily="49" charset="0"/>
+              </a:rPr>
+              <a:t>Results from an experiment to compare yields (as measured by dried weight of plants) obtained under a control and two different treatment conditions.</a:t>
+            </a:r>
+          </a:p>
+          <a:p>
+            <a:pPr marL="914400" indent="-4763">
+              <a:buNone/>
+            </a:pPr>
+            <a:r>
+              <a:rPr lang="en-US" sz="1800" b="1" u="sng" dirty="0">
+                <a:latin typeface="Courier New" panose="02070309020205020404" pitchFamily="49" charset="0"/>
+                <a:cs typeface="Courier New" panose="02070309020205020404" pitchFamily="49" charset="0"/>
+              </a:rPr>
+              <a:t>Format</a:t>
+            </a:r>
+          </a:p>
+          <a:p>
+            <a:pPr marL="914400" indent="-4763">
+              <a:buNone/>
+            </a:pPr>
+            <a:r>
+              <a:rPr lang="en-US" sz="1800" dirty="0">
+                <a:latin typeface="Courier New" panose="02070309020205020404" pitchFamily="49" charset="0"/>
+                <a:cs typeface="Courier New" panose="02070309020205020404" pitchFamily="49" charset="0"/>
+              </a:rPr>
+              <a:t>A data frame of 30 cases on 2 variables</a:t>
+            </a:r>
+          </a:p>
+          <a:p>
+            <a:pPr marL="914400" indent="-4763">
+              <a:buNone/>
+            </a:pPr>
+            <a:r>
+              <a:rPr lang="en-US" sz="1800" dirty="0">
+                <a:latin typeface="Courier New" panose="02070309020205020404" pitchFamily="49" charset="0"/>
+                <a:cs typeface="Courier New" panose="02070309020205020404" pitchFamily="49" charset="0"/>
+              </a:rPr>
+              <a:t>[, 1]	weight	(numeric)</a:t>
+            </a:r>
+          </a:p>
+          <a:p>
+            <a:pPr marL="914400" indent="-4763">
+              <a:buNone/>
+            </a:pPr>
+            <a:r>
+              <a:rPr lang="en-US" sz="1800" dirty="0">
+                <a:latin typeface="Courier New" panose="02070309020205020404" pitchFamily="49" charset="0"/>
+                <a:cs typeface="Courier New" panose="02070309020205020404" pitchFamily="49" charset="0"/>
+              </a:rPr>
+              <a:t>[, 2]	group	(factor)</a:t>
+            </a:r>
+          </a:p>
+          <a:p>
+            <a:pPr marL="914400" indent="-4763">
+              <a:buNone/>
+            </a:pPr>
+            <a:endParaRPr lang="en-US" sz="1800" dirty="0">
+              <a:latin typeface="Courier New" panose="02070309020205020404" pitchFamily="49" charset="0"/>
+              <a:cs typeface="Courier New" panose="02070309020205020404" pitchFamily="49" charset="0"/>
+            </a:endParaRPr>
+          </a:p>
+          <a:p>
+            <a:pPr marL="914400" indent="-4763">
+              <a:buNone/>
+            </a:pPr>
+            <a:r>
+              <a:rPr lang="en-US" sz="1800" dirty="0">
+                <a:latin typeface="Courier New" panose="02070309020205020404" pitchFamily="49" charset="0"/>
+                <a:cs typeface="Courier New" panose="02070309020205020404" pitchFamily="49" charset="0"/>
+              </a:rPr>
+              <a:t>The levels of group are ‘ctrl’, ‘trt1’, and ‘trt2’</a:t>
             </a:r>
           </a:p>
         </p:txBody>
@@ -12609,318 +13710,10 @@
           </a:p>
         </p:txBody>
       </p:sp>
-      <p:sp>
-        <p:nvSpPr>
-          <p:cNvPr id="5" name="Rectangle 4">
-            <a:extLst>
-              <a:ext uri="{FF2B5EF4-FFF2-40B4-BE49-F238E27FC236}">
-                <a16:creationId xmlns:a16="http://schemas.microsoft.com/office/drawing/2014/main" id="{B6BF46B8-1C56-4BA5-AB67-7D1C0729E888}"/>
-              </a:ext>
-            </a:extLst>
-          </p:cNvPr>
-          <p:cNvSpPr/>
-          <p:nvPr/>
-        </p:nvSpPr>
-        <p:spPr>
-          <a:xfrm>
-            <a:off x="1056640" y="1826542"/>
-            <a:ext cx="8617712" cy="3539430"/>
-          </a:xfrm>
-          <a:prstGeom prst="rect">
-            <a:avLst/>
-          </a:prstGeom>
-          <a:ln>
-            <a:solidFill>
-              <a:schemeClr val="tx1"/>
-            </a:solidFill>
-          </a:ln>
-        </p:spPr>
-        <p:txBody>
-          <a:bodyPr wrap="square">
-            <a:spAutoFit/>
-          </a:bodyPr>
-          <a:lstStyle/>
-          <a:p>
-            <a:r>
-              <a:rPr lang="en-US" sz="1600" dirty="0">
-                <a:latin typeface="Courier New" panose="02070309020205020404" pitchFamily="49" charset="0"/>
-                <a:cs typeface="Courier New" panose="02070309020205020404" pitchFamily="49" charset="0"/>
-              </a:rPr>
-              <a:t>&gt; str(</a:t>
-            </a:r>
-            <a:r>
-              <a:rPr lang="en-US" sz="1600" dirty="0" err="1">
-                <a:latin typeface="Courier New" panose="02070309020205020404" pitchFamily="49" charset="0"/>
-                <a:cs typeface="Courier New" panose="02070309020205020404" pitchFamily="49" charset="0"/>
-              </a:rPr>
-              <a:t>PlantGrowth</a:t>
-            </a:r>
-            <a:r>
-              <a:rPr lang="en-US" sz="1600" dirty="0">
-                <a:latin typeface="Courier New" panose="02070309020205020404" pitchFamily="49" charset="0"/>
-                <a:cs typeface="Courier New" panose="02070309020205020404" pitchFamily="49" charset="0"/>
-              </a:rPr>
-              <a:t>)</a:t>
-            </a:r>
-          </a:p>
-          <a:p>
-            <a:r>
-              <a:rPr lang="en-US" sz="1600" dirty="0">
-                <a:latin typeface="Courier New" panose="02070309020205020404" pitchFamily="49" charset="0"/>
-                <a:cs typeface="Courier New" panose="02070309020205020404" pitchFamily="49" charset="0"/>
-              </a:rPr>
-              <a:t>'</a:t>
-            </a:r>
-            <a:r>
-              <a:rPr lang="en-US" sz="1600" dirty="0" err="1">
-                <a:latin typeface="Courier New" panose="02070309020205020404" pitchFamily="49" charset="0"/>
-                <a:cs typeface="Courier New" panose="02070309020205020404" pitchFamily="49" charset="0"/>
-              </a:rPr>
-              <a:t>data.frame</a:t>
-            </a:r>
-            <a:r>
-              <a:rPr lang="en-US" sz="1600" dirty="0">
-                <a:latin typeface="Courier New" panose="02070309020205020404" pitchFamily="49" charset="0"/>
-                <a:cs typeface="Courier New" panose="02070309020205020404" pitchFamily="49" charset="0"/>
-              </a:rPr>
-              <a:t>':	30 obs. of  2 variables:</a:t>
-            </a:r>
-          </a:p>
-          <a:p>
-            <a:r>
-              <a:rPr lang="en-US" sz="1600" dirty="0">
-                <a:latin typeface="Courier New" panose="02070309020205020404" pitchFamily="49" charset="0"/>
-                <a:cs typeface="Courier New" panose="02070309020205020404" pitchFamily="49" charset="0"/>
-              </a:rPr>
-              <a:t> $ weight: num  4.17 5.58 5.18 6.11 4.5 4.61 5.17 4.53 5.33 5.14 ...</a:t>
-            </a:r>
-          </a:p>
-          <a:p>
-            <a:r>
-              <a:rPr lang="en-US" sz="1600" dirty="0">
-                <a:latin typeface="Courier New" panose="02070309020205020404" pitchFamily="49" charset="0"/>
-                <a:cs typeface="Courier New" panose="02070309020205020404" pitchFamily="49" charset="0"/>
-              </a:rPr>
-              <a:t> $ group : Factor w/ 3 levels "ctrl","trt1",..: 1 1 1 1 1 1 1 1 1 1 ...</a:t>
-            </a:r>
-          </a:p>
-          <a:p>
-            <a:r>
-              <a:rPr lang="en-US" sz="1600" dirty="0">
-                <a:latin typeface="Courier New" panose="02070309020205020404" pitchFamily="49" charset="0"/>
-                <a:cs typeface="Courier New" panose="02070309020205020404" pitchFamily="49" charset="0"/>
-              </a:rPr>
-              <a:t>&gt; head(</a:t>
-            </a:r>
-            <a:r>
-              <a:rPr lang="en-US" sz="1600" dirty="0" err="1">
-                <a:latin typeface="Courier New" panose="02070309020205020404" pitchFamily="49" charset="0"/>
-                <a:cs typeface="Courier New" panose="02070309020205020404" pitchFamily="49" charset="0"/>
-              </a:rPr>
-              <a:t>PlantGrowth</a:t>
-            </a:r>
-            <a:r>
-              <a:rPr lang="en-US" sz="1600" dirty="0">
-                <a:latin typeface="Courier New" panose="02070309020205020404" pitchFamily="49" charset="0"/>
-                <a:cs typeface="Courier New" panose="02070309020205020404" pitchFamily="49" charset="0"/>
-              </a:rPr>
-              <a:t>)</a:t>
-            </a:r>
-          </a:p>
-          <a:p>
-            <a:r>
-              <a:rPr lang="en-US" sz="1600" dirty="0">
-                <a:latin typeface="Courier New" panose="02070309020205020404" pitchFamily="49" charset="0"/>
-                <a:cs typeface="Courier New" panose="02070309020205020404" pitchFamily="49" charset="0"/>
-              </a:rPr>
-              <a:t>  weight group</a:t>
-            </a:r>
-          </a:p>
-          <a:p>
-            <a:r>
-              <a:rPr lang="en-US" sz="1600" dirty="0">
-                <a:latin typeface="Courier New" panose="02070309020205020404" pitchFamily="49" charset="0"/>
-                <a:cs typeface="Courier New" panose="02070309020205020404" pitchFamily="49" charset="0"/>
-              </a:rPr>
-              <a:t>1   4.17  ctrl</a:t>
-            </a:r>
-          </a:p>
-          <a:p>
-            <a:r>
-              <a:rPr lang="en-US" sz="1600" dirty="0">
-                <a:latin typeface="Courier New" panose="02070309020205020404" pitchFamily="49" charset="0"/>
-                <a:cs typeface="Courier New" panose="02070309020205020404" pitchFamily="49" charset="0"/>
-              </a:rPr>
-              <a:t>2   5.58  ctrl</a:t>
-            </a:r>
-          </a:p>
-          <a:p>
-            <a:r>
-              <a:rPr lang="en-US" sz="1600" dirty="0">
-                <a:latin typeface="Courier New" panose="02070309020205020404" pitchFamily="49" charset="0"/>
-                <a:cs typeface="Courier New" panose="02070309020205020404" pitchFamily="49" charset="0"/>
-              </a:rPr>
-              <a:t>3   5.18  ctrl</a:t>
-            </a:r>
-          </a:p>
-          <a:p>
-            <a:r>
-              <a:rPr lang="en-US" sz="1600" dirty="0">
-                <a:latin typeface="Courier New" panose="02070309020205020404" pitchFamily="49" charset="0"/>
-                <a:cs typeface="Courier New" panose="02070309020205020404" pitchFamily="49" charset="0"/>
-              </a:rPr>
-              <a:t>4   6.11  ctrl</a:t>
-            </a:r>
-          </a:p>
-          <a:p>
-            <a:r>
-              <a:rPr lang="en-US" sz="1600" dirty="0">
-                <a:latin typeface="Courier New" panose="02070309020205020404" pitchFamily="49" charset="0"/>
-                <a:cs typeface="Courier New" panose="02070309020205020404" pitchFamily="49" charset="0"/>
-              </a:rPr>
-              <a:t>5   4.50  ctrl</a:t>
-            </a:r>
-          </a:p>
-          <a:p>
-            <a:r>
-              <a:rPr lang="en-US" sz="1600" dirty="0">
-                <a:latin typeface="Courier New" panose="02070309020205020404" pitchFamily="49" charset="0"/>
-                <a:cs typeface="Courier New" panose="02070309020205020404" pitchFamily="49" charset="0"/>
-              </a:rPr>
-              <a:t>6   4.61  ctrl</a:t>
-            </a:r>
-          </a:p>
-          <a:p>
-            <a:endParaRPr lang="en-US" sz="1600" dirty="0">
-              <a:latin typeface="Courier New" panose="02070309020205020404" pitchFamily="49" charset="0"/>
-              <a:cs typeface="Courier New" panose="02070309020205020404" pitchFamily="49" charset="0"/>
-            </a:endParaRPr>
-          </a:p>
-        </p:txBody>
-      </p:sp>
-      <p:sp>
-        <p:nvSpPr>
-          <p:cNvPr id="6" name="Rectangle 5">
-            <a:extLst>
-              <a:ext uri="{FF2B5EF4-FFF2-40B4-BE49-F238E27FC236}">
-                <a16:creationId xmlns:a16="http://schemas.microsoft.com/office/drawing/2014/main" id="{ABCBB4DA-6197-4451-B9E6-E2418B513810}"/>
-              </a:ext>
-            </a:extLst>
-          </p:cNvPr>
-          <p:cNvSpPr/>
-          <p:nvPr/>
-        </p:nvSpPr>
-        <p:spPr>
-          <a:xfrm>
-            <a:off x="4578096" y="3111975"/>
-            <a:ext cx="4175760" cy="2123658"/>
-          </a:xfrm>
-          <a:prstGeom prst="rect">
-            <a:avLst/>
-          </a:prstGeom>
-          <a:ln>
-            <a:solidFill>
-              <a:schemeClr val="tx1"/>
-            </a:solidFill>
-          </a:ln>
-        </p:spPr>
-        <p:txBody>
-          <a:bodyPr wrap="square">
-            <a:spAutoFit/>
-          </a:bodyPr>
-          <a:lstStyle/>
-          <a:p>
-            <a:r>
-              <a:rPr lang="en-US" sz="1600" dirty="0">
-                <a:latin typeface="Courier New" panose="02070309020205020404" pitchFamily="49" charset="0"/>
-                <a:cs typeface="Courier New" panose="02070309020205020404" pitchFamily="49" charset="0"/>
-              </a:rPr>
-              <a:t>&gt; summary(</a:t>
-            </a:r>
-            <a:r>
-              <a:rPr lang="en-US" sz="1600" dirty="0" err="1">
-                <a:latin typeface="Courier New" panose="02070309020205020404" pitchFamily="49" charset="0"/>
-                <a:cs typeface="Courier New" panose="02070309020205020404" pitchFamily="49" charset="0"/>
-              </a:rPr>
-              <a:t>PlantGrowth</a:t>
-            </a:r>
-            <a:r>
-              <a:rPr lang="en-US" sz="1600" dirty="0">
-                <a:latin typeface="Courier New" panose="02070309020205020404" pitchFamily="49" charset="0"/>
-                <a:cs typeface="Courier New" panose="02070309020205020404" pitchFamily="49" charset="0"/>
-              </a:rPr>
-              <a:t>)</a:t>
-            </a:r>
-          </a:p>
-          <a:p>
-            <a:r>
-              <a:rPr lang="en-US" sz="1600" dirty="0">
-                <a:latin typeface="Courier New" panose="02070309020205020404" pitchFamily="49" charset="0"/>
-                <a:cs typeface="Courier New" panose="02070309020205020404" pitchFamily="49" charset="0"/>
-              </a:rPr>
-              <a:t>     weight       group   </a:t>
-            </a:r>
-          </a:p>
-          <a:p>
-            <a:r>
-              <a:rPr lang="en-US" sz="1600" dirty="0">
-                <a:latin typeface="Courier New" panose="02070309020205020404" pitchFamily="49" charset="0"/>
-                <a:cs typeface="Courier New" panose="02070309020205020404" pitchFamily="49" charset="0"/>
-              </a:rPr>
-              <a:t> Min.   :3.590   ctrl:10  </a:t>
-            </a:r>
-          </a:p>
-          <a:p>
-            <a:r>
-              <a:rPr lang="en-US" sz="1600" dirty="0">
-                <a:latin typeface="Courier New" panose="02070309020205020404" pitchFamily="49" charset="0"/>
-                <a:cs typeface="Courier New" panose="02070309020205020404" pitchFamily="49" charset="0"/>
-              </a:rPr>
-              <a:t> 1st Qu.:4.550   trt1:10  </a:t>
-            </a:r>
-          </a:p>
-          <a:p>
-            <a:r>
-              <a:rPr lang="en-US" sz="1600" dirty="0">
-                <a:latin typeface="Courier New" panose="02070309020205020404" pitchFamily="49" charset="0"/>
-                <a:cs typeface="Courier New" panose="02070309020205020404" pitchFamily="49" charset="0"/>
-              </a:rPr>
-              <a:t> Median :5.155   trt2:10  </a:t>
-            </a:r>
-          </a:p>
-          <a:p>
-            <a:r>
-              <a:rPr lang="en-US" sz="1600" dirty="0">
-                <a:latin typeface="Courier New" panose="02070309020205020404" pitchFamily="49" charset="0"/>
-                <a:cs typeface="Courier New" panose="02070309020205020404" pitchFamily="49" charset="0"/>
-              </a:rPr>
-              <a:t> Mean   :5.073            </a:t>
-            </a:r>
-          </a:p>
-          <a:p>
-            <a:r>
-              <a:rPr lang="en-US" sz="1600" dirty="0">
-                <a:latin typeface="Courier New" panose="02070309020205020404" pitchFamily="49" charset="0"/>
-                <a:cs typeface="Courier New" panose="02070309020205020404" pitchFamily="49" charset="0"/>
-              </a:rPr>
-              <a:t> 3rd Qu.:5.530            </a:t>
-            </a:r>
-          </a:p>
-          <a:p>
-            <a:r>
-              <a:rPr lang="en-US" sz="1600" dirty="0">
-                <a:latin typeface="Courier New" panose="02070309020205020404" pitchFamily="49" charset="0"/>
-                <a:cs typeface="Courier New" panose="02070309020205020404" pitchFamily="49" charset="0"/>
-              </a:rPr>
-              <a:t> Max.   :6.310 </a:t>
-            </a:r>
-          </a:p>
-        </p:txBody>
-      </p:sp>
     </p:spTree>
     <p:extLst>
       <p:ext uri="{BB962C8B-B14F-4D97-AF65-F5344CB8AC3E}">
-        <p14:creationId xmlns:p14="http://schemas.microsoft.com/office/powerpoint/2010/main" val="1815445522"/>
+        <p14:creationId xmlns:p14="http://schemas.microsoft.com/office/powerpoint/2010/main" val="3486394737"/>
       </p:ext>
     </p:extLst>
   </p:cSld>
@@ -13015,7 +13808,7 @@
               <a:rPr lang="en-US" sz="2800" dirty="0">
                 <a:cs typeface="Courier New" panose="02070309020205020404" pitchFamily="49" charset="0"/>
               </a:rPr>
-              <a:t>Plot the data; what do you think?</a:t>
+              <a:t>Summarize the data</a:t>
             </a:r>
           </a:p>
         </p:txBody>
@@ -13044,6 +13837,446 @@
             <a:fld id="{3A6A1FD8-DC5E-4118-B28D-026D064165E4}" type="slidenum">
               <a:rPr lang="en-US" smtClean="0"/>
               <a:t>44</a:t>
+            </a:fld>
+            <a:endParaRPr lang="en-US"/>
+          </a:p>
+        </p:txBody>
+      </p:sp>
+      <p:sp>
+        <p:nvSpPr>
+          <p:cNvPr id="5" name="Rectangle 4">
+            <a:extLst>
+              <a:ext uri="{FF2B5EF4-FFF2-40B4-BE49-F238E27FC236}">
+                <a16:creationId xmlns:a16="http://schemas.microsoft.com/office/drawing/2014/main" id="{B6BF46B8-1C56-4BA5-AB67-7D1C0729E888}"/>
+              </a:ext>
+            </a:extLst>
+          </p:cNvPr>
+          <p:cNvSpPr/>
+          <p:nvPr/>
+        </p:nvSpPr>
+        <p:spPr>
+          <a:xfrm>
+            <a:off x="1056640" y="1826542"/>
+            <a:ext cx="8617712" cy="3539430"/>
+          </a:xfrm>
+          <a:prstGeom prst="rect">
+            <a:avLst/>
+          </a:prstGeom>
+          <a:ln>
+            <a:solidFill>
+              <a:schemeClr val="tx1"/>
+            </a:solidFill>
+          </a:ln>
+        </p:spPr>
+        <p:txBody>
+          <a:bodyPr wrap="square">
+            <a:spAutoFit/>
+          </a:bodyPr>
+          <a:lstStyle/>
+          <a:p>
+            <a:r>
+              <a:rPr lang="en-US" sz="1600" dirty="0">
+                <a:latin typeface="Courier New" panose="02070309020205020404" pitchFamily="49" charset="0"/>
+                <a:cs typeface="Courier New" panose="02070309020205020404" pitchFamily="49" charset="0"/>
+              </a:rPr>
+              <a:t>&gt; str(</a:t>
+            </a:r>
+            <a:r>
+              <a:rPr lang="en-US" sz="1600" dirty="0" err="1">
+                <a:latin typeface="Courier New" panose="02070309020205020404" pitchFamily="49" charset="0"/>
+                <a:cs typeface="Courier New" panose="02070309020205020404" pitchFamily="49" charset="0"/>
+              </a:rPr>
+              <a:t>PlantGrowth</a:t>
+            </a:r>
+            <a:r>
+              <a:rPr lang="en-US" sz="1600" dirty="0">
+                <a:latin typeface="Courier New" panose="02070309020205020404" pitchFamily="49" charset="0"/>
+                <a:cs typeface="Courier New" panose="02070309020205020404" pitchFamily="49" charset="0"/>
+              </a:rPr>
+              <a:t>)</a:t>
+            </a:r>
+          </a:p>
+          <a:p>
+            <a:r>
+              <a:rPr lang="en-US" sz="1600" dirty="0">
+                <a:latin typeface="Courier New" panose="02070309020205020404" pitchFamily="49" charset="0"/>
+                <a:cs typeface="Courier New" panose="02070309020205020404" pitchFamily="49" charset="0"/>
+              </a:rPr>
+              <a:t>'</a:t>
+            </a:r>
+            <a:r>
+              <a:rPr lang="en-US" sz="1600" dirty="0" err="1">
+                <a:latin typeface="Courier New" panose="02070309020205020404" pitchFamily="49" charset="0"/>
+                <a:cs typeface="Courier New" panose="02070309020205020404" pitchFamily="49" charset="0"/>
+              </a:rPr>
+              <a:t>data.frame</a:t>
+            </a:r>
+            <a:r>
+              <a:rPr lang="en-US" sz="1600" dirty="0">
+                <a:latin typeface="Courier New" panose="02070309020205020404" pitchFamily="49" charset="0"/>
+                <a:cs typeface="Courier New" panose="02070309020205020404" pitchFamily="49" charset="0"/>
+              </a:rPr>
+              <a:t>':	30 obs. of  2 variables:</a:t>
+            </a:r>
+          </a:p>
+          <a:p>
+            <a:r>
+              <a:rPr lang="en-US" sz="1600" dirty="0">
+                <a:latin typeface="Courier New" panose="02070309020205020404" pitchFamily="49" charset="0"/>
+                <a:cs typeface="Courier New" panose="02070309020205020404" pitchFamily="49" charset="0"/>
+              </a:rPr>
+              <a:t> $ weight: num  4.17 5.58 5.18 6.11 4.5 4.61 5.17 4.53 5.33 5.14 ...</a:t>
+            </a:r>
+          </a:p>
+          <a:p>
+            <a:r>
+              <a:rPr lang="en-US" sz="1600" dirty="0">
+                <a:latin typeface="Courier New" panose="02070309020205020404" pitchFamily="49" charset="0"/>
+                <a:cs typeface="Courier New" panose="02070309020205020404" pitchFamily="49" charset="0"/>
+              </a:rPr>
+              <a:t> $ group : Factor w/ 3 levels "ctrl","trt1",..: 1 1 1 1 1 1 1 1 1 1 ...</a:t>
+            </a:r>
+          </a:p>
+          <a:p>
+            <a:r>
+              <a:rPr lang="en-US" sz="1600" dirty="0">
+                <a:latin typeface="Courier New" panose="02070309020205020404" pitchFamily="49" charset="0"/>
+                <a:cs typeface="Courier New" panose="02070309020205020404" pitchFamily="49" charset="0"/>
+              </a:rPr>
+              <a:t>&gt; head(</a:t>
+            </a:r>
+            <a:r>
+              <a:rPr lang="en-US" sz="1600" dirty="0" err="1">
+                <a:latin typeface="Courier New" panose="02070309020205020404" pitchFamily="49" charset="0"/>
+                <a:cs typeface="Courier New" panose="02070309020205020404" pitchFamily="49" charset="0"/>
+              </a:rPr>
+              <a:t>PlantGrowth</a:t>
+            </a:r>
+            <a:r>
+              <a:rPr lang="en-US" sz="1600" dirty="0">
+                <a:latin typeface="Courier New" panose="02070309020205020404" pitchFamily="49" charset="0"/>
+                <a:cs typeface="Courier New" panose="02070309020205020404" pitchFamily="49" charset="0"/>
+              </a:rPr>
+              <a:t>)</a:t>
+            </a:r>
+          </a:p>
+          <a:p>
+            <a:r>
+              <a:rPr lang="en-US" sz="1600" dirty="0">
+                <a:latin typeface="Courier New" panose="02070309020205020404" pitchFamily="49" charset="0"/>
+                <a:cs typeface="Courier New" panose="02070309020205020404" pitchFamily="49" charset="0"/>
+              </a:rPr>
+              <a:t>  weight group</a:t>
+            </a:r>
+          </a:p>
+          <a:p>
+            <a:r>
+              <a:rPr lang="en-US" sz="1600" dirty="0">
+                <a:latin typeface="Courier New" panose="02070309020205020404" pitchFamily="49" charset="0"/>
+                <a:cs typeface="Courier New" panose="02070309020205020404" pitchFamily="49" charset="0"/>
+              </a:rPr>
+              <a:t>1   4.17  ctrl</a:t>
+            </a:r>
+          </a:p>
+          <a:p>
+            <a:r>
+              <a:rPr lang="en-US" sz="1600" dirty="0">
+                <a:latin typeface="Courier New" panose="02070309020205020404" pitchFamily="49" charset="0"/>
+                <a:cs typeface="Courier New" panose="02070309020205020404" pitchFamily="49" charset="0"/>
+              </a:rPr>
+              <a:t>2   5.58  ctrl</a:t>
+            </a:r>
+          </a:p>
+          <a:p>
+            <a:r>
+              <a:rPr lang="en-US" sz="1600" dirty="0">
+                <a:latin typeface="Courier New" panose="02070309020205020404" pitchFamily="49" charset="0"/>
+                <a:cs typeface="Courier New" panose="02070309020205020404" pitchFamily="49" charset="0"/>
+              </a:rPr>
+              <a:t>3   5.18  ctrl</a:t>
+            </a:r>
+          </a:p>
+          <a:p>
+            <a:r>
+              <a:rPr lang="en-US" sz="1600" dirty="0">
+                <a:latin typeface="Courier New" panose="02070309020205020404" pitchFamily="49" charset="0"/>
+                <a:cs typeface="Courier New" panose="02070309020205020404" pitchFamily="49" charset="0"/>
+              </a:rPr>
+              <a:t>4   6.11  ctrl</a:t>
+            </a:r>
+          </a:p>
+          <a:p>
+            <a:r>
+              <a:rPr lang="en-US" sz="1600" dirty="0">
+                <a:latin typeface="Courier New" panose="02070309020205020404" pitchFamily="49" charset="0"/>
+                <a:cs typeface="Courier New" panose="02070309020205020404" pitchFamily="49" charset="0"/>
+              </a:rPr>
+              <a:t>5   4.50  ctrl</a:t>
+            </a:r>
+          </a:p>
+          <a:p>
+            <a:r>
+              <a:rPr lang="en-US" sz="1600" dirty="0">
+                <a:latin typeface="Courier New" panose="02070309020205020404" pitchFamily="49" charset="0"/>
+                <a:cs typeface="Courier New" panose="02070309020205020404" pitchFamily="49" charset="0"/>
+              </a:rPr>
+              <a:t>6   4.61  ctrl</a:t>
+            </a:r>
+          </a:p>
+          <a:p>
+            <a:endParaRPr lang="en-US" sz="1600" dirty="0">
+              <a:latin typeface="Courier New" panose="02070309020205020404" pitchFamily="49" charset="0"/>
+              <a:cs typeface="Courier New" panose="02070309020205020404" pitchFamily="49" charset="0"/>
+            </a:endParaRPr>
+          </a:p>
+        </p:txBody>
+      </p:sp>
+      <p:sp>
+        <p:nvSpPr>
+          <p:cNvPr id="6" name="Rectangle 5">
+            <a:extLst>
+              <a:ext uri="{FF2B5EF4-FFF2-40B4-BE49-F238E27FC236}">
+                <a16:creationId xmlns:a16="http://schemas.microsoft.com/office/drawing/2014/main" id="{ABCBB4DA-6197-4451-B9E6-E2418B513810}"/>
+              </a:ext>
+            </a:extLst>
+          </p:cNvPr>
+          <p:cNvSpPr/>
+          <p:nvPr/>
+        </p:nvSpPr>
+        <p:spPr>
+          <a:xfrm>
+            <a:off x="4578096" y="3111975"/>
+            <a:ext cx="4175760" cy="2123658"/>
+          </a:xfrm>
+          <a:prstGeom prst="rect">
+            <a:avLst/>
+          </a:prstGeom>
+          <a:ln>
+            <a:solidFill>
+              <a:schemeClr val="tx1"/>
+            </a:solidFill>
+          </a:ln>
+        </p:spPr>
+        <p:txBody>
+          <a:bodyPr wrap="square">
+            <a:spAutoFit/>
+          </a:bodyPr>
+          <a:lstStyle/>
+          <a:p>
+            <a:r>
+              <a:rPr lang="en-US" sz="1600" dirty="0">
+                <a:latin typeface="Courier New" panose="02070309020205020404" pitchFamily="49" charset="0"/>
+                <a:cs typeface="Courier New" panose="02070309020205020404" pitchFamily="49" charset="0"/>
+              </a:rPr>
+              <a:t>&gt; summary(</a:t>
+            </a:r>
+            <a:r>
+              <a:rPr lang="en-US" sz="1600" dirty="0" err="1">
+                <a:latin typeface="Courier New" panose="02070309020205020404" pitchFamily="49" charset="0"/>
+                <a:cs typeface="Courier New" panose="02070309020205020404" pitchFamily="49" charset="0"/>
+              </a:rPr>
+              <a:t>PlantGrowth</a:t>
+            </a:r>
+            <a:r>
+              <a:rPr lang="en-US" sz="1600" dirty="0">
+                <a:latin typeface="Courier New" panose="02070309020205020404" pitchFamily="49" charset="0"/>
+                <a:cs typeface="Courier New" panose="02070309020205020404" pitchFamily="49" charset="0"/>
+              </a:rPr>
+              <a:t>)</a:t>
+            </a:r>
+          </a:p>
+          <a:p>
+            <a:r>
+              <a:rPr lang="en-US" sz="1600" dirty="0">
+                <a:latin typeface="Courier New" panose="02070309020205020404" pitchFamily="49" charset="0"/>
+                <a:cs typeface="Courier New" panose="02070309020205020404" pitchFamily="49" charset="0"/>
+              </a:rPr>
+              <a:t>     weight       group   </a:t>
+            </a:r>
+          </a:p>
+          <a:p>
+            <a:r>
+              <a:rPr lang="en-US" sz="1600" dirty="0">
+                <a:latin typeface="Courier New" panose="02070309020205020404" pitchFamily="49" charset="0"/>
+                <a:cs typeface="Courier New" panose="02070309020205020404" pitchFamily="49" charset="0"/>
+              </a:rPr>
+              <a:t> Min.   :3.590   ctrl:10  </a:t>
+            </a:r>
+          </a:p>
+          <a:p>
+            <a:r>
+              <a:rPr lang="en-US" sz="1600" dirty="0">
+                <a:latin typeface="Courier New" panose="02070309020205020404" pitchFamily="49" charset="0"/>
+                <a:cs typeface="Courier New" panose="02070309020205020404" pitchFamily="49" charset="0"/>
+              </a:rPr>
+              <a:t> 1st Qu.:4.550   trt1:10  </a:t>
+            </a:r>
+          </a:p>
+          <a:p>
+            <a:r>
+              <a:rPr lang="en-US" sz="1600" dirty="0">
+                <a:latin typeface="Courier New" panose="02070309020205020404" pitchFamily="49" charset="0"/>
+                <a:cs typeface="Courier New" panose="02070309020205020404" pitchFamily="49" charset="0"/>
+              </a:rPr>
+              <a:t> Median :5.155   trt2:10  </a:t>
+            </a:r>
+          </a:p>
+          <a:p>
+            <a:r>
+              <a:rPr lang="en-US" sz="1600" dirty="0">
+                <a:latin typeface="Courier New" panose="02070309020205020404" pitchFamily="49" charset="0"/>
+                <a:cs typeface="Courier New" panose="02070309020205020404" pitchFamily="49" charset="0"/>
+              </a:rPr>
+              <a:t> Mean   :5.073            </a:t>
+            </a:r>
+          </a:p>
+          <a:p>
+            <a:r>
+              <a:rPr lang="en-US" sz="1600" dirty="0">
+                <a:latin typeface="Courier New" panose="02070309020205020404" pitchFamily="49" charset="0"/>
+                <a:cs typeface="Courier New" panose="02070309020205020404" pitchFamily="49" charset="0"/>
+              </a:rPr>
+              <a:t> 3rd Qu.:5.530            </a:t>
+            </a:r>
+          </a:p>
+          <a:p>
+            <a:r>
+              <a:rPr lang="en-US" sz="1600" dirty="0">
+                <a:latin typeface="Courier New" panose="02070309020205020404" pitchFamily="49" charset="0"/>
+                <a:cs typeface="Courier New" panose="02070309020205020404" pitchFamily="49" charset="0"/>
+              </a:rPr>
+              <a:t> Max.   :6.310 </a:t>
+            </a:r>
+          </a:p>
+        </p:txBody>
+      </p:sp>
+    </p:spTree>
+    <p:extLst>
+      <p:ext uri="{BB962C8B-B14F-4D97-AF65-F5344CB8AC3E}">
+        <p14:creationId xmlns:p14="http://schemas.microsoft.com/office/powerpoint/2010/main" val="1815445522"/>
+      </p:ext>
+    </p:extLst>
+  </p:cSld>
+  <p:clrMapOvr>
+    <a:masterClrMapping/>
+  </p:clrMapOvr>
+</p:sld>
+</file>
+
+<file path=ppt/slides/slide45.xml><?xml version="1.0" encoding="utf-8"?>
+<p:sld xmlns:a="http://schemas.openxmlformats.org/drawingml/2006/main" xmlns:r="http://schemas.openxmlformats.org/officeDocument/2006/relationships" xmlns:p="http://schemas.openxmlformats.org/presentationml/2006/main">
+  <p:cSld>
+    <p:spTree>
+      <p:nvGrpSpPr>
+        <p:cNvPr id="1" name=""/>
+        <p:cNvGrpSpPr/>
+        <p:nvPr/>
+      </p:nvGrpSpPr>
+      <p:grpSpPr>
+        <a:xfrm>
+          <a:off x="0" y="0"/>
+          <a:ext cx="0" cy="0"/>
+          <a:chOff x="0" y="0"/>
+          <a:chExt cx="0" cy="0"/>
+        </a:xfrm>
+      </p:grpSpPr>
+      <p:sp>
+        <p:nvSpPr>
+          <p:cNvPr id="2" name="Title 1">
+            <a:extLst>
+              <a:ext uri="{FF2B5EF4-FFF2-40B4-BE49-F238E27FC236}">
+                <a16:creationId xmlns:a16="http://schemas.microsoft.com/office/drawing/2014/main" id="{2D5BF995-073B-40D2-904B-F98DC989A8AB}"/>
+              </a:ext>
+            </a:extLst>
+          </p:cNvPr>
+          <p:cNvSpPr>
+            <a:spLocks noGrp="1"/>
+          </p:cNvSpPr>
+          <p:nvPr>
+            <p:ph type="title"/>
+          </p:nvPr>
+        </p:nvSpPr>
+        <p:spPr>
+          <a:xfrm>
+            <a:off x="609600" y="182275"/>
+            <a:ext cx="10160000" cy="769071"/>
+          </a:xfrm>
+        </p:spPr>
+        <p:txBody>
+          <a:bodyPr/>
+          <a:lstStyle/>
+          <a:p>
+            <a:pPr marR="0" rtl="0"/>
+            <a:r>
+              <a:rPr lang="en-US" b="0" i="0" u="none" strike="noStrike" baseline="0" dirty="0">
+                <a:latin typeface="Cambria" panose="02040503050406030204" pitchFamily="18" charset="0"/>
+              </a:rPr>
+              <a:t>One-Way ANOVA</a:t>
+            </a:r>
+          </a:p>
+        </p:txBody>
+      </p:sp>
+      <p:sp>
+        <p:nvSpPr>
+          <p:cNvPr id="3" name="Text Placeholder 2">
+            <a:extLst>
+              <a:ext uri="{FF2B5EF4-FFF2-40B4-BE49-F238E27FC236}">
+                <a16:creationId xmlns:a16="http://schemas.microsoft.com/office/drawing/2014/main" id="{207CECFC-38D8-4A46-99D4-49F2806342FD}"/>
+              </a:ext>
+            </a:extLst>
+          </p:cNvPr>
+          <p:cNvSpPr>
+            <a:spLocks noGrp="1"/>
+          </p:cNvSpPr>
+          <p:nvPr>
+            <p:ph type="body" idx="1"/>
+          </p:nvPr>
+        </p:nvSpPr>
+        <p:spPr>
+          <a:xfrm>
+            <a:off x="609600" y="1162547"/>
+            <a:ext cx="10160000" cy="5238254"/>
+          </a:xfrm>
+        </p:spPr>
+        <p:txBody>
+          <a:bodyPr>
+            <a:normAutofit/>
+          </a:bodyPr>
+          <a:lstStyle/>
+          <a:p>
+            <a:r>
+              <a:rPr lang="en-US" sz="2800" dirty="0">
+                <a:cs typeface="Courier New" panose="02070309020205020404" pitchFamily="49" charset="0"/>
+              </a:rPr>
+              <a:t>Plot the data; what do you think?</a:t>
+            </a:r>
+          </a:p>
+        </p:txBody>
+      </p:sp>
+      <p:sp>
+        <p:nvSpPr>
+          <p:cNvPr id="4" name="Slide Number Placeholder 3">
+            <a:extLst>
+              <a:ext uri="{FF2B5EF4-FFF2-40B4-BE49-F238E27FC236}">
+                <a16:creationId xmlns:a16="http://schemas.microsoft.com/office/drawing/2014/main" id="{662B5483-44DA-4E12-AC39-65B0A5DBD46D}"/>
+              </a:ext>
+            </a:extLst>
+          </p:cNvPr>
+          <p:cNvSpPr>
+            <a:spLocks noGrp="1"/>
+          </p:cNvSpPr>
+          <p:nvPr>
+            <p:ph type="sldNum" sz="quarter" idx="12"/>
+          </p:nvPr>
+        </p:nvSpPr>
+        <p:spPr/>
+        <p:txBody>
+          <a:bodyPr/>
+          <a:lstStyle/>
+          <a:p>
+            <a:fld id="{3A6A1FD8-DC5E-4118-B28D-026D064165E4}" type="slidenum">
+              <a:rPr lang="en-US" smtClean="0"/>
+              <a:t>45</a:t>
             </a:fld>
             <a:endParaRPr lang="en-US"/>
           </a:p>
@@ -13243,7 +14476,7 @@
 </p:sld>
 </file>
 
-<file path=ppt/slides/slide45.xml><?xml version="1.0" encoding="utf-8"?>
+<file path=ppt/slides/slide46.xml><?xml version="1.0" encoding="utf-8"?>
 <p:sld xmlns:a="http://schemas.openxmlformats.org/drawingml/2006/main" xmlns:r="http://schemas.openxmlformats.org/officeDocument/2006/relationships" xmlns:p="http://schemas.openxmlformats.org/presentationml/2006/main">
   <p:cSld>
     <p:spTree>
@@ -13435,7 +14668,7 @@
           <a:p>
             <a:fld id="{3A6A1FD8-DC5E-4118-B28D-026D064165E4}" type="slidenum">
               <a:rPr lang="en-US" smtClean="0"/>
-              <a:t>45</a:t>
+              <a:t>46</a:t>
             </a:fld>
             <a:endParaRPr lang="en-US"/>
           </a:p>
@@ -13605,261 +14838,6 @@
 </p:sld>
 </file>
 
-<file path=ppt/slides/slide46.xml><?xml version="1.0" encoding="utf-8"?>
-<p:sld xmlns:a="http://schemas.openxmlformats.org/drawingml/2006/main" xmlns:r="http://schemas.openxmlformats.org/officeDocument/2006/relationships" xmlns:p="http://schemas.openxmlformats.org/presentationml/2006/main">
-  <p:cSld>
-    <p:spTree>
-      <p:nvGrpSpPr>
-        <p:cNvPr id="1" name=""/>
-        <p:cNvGrpSpPr/>
-        <p:nvPr/>
-      </p:nvGrpSpPr>
-      <p:grpSpPr>
-        <a:xfrm>
-          <a:off x="0" y="0"/>
-          <a:ext cx="0" cy="0"/>
-          <a:chOff x="0" y="0"/>
-          <a:chExt cx="0" cy="0"/>
-        </a:xfrm>
-      </p:grpSpPr>
-      <p:sp>
-        <p:nvSpPr>
-          <p:cNvPr id="2" name="Title 1">
-            <a:extLst>
-              <a:ext uri="{FF2B5EF4-FFF2-40B4-BE49-F238E27FC236}">
-                <a16:creationId xmlns:a16="http://schemas.microsoft.com/office/drawing/2014/main" id="{B5820159-6713-4132-9D84-543FE1522DDC}"/>
-              </a:ext>
-            </a:extLst>
-          </p:cNvPr>
-          <p:cNvSpPr>
-            <a:spLocks noGrp="1"/>
-          </p:cNvSpPr>
-          <p:nvPr>
-            <p:ph type="title"/>
-          </p:nvPr>
-        </p:nvSpPr>
-        <p:spPr>
-          <a:xfrm>
-            <a:off x="609600" y="109887"/>
-            <a:ext cx="10160000" cy="694626"/>
-          </a:xfrm>
-        </p:spPr>
-        <p:txBody>
-          <a:bodyPr/>
-          <a:lstStyle/>
-          <a:p>
-            <a:r>
-              <a:rPr lang="en-US" dirty="0"/>
-              <a:t>Formula Notation</a:t>
-            </a:r>
-          </a:p>
-        </p:txBody>
-      </p:sp>
-      <p:sp>
-        <p:nvSpPr>
-          <p:cNvPr id="3" name="Text Placeholder 2">
-            <a:extLst>
-              <a:ext uri="{FF2B5EF4-FFF2-40B4-BE49-F238E27FC236}">
-                <a16:creationId xmlns:a16="http://schemas.microsoft.com/office/drawing/2014/main" id="{CC2CF9E3-0FC0-4C9D-B905-BD83F3F52D64}"/>
-              </a:ext>
-            </a:extLst>
-          </p:cNvPr>
-          <p:cNvSpPr>
-            <a:spLocks noGrp="1"/>
-          </p:cNvSpPr>
-          <p:nvPr>
-            <p:ph type="body" idx="1"/>
-          </p:nvPr>
-        </p:nvSpPr>
-        <p:spPr>
-          <a:xfrm>
-            <a:off x="609600" y="1033272"/>
-            <a:ext cx="10160000" cy="5367528"/>
-          </a:xfrm>
-        </p:spPr>
-        <p:txBody>
-          <a:bodyPr>
-            <a:noAutofit/>
-          </a:bodyPr>
-          <a:lstStyle/>
-          <a:p>
-            <a:r>
-              <a:rPr lang="en-US" sz="2400" u="sng" dirty="0"/>
-              <a:t>Formula notation </a:t>
-            </a:r>
-            <a:r>
-              <a:rPr lang="en-US" sz="2400" dirty="0"/>
-              <a:t>in R allows complicated expressions to be specified.</a:t>
-            </a:r>
-          </a:p>
-          <a:p>
-            <a:pPr lvl="1"/>
-            <a:r>
-              <a:rPr lang="en-US" dirty="0"/>
-              <a:t>Allows values of variables to be captured ("quoted") without evaluation.</a:t>
-            </a:r>
-          </a:p>
-          <a:p>
-            <a:pPr lvl="1"/>
-            <a:r>
-              <a:rPr lang="en-US" dirty="0"/>
-              <a:t>Allows variables inside data frames to be easily accessible.</a:t>
-            </a:r>
-          </a:p>
-          <a:p>
-            <a:r>
-              <a:rPr lang="en-US" sz="2400" dirty="0"/>
-              <a:t>Basic syntax allows flexibility:</a:t>
-            </a:r>
-          </a:p>
-          <a:p>
-            <a:pPr marL="914400" indent="0">
-              <a:buNone/>
-            </a:pPr>
-            <a:br>
-              <a:rPr lang="en-US" sz="1200" dirty="0"/>
-            </a:br>
-            <a:r>
-              <a:rPr lang="en-US" sz="2400" dirty="0">
-                <a:latin typeface="Courier New"/>
-                <a:cs typeface="Courier New"/>
-              </a:rPr>
-              <a:t>y ~ x1 + x2 + ..., data = data</a:t>
-            </a:r>
-          </a:p>
-          <a:p>
-            <a:pPr marL="114300" indent="0">
-              <a:buNone/>
-            </a:pPr>
-            <a:endParaRPr lang="en-US" sz="1200" dirty="0">
-              <a:latin typeface="Courier New"/>
-              <a:cs typeface="Courier New"/>
-            </a:endParaRPr>
-          </a:p>
-          <a:p>
-            <a:pPr lvl="1"/>
-            <a:r>
-              <a:rPr lang="en-US" dirty="0">
-                <a:latin typeface="Courier New"/>
-                <a:cs typeface="Courier New"/>
-              </a:rPr>
-              <a:t>y</a:t>
-            </a:r>
-            <a:r>
-              <a:rPr lang="en-US" dirty="0"/>
-              <a:t> = response variable</a:t>
-            </a:r>
-          </a:p>
-          <a:p>
-            <a:pPr lvl="1"/>
-            <a:r>
-              <a:rPr lang="en-US" dirty="0">
-                <a:latin typeface="Courier New"/>
-                <a:cs typeface="Courier New"/>
-              </a:rPr>
-              <a:t>x1</a:t>
-            </a:r>
-            <a:r>
-              <a:rPr lang="en-US" dirty="0"/>
-              <a:t>... = predictor variables</a:t>
-            </a:r>
-          </a:p>
-          <a:p>
-            <a:pPr lvl="1"/>
-            <a:r>
-              <a:rPr lang="en-US" dirty="0">
-                <a:latin typeface="Courier New"/>
-                <a:cs typeface="Courier New"/>
-              </a:rPr>
-              <a:t>data</a:t>
-            </a:r>
-            <a:r>
-              <a:rPr lang="en-US" dirty="0"/>
-              <a:t> = the data object that holds the variables</a:t>
-            </a:r>
-          </a:p>
-          <a:p>
-            <a:endParaRPr lang="en-US" sz="1200" dirty="0"/>
-          </a:p>
-          <a:p>
-            <a:r>
-              <a:rPr lang="en-US" sz="2400" dirty="0"/>
-              <a:t> the names for y and </a:t>
-            </a:r>
-            <a:r>
-              <a:rPr lang="en-US" sz="2400" dirty="0" err="1"/>
-              <a:t>xN</a:t>
-            </a:r>
-            <a:r>
-              <a:rPr lang="en-US" sz="2400" dirty="0"/>
-              <a:t> variables change depending on the context.</a:t>
-            </a:r>
-          </a:p>
-          <a:p>
-            <a:pPr lvl="1"/>
-            <a:r>
-              <a:rPr lang="en-US" dirty="0"/>
-              <a:t>y = response = dependent = controlled = feature</a:t>
-            </a:r>
-          </a:p>
-          <a:p>
-            <a:pPr lvl="1"/>
-            <a:r>
-              <a:rPr lang="en-US" dirty="0" err="1"/>
-              <a:t>xN</a:t>
-            </a:r>
-            <a:r>
-              <a:rPr lang="en-US" dirty="0"/>
-              <a:t> = predictor = independent = outcome = label</a:t>
-            </a:r>
-          </a:p>
-          <a:p>
-            <a:endParaRPr lang="en-US" sz="1800" dirty="0"/>
-          </a:p>
-        </p:txBody>
-      </p:sp>
-      <p:sp>
-        <p:nvSpPr>
-          <p:cNvPr id="4" name="Slide Number Placeholder 3">
-            <a:extLst>
-              <a:ext uri="{FF2B5EF4-FFF2-40B4-BE49-F238E27FC236}">
-                <a16:creationId xmlns:a16="http://schemas.microsoft.com/office/drawing/2014/main" id="{B458FB91-243D-4CDD-97D8-B963485CCF8E}"/>
-              </a:ext>
-            </a:extLst>
-          </p:cNvPr>
-          <p:cNvSpPr>
-            <a:spLocks noGrp="1"/>
-          </p:cNvSpPr>
-          <p:nvPr>
-            <p:ph type="sldNum" sz="quarter" idx="12"/>
-          </p:nvPr>
-        </p:nvSpPr>
-        <p:spPr/>
-        <p:txBody>
-          <a:bodyPr/>
-          <a:lstStyle/>
-          <a:p>
-            <a:fld id="{3A6A1FD8-DC5E-4118-B28D-026D064165E4}" type="slidenum">
-              <a:rPr lang="en-US" smtClean="0"/>
-              <a:t>46</a:t>
-            </a:fld>
-            <a:endParaRPr lang="en-US"/>
-          </a:p>
-        </p:txBody>
-      </p:sp>
-    </p:spTree>
-    <p:extLst>
-      <p:ext uri="{BB962C8B-B14F-4D97-AF65-F5344CB8AC3E}">
-        <p14:creationId xmlns:p14="http://schemas.microsoft.com/office/powerpoint/2010/main" val="1161706880"/>
-      </p:ext>
-    </p:extLst>
-  </p:cSld>
-  <p:clrMapOvr>
-    <a:masterClrMapping/>
-  </p:clrMapOvr>
-</p:sld>
-</file>
-
 <file path=ppt/slides/slide47.xml><?xml version="1.0" encoding="utf-8"?>
 <p:sld xmlns:a="http://schemas.openxmlformats.org/drawingml/2006/main" xmlns:r="http://schemas.openxmlformats.org/officeDocument/2006/relationships" xmlns:p="http://schemas.openxmlformats.org/presentationml/2006/main">
   <p:cSld>
@@ -13882,7 +14860,7 @@
           <p:cNvPr id="2" name="Title 1">
             <a:extLst>
               <a:ext uri="{FF2B5EF4-FFF2-40B4-BE49-F238E27FC236}">
-                <a16:creationId xmlns:a16="http://schemas.microsoft.com/office/drawing/2014/main" id="{450E1553-68B5-48C5-8C30-3E4E99698A10}"/>
+                <a16:creationId xmlns:a16="http://schemas.microsoft.com/office/drawing/2014/main" id="{B5820159-6713-4132-9D84-543FE1522DDC}"/>
               </a:ext>
             </a:extLst>
           </p:cNvPr>
@@ -13895,8 +14873,8 @@
         </p:nvSpPr>
         <p:spPr>
           <a:xfrm>
-            <a:off x="609600" y="274638"/>
-            <a:ext cx="10160000" cy="932370"/>
+            <a:off x="609600" y="109887"/>
+            <a:ext cx="10160000" cy="694626"/>
           </a:xfrm>
         </p:spPr>
         <p:txBody>
@@ -13905,7 +14883,7 @@
           <a:p>
             <a:r>
               <a:rPr lang="en-US" dirty="0"/>
-              <a:t>Formulas Are Objects in R</a:t>
+              <a:t>Formula Notation</a:t>
             </a:r>
           </a:p>
         </p:txBody>
@@ -13915,7 +14893,7 @@
           <p:cNvPr id="3" name="Text Placeholder 2">
             <a:extLst>
               <a:ext uri="{FF2B5EF4-FFF2-40B4-BE49-F238E27FC236}">
-                <a16:creationId xmlns:a16="http://schemas.microsoft.com/office/drawing/2014/main" id="{2FB6B740-66CE-4A27-B7E7-3B9394EC9F86}"/>
+                <a16:creationId xmlns:a16="http://schemas.microsoft.com/office/drawing/2014/main" id="{CC2CF9E3-0FC0-4C9D-B905-BD83F3F52D64}"/>
               </a:ext>
             </a:extLst>
           </p:cNvPr>
@@ -13928,8 +14906,8 @@
         </p:nvSpPr>
         <p:spPr>
           <a:xfrm>
-            <a:off x="609600" y="1417638"/>
-            <a:ext cx="10160000" cy="5248338"/>
+            <a:off x="609600" y="1033272"/>
+            <a:ext cx="10160000" cy="5367528"/>
           </a:xfrm>
         </p:spPr>
         <p:txBody>
@@ -13938,203 +14916,138 @@
           </a:bodyPr>
           <a:lstStyle/>
           <a:p>
+            <a:r>
+              <a:rPr lang="en-US" sz="2400" u="sng" dirty="0"/>
+              <a:t>Formula notation </a:t>
+            </a:r>
+            <a:r>
+              <a:rPr lang="en-US" sz="2400" dirty="0"/>
+              <a:t>in R allows complicated expressions to be specified.</a:t>
+            </a:r>
+          </a:p>
+          <a:p>
+            <a:pPr lvl="1"/>
+            <a:r>
+              <a:rPr lang="en-US" dirty="0"/>
+              <a:t>Allows values of variables to be captured ("quoted") without evaluation.</a:t>
+            </a:r>
+          </a:p>
+          <a:p>
+            <a:pPr lvl="1"/>
+            <a:r>
+              <a:rPr lang="en-US" dirty="0"/>
+              <a:t>Allows variables inside data frames to be easily accessible.</a:t>
+            </a:r>
+          </a:p>
+          <a:p>
+            <a:r>
+              <a:rPr lang="en-US" sz="2400" dirty="0"/>
+              <a:t>Basic syntax allows flexibility:</a:t>
+            </a:r>
+          </a:p>
+          <a:p>
+            <a:pPr marL="914400" indent="0">
+              <a:buNone/>
+            </a:pPr>
+            <a:br>
+              <a:rPr lang="en-US" sz="1200" dirty="0"/>
+            </a:br>
+            <a:r>
+              <a:rPr lang="en-US" sz="2400" dirty="0">
+                <a:latin typeface="Courier New"/>
+                <a:cs typeface="Courier New"/>
+              </a:rPr>
+              <a:t>y ~ x1 + x2 + ..., data = data</a:t>
+            </a:r>
+          </a:p>
+          <a:p>
             <a:pPr marL="114300" indent="0">
               <a:buNone/>
             </a:pPr>
-            <a:r>
-              <a:rPr lang="en-US" sz="1800" dirty="0">
-                <a:latin typeface="Courier New" panose="02070309020205020404" pitchFamily="49" charset="0"/>
-                <a:cs typeface="Courier New" panose="02070309020205020404" pitchFamily="49" charset="0"/>
-              </a:rPr>
-              <a:t>&gt; f &lt;- y ~ x</a:t>
-            </a:r>
-          </a:p>
-          <a:p>
-            <a:pPr marL="114300" indent="0">
-              <a:buNone/>
-            </a:pPr>
-            <a:r>
-              <a:rPr lang="en-US" sz="1800" dirty="0">
-                <a:latin typeface="Courier New" panose="02070309020205020404" pitchFamily="49" charset="0"/>
-                <a:cs typeface="Courier New" panose="02070309020205020404" pitchFamily="49" charset="0"/>
-              </a:rPr>
-              <a:t>&gt; f</a:t>
-            </a:r>
-          </a:p>
-          <a:p>
-            <a:pPr marL="114300" indent="0">
-              <a:buNone/>
-            </a:pPr>
-            <a:r>
-              <a:rPr lang="en-US" sz="1800" dirty="0">
-                <a:latin typeface="Courier New" panose="02070309020205020404" pitchFamily="49" charset="0"/>
-                <a:cs typeface="Courier New" panose="02070309020205020404" pitchFamily="49" charset="0"/>
-              </a:rPr>
-              <a:t>y ~ x</a:t>
-            </a:r>
-          </a:p>
-          <a:p>
-            <a:pPr marL="114300" indent="0">
-              <a:buNone/>
-            </a:pPr>
-            <a:endParaRPr lang="en-US" sz="1800" dirty="0">
-              <a:latin typeface="Courier New" panose="02070309020205020404" pitchFamily="49" charset="0"/>
-              <a:cs typeface="Courier New" panose="02070309020205020404" pitchFamily="49" charset="0"/>
+            <a:endParaRPr lang="en-US" sz="1200" dirty="0">
+              <a:latin typeface="Courier New"/>
+              <a:cs typeface="Courier New"/>
             </a:endParaRPr>
           </a:p>
           <a:p>
-            <a:pPr marL="114300" indent="0">
-              <a:buNone/>
-            </a:pPr>
-            <a:r>
-              <a:rPr lang="en-US" sz="1800" dirty="0">
-                <a:latin typeface="Courier New" panose="02070309020205020404" pitchFamily="49" charset="0"/>
-                <a:cs typeface="Courier New" panose="02070309020205020404" pitchFamily="49" charset="0"/>
-              </a:rPr>
-              <a:t>&gt; class(f)</a:t>
-            </a:r>
-          </a:p>
-          <a:p>
-            <a:pPr marL="114300" indent="0">
-              <a:buNone/>
-            </a:pPr>
-            <a:r>
-              <a:rPr lang="en-US" sz="1800" dirty="0">
-                <a:latin typeface="Courier New" panose="02070309020205020404" pitchFamily="49" charset="0"/>
-                <a:cs typeface="Courier New" panose="02070309020205020404" pitchFamily="49" charset="0"/>
-              </a:rPr>
-              <a:t>[1] "formula"</a:t>
-            </a:r>
-          </a:p>
-          <a:p>
-            <a:pPr marL="114300" indent="0">
-              <a:buNone/>
-            </a:pPr>
-            <a:endParaRPr lang="en-US" sz="1800" dirty="0">
-              <a:latin typeface="Courier New" panose="02070309020205020404" pitchFamily="49" charset="0"/>
-              <a:cs typeface="Courier New" panose="02070309020205020404" pitchFamily="49" charset="0"/>
-            </a:endParaRPr>
-          </a:p>
-          <a:p>
-            <a:pPr marL="114300" indent="0">
-              <a:buNone/>
-            </a:pPr>
-            <a:r>
-              <a:rPr lang="en-US" sz="1800" dirty="0">
-                <a:latin typeface="Courier New" panose="02070309020205020404" pitchFamily="49" charset="0"/>
-                <a:cs typeface="Courier New" panose="02070309020205020404" pitchFamily="49" charset="0"/>
-              </a:rPr>
-              <a:t>&gt; </a:t>
-            </a:r>
-            <a:r>
-              <a:rPr lang="en-US" sz="1800" dirty="0" err="1">
-                <a:latin typeface="Courier New" panose="02070309020205020404" pitchFamily="49" charset="0"/>
-                <a:cs typeface="Courier New" panose="02070309020205020404" pitchFamily="49" charset="0"/>
-              </a:rPr>
-              <a:t>typeof</a:t>
-            </a:r>
-            <a:r>
-              <a:rPr lang="en-US" sz="1800" dirty="0">
-                <a:latin typeface="Courier New" panose="02070309020205020404" pitchFamily="49" charset="0"/>
-                <a:cs typeface="Courier New" panose="02070309020205020404" pitchFamily="49" charset="0"/>
-              </a:rPr>
-              <a:t>(f)</a:t>
-            </a:r>
-          </a:p>
-          <a:p>
-            <a:pPr marL="114300" indent="0">
-              <a:buNone/>
-            </a:pPr>
-            <a:r>
-              <a:rPr lang="en-US" sz="1800" dirty="0">
-                <a:latin typeface="Courier New" panose="02070309020205020404" pitchFamily="49" charset="0"/>
-                <a:cs typeface="Courier New" panose="02070309020205020404" pitchFamily="49" charset="0"/>
-              </a:rPr>
-              <a:t>[1] "language"</a:t>
-            </a:r>
-          </a:p>
-          <a:p>
-            <a:pPr marL="114300" indent="0">
-              <a:buNone/>
-            </a:pPr>
-            <a:endParaRPr lang="en-US" sz="1800" dirty="0">
-              <a:latin typeface="Courier New" panose="02070309020205020404" pitchFamily="49" charset="0"/>
-              <a:cs typeface="Courier New" panose="02070309020205020404" pitchFamily="49" charset="0"/>
-            </a:endParaRPr>
-          </a:p>
-          <a:p>
-            <a:pPr marL="114300" indent="0">
-              <a:buNone/>
-            </a:pPr>
-            <a:r>
-              <a:rPr lang="en-US" sz="1800" dirty="0">
-                <a:latin typeface="Courier New" panose="02070309020205020404" pitchFamily="49" charset="0"/>
-                <a:cs typeface="Courier New" panose="02070309020205020404" pitchFamily="49" charset="0"/>
-              </a:rPr>
-              <a:t>&gt; attributes(f)</a:t>
-            </a:r>
-          </a:p>
-          <a:p>
-            <a:pPr marL="114300" indent="0">
-              <a:buNone/>
-            </a:pPr>
-            <a:r>
-              <a:rPr lang="en-US" sz="1800" dirty="0">
-                <a:latin typeface="Courier New" panose="02070309020205020404" pitchFamily="49" charset="0"/>
-                <a:cs typeface="Courier New" panose="02070309020205020404" pitchFamily="49" charset="0"/>
-              </a:rPr>
-              <a:t>$`class`</a:t>
-            </a:r>
-          </a:p>
-          <a:p>
-            <a:pPr marL="114300" indent="0">
-              <a:buNone/>
-            </a:pPr>
-            <a:r>
-              <a:rPr lang="en-US" sz="1800" dirty="0">
-                <a:latin typeface="Courier New" panose="02070309020205020404" pitchFamily="49" charset="0"/>
-                <a:cs typeface="Courier New" panose="02070309020205020404" pitchFamily="49" charset="0"/>
-              </a:rPr>
-              <a:t>[1] "formula"</a:t>
-            </a:r>
-          </a:p>
-          <a:p>
-            <a:pPr marL="114300" indent="0">
-              <a:buNone/>
-            </a:pPr>
-            <a:r>
-              <a:rPr lang="en-US" sz="1800" dirty="0">
-                <a:latin typeface="Courier New" panose="02070309020205020404" pitchFamily="49" charset="0"/>
-                <a:cs typeface="Courier New" panose="02070309020205020404" pitchFamily="49" charset="0"/>
-              </a:rPr>
-              <a:t>$.Environment</a:t>
-            </a:r>
-          </a:p>
-          <a:p>
-            <a:pPr marL="114300" indent="0">
-              <a:buNone/>
-            </a:pPr>
-            <a:r>
-              <a:rPr lang="en-US" sz="1800" dirty="0">
-                <a:latin typeface="Courier New" panose="02070309020205020404" pitchFamily="49" charset="0"/>
-                <a:cs typeface="Courier New" panose="02070309020205020404" pitchFamily="49" charset="0"/>
-              </a:rPr>
-              <a:t>&lt;environment: </a:t>
-            </a:r>
-            <a:r>
-              <a:rPr lang="en-US" sz="1800" dirty="0" err="1">
-                <a:latin typeface="Courier New" panose="02070309020205020404" pitchFamily="49" charset="0"/>
-                <a:cs typeface="Courier New" panose="02070309020205020404" pitchFamily="49" charset="0"/>
-              </a:rPr>
-              <a:t>R_GlobalEnv</a:t>
-            </a:r>
-            <a:r>
-              <a:rPr lang="en-US" sz="1800" dirty="0">
-                <a:latin typeface="Courier New" panose="02070309020205020404" pitchFamily="49" charset="0"/>
-                <a:cs typeface="Courier New" panose="02070309020205020404" pitchFamily="49" charset="0"/>
-              </a:rPr>
-              <a:t>&gt;</a:t>
-            </a:r>
+            <a:pPr lvl="1"/>
+            <a:r>
+              <a:rPr lang="en-US" dirty="0">
+                <a:latin typeface="Courier New"/>
+                <a:cs typeface="Courier New"/>
+              </a:rPr>
+              <a:t>y</a:t>
+            </a:r>
+            <a:r>
+              <a:rPr lang="en-US" dirty="0"/>
+              <a:t> = response variable</a:t>
+            </a:r>
+          </a:p>
+          <a:p>
+            <a:pPr lvl="1"/>
+            <a:r>
+              <a:rPr lang="en-US" dirty="0">
+                <a:latin typeface="Courier New"/>
+                <a:cs typeface="Courier New"/>
+              </a:rPr>
+              <a:t>x1</a:t>
+            </a:r>
+            <a:r>
+              <a:rPr lang="en-US" dirty="0"/>
+              <a:t>... = predictor variables</a:t>
+            </a:r>
+          </a:p>
+          <a:p>
+            <a:pPr lvl="1"/>
+            <a:r>
+              <a:rPr lang="en-US" dirty="0">
+                <a:latin typeface="Courier New"/>
+                <a:cs typeface="Courier New"/>
+              </a:rPr>
+              <a:t>data</a:t>
+            </a:r>
+            <a:r>
+              <a:rPr lang="en-US" dirty="0"/>
+              <a:t> = the data object that holds the variables</a:t>
+            </a:r>
+          </a:p>
+          <a:p>
+            <a:endParaRPr lang="en-US" sz="1200" dirty="0"/>
+          </a:p>
+          <a:p>
+            <a:r>
+              <a:rPr lang="en-US" sz="2400" dirty="0"/>
+              <a:t> the names for y and </a:t>
+            </a:r>
+            <a:r>
+              <a:rPr lang="en-US" sz="2400" dirty="0" err="1"/>
+              <a:t>xN</a:t>
+            </a:r>
+            <a:r>
+              <a:rPr lang="en-US" sz="2400" dirty="0"/>
+              <a:t> variables change depending on the context.</a:t>
+            </a:r>
+          </a:p>
+          <a:p>
+            <a:pPr lvl="1"/>
+            <a:r>
+              <a:rPr lang="en-US" dirty="0"/>
+              <a:t>y = response = dependent = controlled = feature</a:t>
+            </a:r>
+          </a:p>
+          <a:p>
+            <a:pPr lvl="1"/>
+            <a:r>
+              <a:rPr lang="en-US" dirty="0" err="1"/>
+              <a:t>xN</a:t>
+            </a:r>
+            <a:r>
+              <a:rPr lang="en-US" dirty="0"/>
+              <a:t> = predictor = independent = outcome = label</a:t>
+            </a:r>
+          </a:p>
+          <a:p>
+            <a:endParaRPr lang="en-US" sz="1800" dirty="0"/>
           </a:p>
         </p:txBody>
       </p:sp>
@@ -14143,7 +15056,7 @@
           <p:cNvPr id="4" name="Slide Number Placeholder 3">
             <a:extLst>
               <a:ext uri="{FF2B5EF4-FFF2-40B4-BE49-F238E27FC236}">
-                <a16:creationId xmlns:a16="http://schemas.microsoft.com/office/drawing/2014/main" id="{6DDCFF5E-F2A6-4FB3-9FD9-896327BB8898}"/>
+                <a16:creationId xmlns:a16="http://schemas.microsoft.com/office/drawing/2014/main" id="{B458FB91-243D-4CDD-97D8-B963485CCF8E}"/>
               </a:ext>
             </a:extLst>
           </p:cNvPr>
@@ -14170,7 +15083,7 @@
     </p:spTree>
     <p:extLst>
       <p:ext uri="{BB962C8B-B14F-4D97-AF65-F5344CB8AC3E}">
-        <p14:creationId xmlns:p14="http://schemas.microsoft.com/office/powerpoint/2010/main" val="2864865210"/>
+        <p14:creationId xmlns:p14="http://schemas.microsoft.com/office/powerpoint/2010/main" val="1161706880"/>
       </p:ext>
     </p:extLst>
   </p:cSld>
@@ -14202,7 +15115,7 @@
           <p:cNvPr id="2" name="Title 1">
             <a:extLst>
               <a:ext uri="{FF2B5EF4-FFF2-40B4-BE49-F238E27FC236}">
-                <a16:creationId xmlns:a16="http://schemas.microsoft.com/office/drawing/2014/main" id="{5E370577-E517-4B92-921F-81E41A26D3D7}"/>
+                <a16:creationId xmlns:a16="http://schemas.microsoft.com/office/drawing/2014/main" id="{450E1553-68B5-48C5-8C30-3E4E99698A10}"/>
               </a:ext>
             </a:extLst>
           </p:cNvPr>
@@ -14213,16 +15126,20 @@
             <p:ph type="title"/>
           </p:nvPr>
         </p:nvSpPr>
-        <p:spPr/>
+        <p:spPr>
+          <a:xfrm>
+            <a:off x="609600" y="274638"/>
+            <a:ext cx="10160000" cy="932370"/>
+          </a:xfrm>
+        </p:spPr>
         <p:txBody>
           <a:bodyPr/>
           <a:lstStyle/>
           <a:p>
             <a:r>
-              <a:rPr lang="en-US" sz="4800" dirty="0"/>
-              <a:t>One-sided vs. Two-Sided Formulas</a:t>
-            </a:r>
-            <a:endParaRPr lang="en-US" dirty="0"/>
+              <a:rPr lang="en-US" dirty="0"/>
+              <a:t>Formulas Are Objects in R</a:t>
+            </a:r>
           </a:p>
         </p:txBody>
       </p:sp>
@@ -14231,7 +15148,7 @@
           <p:cNvPr id="3" name="Text Placeholder 2">
             <a:extLst>
               <a:ext uri="{FF2B5EF4-FFF2-40B4-BE49-F238E27FC236}">
-                <a16:creationId xmlns:a16="http://schemas.microsoft.com/office/drawing/2014/main" id="{10C1D4AE-C1EE-4172-B534-92899A67AAF5}"/>
+                <a16:creationId xmlns:a16="http://schemas.microsoft.com/office/drawing/2014/main" id="{2FB6B740-66CE-4A27-B7E7-3B9394EC9F86}"/>
               </a:ext>
             </a:extLst>
           </p:cNvPr>
@@ -14242,241 +15159,214 @@
             <p:ph type="body" idx="1"/>
           </p:nvPr>
         </p:nvSpPr>
-        <p:spPr/>
-        <p:txBody>
-          <a:bodyPr/>
-          <a:lstStyle/>
-          <a:p>
-            <a:r>
-              <a:rPr lang="es-ES" sz="2800" dirty="0" err="1"/>
-              <a:t>Depending</a:t>
-            </a:r>
-            <a:r>
-              <a:rPr lang="es-ES" sz="2800" dirty="0"/>
-              <a:t> </a:t>
-            </a:r>
-            <a:r>
-              <a:rPr lang="es-ES" sz="2800" dirty="0" err="1"/>
-              <a:t>on</a:t>
-            </a:r>
-            <a:r>
-              <a:rPr lang="es-ES" sz="2800" dirty="0"/>
-              <a:t> </a:t>
-            </a:r>
-            <a:r>
-              <a:rPr lang="es-ES" sz="2800" dirty="0" err="1"/>
-              <a:t>the</a:t>
-            </a:r>
-            <a:r>
-              <a:rPr lang="es-ES" sz="2800" dirty="0"/>
-              <a:t> </a:t>
-            </a:r>
-            <a:r>
-              <a:rPr lang="es-ES" sz="2800" dirty="0" err="1"/>
-              <a:t>context</a:t>
-            </a:r>
-            <a:r>
-              <a:rPr lang="es-ES" sz="2800" dirty="0"/>
-              <a:t> </a:t>
-            </a:r>
-            <a:r>
-              <a:rPr lang="es-ES" sz="2800" dirty="0" err="1"/>
-              <a:t>within</a:t>
-            </a:r>
-            <a:r>
-              <a:rPr lang="es-ES" sz="2800" dirty="0"/>
-              <a:t> a </a:t>
-            </a:r>
-            <a:r>
-              <a:rPr lang="es-ES" sz="2800" dirty="0" err="1"/>
-              <a:t>function</a:t>
-            </a:r>
-            <a:r>
-              <a:rPr lang="es-ES" sz="2800" dirty="0"/>
-              <a:t>, a </a:t>
-            </a:r>
-            <a:r>
-              <a:rPr lang="es-ES" sz="2800" dirty="0" err="1"/>
-              <a:t>one-sided</a:t>
-            </a:r>
-            <a:r>
-              <a:rPr lang="es-ES" sz="2800" dirty="0"/>
-              <a:t> </a:t>
-            </a:r>
-            <a:r>
-              <a:rPr lang="es-ES" sz="2800" dirty="0" err="1"/>
-              <a:t>or</a:t>
-            </a:r>
-            <a:r>
-              <a:rPr lang="es-ES" sz="2800" dirty="0"/>
-              <a:t> </a:t>
-            </a:r>
-            <a:r>
-              <a:rPr lang="es-ES" sz="2800" dirty="0" err="1"/>
-              <a:t>two-sided</a:t>
-            </a:r>
-            <a:r>
-              <a:rPr lang="es-ES" sz="2800" dirty="0"/>
-              <a:t> formula </a:t>
-            </a:r>
-            <a:r>
-              <a:rPr lang="es-ES" sz="2800" dirty="0" err="1"/>
-              <a:t>may</a:t>
-            </a:r>
-            <a:r>
-              <a:rPr lang="es-ES" sz="2800" dirty="0"/>
-              <a:t> be </a:t>
-            </a:r>
-            <a:r>
-              <a:rPr lang="es-ES" sz="2800" dirty="0" err="1"/>
-              <a:t>used</a:t>
-            </a:r>
-            <a:endParaRPr lang="es-ES" sz="2800" dirty="0"/>
-          </a:p>
+        <p:spPr>
+          <a:xfrm>
+            <a:off x="609600" y="1417638"/>
+            <a:ext cx="10160000" cy="5248338"/>
+          </a:xfrm>
+        </p:spPr>
+        <p:txBody>
+          <a:bodyPr>
+            <a:noAutofit/>
+          </a:bodyPr>
+          <a:lstStyle/>
           <a:p>
             <a:pPr marL="114300" indent="0">
               <a:buNone/>
             </a:pPr>
-            <a:endParaRPr lang="es-ES" sz="1200" b="1" dirty="0"/>
-          </a:p>
-          <a:p>
-            <a:pPr marL="914400" indent="0">
-              <a:buNone/>
-            </a:pPr>
-            <a:r>
-              <a:rPr lang="es-ES" dirty="0">
-                <a:latin typeface="Courier New" panose="02070309020205020404" pitchFamily="49" charset="0"/>
-                <a:cs typeface="Courier New" panose="02070309020205020404" pitchFamily="49" charset="0"/>
-              </a:rPr>
-              <a:t>&gt; e &lt;- </a:t>
-            </a:r>
-            <a:r>
-              <a:rPr lang="es-ES" b="1" dirty="0">
-                <a:latin typeface="Courier New" panose="02070309020205020404" pitchFamily="49" charset="0"/>
-                <a:cs typeface="Courier New" panose="02070309020205020404" pitchFamily="49" charset="0"/>
-              </a:rPr>
-              <a:t>~</a:t>
-            </a:r>
-            <a:r>
-              <a:rPr lang="es-ES" dirty="0">
-                <a:latin typeface="Courier New" panose="02070309020205020404" pitchFamily="49" charset="0"/>
-                <a:cs typeface="Courier New" panose="02070309020205020404" pitchFamily="49" charset="0"/>
-              </a:rPr>
-              <a:t> x + y          # </a:t>
-            </a:r>
-            <a:r>
-              <a:rPr lang="es-ES" dirty="0" err="1">
-                <a:latin typeface="Courier New" panose="02070309020205020404" pitchFamily="49" charset="0"/>
-                <a:cs typeface="Courier New" panose="02070309020205020404" pitchFamily="49" charset="0"/>
-              </a:rPr>
-              <a:t>one-sided</a:t>
-            </a:r>
-            <a:endParaRPr lang="es-ES" dirty="0">
+            <a:r>
+              <a:rPr lang="en-US" sz="1800" dirty="0">
+                <a:latin typeface="Courier New" panose="02070309020205020404" pitchFamily="49" charset="0"/>
+                <a:cs typeface="Courier New" panose="02070309020205020404" pitchFamily="49" charset="0"/>
+              </a:rPr>
+              <a:t>&gt; f &lt;- y ~ x</a:t>
+            </a:r>
+          </a:p>
+          <a:p>
+            <a:pPr marL="114300" indent="0">
+              <a:buNone/>
+            </a:pPr>
+            <a:r>
+              <a:rPr lang="en-US" sz="1800" dirty="0">
+                <a:latin typeface="Courier New" panose="02070309020205020404" pitchFamily="49" charset="0"/>
+                <a:cs typeface="Courier New" panose="02070309020205020404" pitchFamily="49" charset="0"/>
+              </a:rPr>
+              <a:t>&gt; f</a:t>
+            </a:r>
+          </a:p>
+          <a:p>
+            <a:pPr marL="114300" indent="0">
+              <a:buNone/>
+            </a:pPr>
+            <a:r>
+              <a:rPr lang="en-US" sz="1800" dirty="0">
+                <a:latin typeface="Courier New" panose="02070309020205020404" pitchFamily="49" charset="0"/>
+                <a:cs typeface="Courier New" panose="02070309020205020404" pitchFamily="49" charset="0"/>
+              </a:rPr>
+              <a:t>y ~ x</a:t>
+            </a:r>
+          </a:p>
+          <a:p>
+            <a:pPr marL="114300" indent="0">
+              <a:buNone/>
+            </a:pPr>
+            <a:endParaRPr lang="en-US" sz="1800" dirty="0">
               <a:latin typeface="Courier New" panose="02070309020205020404" pitchFamily="49" charset="0"/>
               <a:cs typeface="Courier New" panose="02070309020205020404" pitchFamily="49" charset="0"/>
             </a:endParaRPr>
           </a:p>
           <a:p>
-            <a:pPr marL="914400" indent="0">
-              <a:buNone/>
-            </a:pPr>
-            <a:r>
-              <a:rPr lang="es-ES" dirty="0">
-                <a:latin typeface="Courier New" panose="02070309020205020404" pitchFamily="49" charset="0"/>
-                <a:cs typeface="Courier New" panose="02070309020205020404" pitchFamily="49" charset="0"/>
-              </a:rPr>
-              <a:t>&gt; f &lt;- y </a:t>
-            </a:r>
-            <a:r>
-              <a:rPr lang="es-ES" b="1" dirty="0">
-                <a:latin typeface="Courier New" panose="02070309020205020404" pitchFamily="49" charset="0"/>
-                <a:cs typeface="Courier New" panose="02070309020205020404" pitchFamily="49" charset="0"/>
-              </a:rPr>
-              <a:t>~</a:t>
-            </a:r>
-            <a:r>
-              <a:rPr lang="es-ES" dirty="0">
-                <a:latin typeface="Courier New" panose="02070309020205020404" pitchFamily="49" charset="0"/>
-                <a:cs typeface="Courier New" panose="02070309020205020404" pitchFamily="49" charset="0"/>
-              </a:rPr>
-              <a:t> x + b        # </a:t>
-            </a:r>
-            <a:r>
-              <a:rPr lang="es-ES" dirty="0" err="1">
-                <a:latin typeface="Courier New" panose="02070309020205020404" pitchFamily="49" charset="0"/>
-                <a:cs typeface="Courier New" panose="02070309020205020404" pitchFamily="49" charset="0"/>
-              </a:rPr>
-              <a:t>two-sided</a:t>
-            </a:r>
-            <a:endParaRPr lang="es-ES" dirty="0">
+            <a:pPr marL="114300" indent="0">
+              <a:buNone/>
+            </a:pPr>
+            <a:r>
+              <a:rPr lang="en-US" sz="1800" dirty="0">
+                <a:latin typeface="Courier New" panose="02070309020205020404" pitchFamily="49" charset="0"/>
+                <a:cs typeface="Courier New" panose="02070309020205020404" pitchFamily="49" charset="0"/>
+              </a:rPr>
+              <a:t>&gt; class(f)</a:t>
+            </a:r>
+          </a:p>
+          <a:p>
+            <a:pPr marL="114300" indent="0">
+              <a:buNone/>
+            </a:pPr>
+            <a:r>
+              <a:rPr lang="en-US" sz="1800" dirty="0">
+                <a:latin typeface="Courier New" panose="02070309020205020404" pitchFamily="49" charset="0"/>
+                <a:cs typeface="Courier New" panose="02070309020205020404" pitchFamily="49" charset="0"/>
+              </a:rPr>
+              <a:t>[1] "formula"</a:t>
+            </a:r>
+          </a:p>
+          <a:p>
+            <a:pPr marL="114300" indent="0">
+              <a:buNone/>
+            </a:pPr>
+            <a:endParaRPr lang="en-US" sz="1800" dirty="0">
               <a:latin typeface="Courier New" panose="02070309020205020404" pitchFamily="49" charset="0"/>
               <a:cs typeface="Courier New" panose="02070309020205020404" pitchFamily="49" charset="0"/>
             </a:endParaRPr>
           </a:p>
           <a:p>
-            <a:pPr marL="914400" indent="0">
-              <a:buNone/>
-            </a:pPr>
-            <a:endParaRPr lang="es-ES" sz="1200" dirty="0">
+            <a:pPr marL="114300" indent="0">
+              <a:buNone/>
+            </a:pPr>
+            <a:r>
+              <a:rPr lang="en-US" sz="1800" dirty="0">
+                <a:latin typeface="Courier New" panose="02070309020205020404" pitchFamily="49" charset="0"/>
+                <a:cs typeface="Courier New" panose="02070309020205020404" pitchFamily="49" charset="0"/>
+              </a:rPr>
+              <a:t>&gt; </a:t>
+            </a:r>
+            <a:r>
+              <a:rPr lang="en-US" sz="1800" dirty="0" err="1">
+                <a:latin typeface="Courier New" panose="02070309020205020404" pitchFamily="49" charset="0"/>
+                <a:cs typeface="Courier New" panose="02070309020205020404" pitchFamily="49" charset="0"/>
+              </a:rPr>
+              <a:t>typeof</a:t>
+            </a:r>
+            <a:r>
+              <a:rPr lang="en-US" sz="1800" dirty="0">
+                <a:latin typeface="Courier New" panose="02070309020205020404" pitchFamily="49" charset="0"/>
+                <a:cs typeface="Courier New" panose="02070309020205020404" pitchFamily="49" charset="0"/>
+              </a:rPr>
+              <a:t>(f)</a:t>
+            </a:r>
+          </a:p>
+          <a:p>
+            <a:pPr marL="114300" indent="0">
+              <a:buNone/>
+            </a:pPr>
+            <a:r>
+              <a:rPr lang="en-US" sz="1800" dirty="0">
+                <a:latin typeface="Courier New" panose="02070309020205020404" pitchFamily="49" charset="0"/>
+                <a:cs typeface="Courier New" panose="02070309020205020404" pitchFamily="49" charset="0"/>
+              </a:rPr>
+              <a:t>[1] "language"</a:t>
+            </a:r>
+          </a:p>
+          <a:p>
+            <a:pPr marL="114300" indent="0">
+              <a:buNone/>
+            </a:pPr>
+            <a:endParaRPr lang="en-US" sz="1800" dirty="0">
               <a:latin typeface="Courier New" panose="02070309020205020404" pitchFamily="49" charset="0"/>
               <a:cs typeface="Courier New" panose="02070309020205020404" pitchFamily="49" charset="0"/>
             </a:endParaRPr>
           </a:p>
           <a:p>
-            <a:pPr marL="914400" indent="0">
-              <a:buNone/>
-            </a:pPr>
-            <a:r>
-              <a:rPr lang="es-ES" dirty="0">
-                <a:latin typeface="Courier New" panose="02070309020205020404" pitchFamily="49" charset="0"/>
-                <a:cs typeface="Courier New" panose="02070309020205020404" pitchFamily="49" charset="0"/>
-              </a:rPr>
-              <a:t>&gt; e</a:t>
-            </a:r>
-          </a:p>
-          <a:p>
-            <a:pPr marL="914400" indent="0">
-              <a:buNone/>
-            </a:pPr>
-            <a:r>
-              <a:rPr lang="es-ES" dirty="0">
-                <a:latin typeface="Courier New" panose="02070309020205020404" pitchFamily="49" charset="0"/>
-                <a:cs typeface="Courier New" panose="02070309020205020404" pitchFamily="49" charset="0"/>
-              </a:rPr>
-              <a:t>~x + y</a:t>
-            </a:r>
-          </a:p>
-          <a:p>
-            <a:pPr marL="914400" indent="0">
-              <a:buNone/>
-            </a:pPr>
-            <a:endParaRPr lang="es-ES" sz="1200" dirty="0">
-              <a:latin typeface="Courier New" panose="02070309020205020404" pitchFamily="49" charset="0"/>
-              <a:cs typeface="Courier New" panose="02070309020205020404" pitchFamily="49" charset="0"/>
-            </a:endParaRPr>
-          </a:p>
-          <a:p>
-            <a:pPr marL="914400" indent="0">
-              <a:buNone/>
-            </a:pPr>
-            <a:r>
-              <a:rPr lang="es-ES" dirty="0">
-                <a:latin typeface="Courier New" panose="02070309020205020404" pitchFamily="49" charset="0"/>
-                <a:cs typeface="Courier New" panose="02070309020205020404" pitchFamily="49" charset="0"/>
-              </a:rPr>
-              <a:t>&gt; f</a:t>
-            </a:r>
-          </a:p>
-          <a:p>
-            <a:pPr marL="914400" indent="0">
-              <a:buNone/>
-            </a:pPr>
-            <a:r>
-              <a:rPr lang="es-ES" dirty="0">
-                <a:latin typeface="Courier New" panose="02070309020205020404" pitchFamily="49" charset="0"/>
-                <a:cs typeface="Courier New" panose="02070309020205020404" pitchFamily="49" charset="0"/>
-              </a:rPr>
-              <a:t>y ~ x + b</a:t>
+            <a:pPr marL="114300" indent="0">
+              <a:buNone/>
+            </a:pPr>
+            <a:r>
+              <a:rPr lang="en-US" sz="1800" dirty="0">
+                <a:latin typeface="Courier New" panose="02070309020205020404" pitchFamily="49" charset="0"/>
+                <a:cs typeface="Courier New" panose="02070309020205020404" pitchFamily="49" charset="0"/>
+              </a:rPr>
+              <a:t>&gt; attributes(f)</a:t>
+            </a:r>
+          </a:p>
+          <a:p>
+            <a:pPr marL="114300" indent="0">
+              <a:buNone/>
+            </a:pPr>
+            <a:r>
+              <a:rPr lang="en-US" sz="1800" dirty="0">
+                <a:latin typeface="Courier New" panose="02070309020205020404" pitchFamily="49" charset="0"/>
+                <a:cs typeface="Courier New" panose="02070309020205020404" pitchFamily="49" charset="0"/>
+              </a:rPr>
+              <a:t>$`class`</a:t>
+            </a:r>
+          </a:p>
+          <a:p>
+            <a:pPr marL="114300" indent="0">
+              <a:buNone/>
+            </a:pPr>
+            <a:r>
+              <a:rPr lang="en-US" sz="1800" dirty="0">
+                <a:latin typeface="Courier New" panose="02070309020205020404" pitchFamily="49" charset="0"/>
+                <a:cs typeface="Courier New" panose="02070309020205020404" pitchFamily="49" charset="0"/>
+              </a:rPr>
+              <a:t>[1] "formula"</a:t>
+            </a:r>
+          </a:p>
+          <a:p>
+            <a:pPr marL="114300" indent="0">
+              <a:buNone/>
+            </a:pPr>
+            <a:r>
+              <a:rPr lang="en-US" sz="1800" dirty="0">
+                <a:latin typeface="Courier New" panose="02070309020205020404" pitchFamily="49" charset="0"/>
+                <a:cs typeface="Courier New" panose="02070309020205020404" pitchFamily="49" charset="0"/>
+              </a:rPr>
+              <a:t>$.Environment</a:t>
+            </a:r>
+          </a:p>
+          <a:p>
+            <a:pPr marL="114300" indent="0">
+              <a:buNone/>
+            </a:pPr>
+            <a:r>
+              <a:rPr lang="en-US" sz="1800" dirty="0">
+                <a:latin typeface="Courier New" panose="02070309020205020404" pitchFamily="49" charset="0"/>
+                <a:cs typeface="Courier New" panose="02070309020205020404" pitchFamily="49" charset="0"/>
+              </a:rPr>
+              <a:t>&lt;environment: </a:t>
+            </a:r>
+            <a:r>
+              <a:rPr lang="en-US" sz="1800" dirty="0" err="1">
+                <a:latin typeface="Courier New" panose="02070309020205020404" pitchFamily="49" charset="0"/>
+                <a:cs typeface="Courier New" panose="02070309020205020404" pitchFamily="49" charset="0"/>
+              </a:rPr>
+              <a:t>R_GlobalEnv</a:t>
+            </a:r>
+            <a:r>
+              <a:rPr lang="en-US" sz="1800" dirty="0">
+                <a:latin typeface="Courier New" panose="02070309020205020404" pitchFamily="49" charset="0"/>
+                <a:cs typeface="Courier New" panose="02070309020205020404" pitchFamily="49" charset="0"/>
+              </a:rPr>
+              <a:t>&gt;</a:t>
             </a:r>
           </a:p>
         </p:txBody>
@@ -14486,7 +15376,7 @@
           <p:cNvPr id="4" name="Slide Number Placeholder 3">
             <a:extLst>
               <a:ext uri="{FF2B5EF4-FFF2-40B4-BE49-F238E27FC236}">
-                <a16:creationId xmlns:a16="http://schemas.microsoft.com/office/drawing/2014/main" id="{50A9EB03-48D1-4C04-8DB5-D337DAF28905}"/>
+                <a16:creationId xmlns:a16="http://schemas.microsoft.com/office/drawing/2014/main" id="{6DDCFF5E-F2A6-4FB3-9FD9-896327BB8898}"/>
               </a:ext>
             </a:extLst>
           </p:cNvPr>
@@ -14513,7 +15403,7 @@
     </p:spTree>
     <p:extLst>
       <p:ext uri="{BB962C8B-B14F-4D97-AF65-F5344CB8AC3E}">
-        <p14:creationId xmlns:p14="http://schemas.microsoft.com/office/powerpoint/2010/main" val="1961094057"/>
+        <p14:creationId xmlns:p14="http://schemas.microsoft.com/office/powerpoint/2010/main" val="2864865210"/>
       </p:ext>
     </p:extLst>
   </p:cSld>
@@ -14545,7 +15435,7 @@
           <p:cNvPr id="2" name="Title 1">
             <a:extLst>
               <a:ext uri="{FF2B5EF4-FFF2-40B4-BE49-F238E27FC236}">
-                <a16:creationId xmlns:a16="http://schemas.microsoft.com/office/drawing/2014/main" id="{3073CD62-ABDC-47E1-8D05-1B87072C10D5}"/>
+                <a16:creationId xmlns:a16="http://schemas.microsoft.com/office/drawing/2014/main" id="{5E370577-E517-4B92-921F-81E41A26D3D7}"/>
               </a:ext>
             </a:extLst>
           </p:cNvPr>
@@ -14556,20 +15446,16 @@
             <p:ph type="title"/>
           </p:nvPr>
         </p:nvSpPr>
-        <p:spPr>
-          <a:xfrm>
-            <a:off x="609600" y="174054"/>
-            <a:ext cx="10160000" cy="764671"/>
-          </a:xfrm>
-        </p:spPr>
+        <p:spPr/>
         <p:txBody>
           <a:bodyPr/>
           <a:lstStyle/>
           <a:p>
             <a:r>
-              <a:rPr lang="en-US" dirty="0"/>
-              <a:t>One-Way ANOVA</a:t>
-            </a:r>
+              <a:rPr lang="en-US" sz="4800" dirty="0"/>
+              <a:t>One-sided vs. Two-Sided Formulas</a:t>
+            </a:r>
+            <a:endParaRPr lang="en-US" dirty="0"/>
           </a:p>
         </p:txBody>
       </p:sp>
@@ -14578,7 +15464,7 @@
           <p:cNvPr id="3" name="Text Placeholder 2">
             <a:extLst>
               <a:ext uri="{FF2B5EF4-FFF2-40B4-BE49-F238E27FC236}">
-                <a16:creationId xmlns:a16="http://schemas.microsoft.com/office/drawing/2014/main" id="{831C8CB6-E561-4D29-957D-4D1A41A90348}"/>
+                <a16:creationId xmlns:a16="http://schemas.microsoft.com/office/drawing/2014/main" id="{10C1D4AE-C1EE-4172-B534-92899A67AAF5}"/>
               </a:ext>
             </a:extLst>
           </p:cNvPr>
@@ -14589,47 +15475,241 @@
             <p:ph type="body" idx="1"/>
           </p:nvPr>
         </p:nvSpPr>
-        <p:spPr>
-          <a:xfrm>
-            <a:off x="609600" y="1051560"/>
-            <a:ext cx="10160000" cy="5632386"/>
-          </a:xfrm>
-        </p:spPr>
+        <p:spPr/>
         <p:txBody>
           <a:bodyPr/>
           <a:lstStyle/>
           <a:p>
             <a:r>
-              <a:rPr lang="en-US" dirty="0"/>
-              <a:t>Continuing our analysis…</a:t>
-            </a:r>
-          </a:p>
-          <a:p>
-            <a:pPr lvl="1"/>
-            <a:r>
-              <a:rPr lang="en-US" dirty="0"/>
-              <a:t>We want to know if there is any significant difference between the average weights of plants in the 3 experimental conditions.</a:t>
-            </a:r>
-          </a:p>
-          <a:p>
-            <a:r>
-              <a:rPr lang="en-US" dirty="0"/>
-              <a:t>The </a:t>
-            </a:r>
-            <a:r>
-              <a:rPr lang="en-US" dirty="0" err="1"/>
-              <a:t>aov</a:t>
-            </a:r>
-            <a:r>
-              <a:rPr lang="en-US" dirty="0"/>
-              <a:t>() function can be used to answer to this question</a:t>
-            </a:r>
-          </a:p>
-          <a:p>
-            <a:pPr lvl="1"/>
-            <a:r>
-              <a:rPr lang="en-US" dirty="0"/>
-              <a:t>This function will create a regression object, which in its raw form isn't that interesting to us, see the next slide for how to use it</a:t>
+              <a:rPr lang="es-ES" sz="2800" dirty="0" err="1"/>
+              <a:t>Depending</a:t>
+            </a:r>
+            <a:r>
+              <a:rPr lang="es-ES" sz="2800" dirty="0"/>
+              <a:t> </a:t>
+            </a:r>
+            <a:r>
+              <a:rPr lang="es-ES" sz="2800" dirty="0" err="1"/>
+              <a:t>on</a:t>
+            </a:r>
+            <a:r>
+              <a:rPr lang="es-ES" sz="2800" dirty="0"/>
+              <a:t> </a:t>
+            </a:r>
+            <a:r>
+              <a:rPr lang="es-ES" sz="2800" dirty="0" err="1"/>
+              <a:t>the</a:t>
+            </a:r>
+            <a:r>
+              <a:rPr lang="es-ES" sz="2800" dirty="0"/>
+              <a:t> </a:t>
+            </a:r>
+            <a:r>
+              <a:rPr lang="es-ES" sz="2800" dirty="0" err="1"/>
+              <a:t>context</a:t>
+            </a:r>
+            <a:r>
+              <a:rPr lang="es-ES" sz="2800" dirty="0"/>
+              <a:t> </a:t>
+            </a:r>
+            <a:r>
+              <a:rPr lang="es-ES" sz="2800" dirty="0" err="1"/>
+              <a:t>within</a:t>
+            </a:r>
+            <a:r>
+              <a:rPr lang="es-ES" sz="2800" dirty="0"/>
+              <a:t> a </a:t>
+            </a:r>
+            <a:r>
+              <a:rPr lang="es-ES" sz="2800" dirty="0" err="1"/>
+              <a:t>function</a:t>
+            </a:r>
+            <a:r>
+              <a:rPr lang="es-ES" sz="2800" dirty="0"/>
+              <a:t>, a </a:t>
+            </a:r>
+            <a:r>
+              <a:rPr lang="es-ES" sz="2800" dirty="0" err="1"/>
+              <a:t>one-sided</a:t>
+            </a:r>
+            <a:r>
+              <a:rPr lang="es-ES" sz="2800" dirty="0"/>
+              <a:t> </a:t>
+            </a:r>
+            <a:r>
+              <a:rPr lang="es-ES" sz="2800" dirty="0" err="1"/>
+              <a:t>or</a:t>
+            </a:r>
+            <a:r>
+              <a:rPr lang="es-ES" sz="2800" dirty="0"/>
+              <a:t> </a:t>
+            </a:r>
+            <a:r>
+              <a:rPr lang="es-ES" sz="2800" dirty="0" err="1"/>
+              <a:t>two-sided</a:t>
+            </a:r>
+            <a:r>
+              <a:rPr lang="es-ES" sz="2800" dirty="0"/>
+              <a:t> formula </a:t>
+            </a:r>
+            <a:r>
+              <a:rPr lang="es-ES" sz="2800" dirty="0" err="1"/>
+              <a:t>may</a:t>
+            </a:r>
+            <a:r>
+              <a:rPr lang="es-ES" sz="2800" dirty="0"/>
+              <a:t> be </a:t>
+            </a:r>
+            <a:r>
+              <a:rPr lang="es-ES" sz="2800" dirty="0" err="1"/>
+              <a:t>used</a:t>
+            </a:r>
+            <a:endParaRPr lang="es-ES" sz="2800" dirty="0"/>
+          </a:p>
+          <a:p>
+            <a:pPr marL="114300" indent="0">
+              <a:buNone/>
+            </a:pPr>
+            <a:endParaRPr lang="es-ES" sz="1200" b="1" dirty="0"/>
+          </a:p>
+          <a:p>
+            <a:pPr marL="914400" indent="0">
+              <a:buNone/>
+            </a:pPr>
+            <a:r>
+              <a:rPr lang="es-ES" dirty="0">
+                <a:latin typeface="Courier New" panose="02070309020205020404" pitchFamily="49" charset="0"/>
+                <a:cs typeface="Courier New" panose="02070309020205020404" pitchFamily="49" charset="0"/>
+              </a:rPr>
+              <a:t>&gt; e &lt;- </a:t>
+            </a:r>
+            <a:r>
+              <a:rPr lang="es-ES" b="1" dirty="0">
+                <a:latin typeface="Courier New" panose="02070309020205020404" pitchFamily="49" charset="0"/>
+                <a:cs typeface="Courier New" panose="02070309020205020404" pitchFamily="49" charset="0"/>
+              </a:rPr>
+              <a:t>~</a:t>
+            </a:r>
+            <a:r>
+              <a:rPr lang="es-ES" dirty="0">
+                <a:latin typeface="Courier New" panose="02070309020205020404" pitchFamily="49" charset="0"/>
+                <a:cs typeface="Courier New" panose="02070309020205020404" pitchFamily="49" charset="0"/>
+              </a:rPr>
+              <a:t> x + y          # </a:t>
+            </a:r>
+            <a:r>
+              <a:rPr lang="es-ES" dirty="0" err="1">
+                <a:latin typeface="Courier New" panose="02070309020205020404" pitchFamily="49" charset="0"/>
+                <a:cs typeface="Courier New" panose="02070309020205020404" pitchFamily="49" charset="0"/>
+              </a:rPr>
+              <a:t>one-sided</a:t>
+            </a:r>
+            <a:endParaRPr lang="es-ES" dirty="0">
+              <a:latin typeface="Courier New" panose="02070309020205020404" pitchFamily="49" charset="0"/>
+              <a:cs typeface="Courier New" panose="02070309020205020404" pitchFamily="49" charset="0"/>
+            </a:endParaRPr>
+          </a:p>
+          <a:p>
+            <a:pPr marL="914400" indent="0">
+              <a:buNone/>
+            </a:pPr>
+            <a:r>
+              <a:rPr lang="es-ES" dirty="0">
+                <a:latin typeface="Courier New" panose="02070309020205020404" pitchFamily="49" charset="0"/>
+                <a:cs typeface="Courier New" panose="02070309020205020404" pitchFamily="49" charset="0"/>
+              </a:rPr>
+              <a:t>&gt; f &lt;- y </a:t>
+            </a:r>
+            <a:r>
+              <a:rPr lang="es-ES" b="1" dirty="0">
+                <a:latin typeface="Courier New" panose="02070309020205020404" pitchFamily="49" charset="0"/>
+                <a:cs typeface="Courier New" panose="02070309020205020404" pitchFamily="49" charset="0"/>
+              </a:rPr>
+              <a:t>~</a:t>
+            </a:r>
+            <a:r>
+              <a:rPr lang="es-ES" dirty="0">
+                <a:latin typeface="Courier New" panose="02070309020205020404" pitchFamily="49" charset="0"/>
+                <a:cs typeface="Courier New" panose="02070309020205020404" pitchFamily="49" charset="0"/>
+              </a:rPr>
+              <a:t> x + b        # </a:t>
+            </a:r>
+            <a:r>
+              <a:rPr lang="es-ES" dirty="0" err="1">
+                <a:latin typeface="Courier New" panose="02070309020205020404" pitchFamily="49" charset="0"/>
+                <a:cs typeface="Courier New" panose="02070309020205020404" pitchFamily="49" charset="0"/>
+              </a:rPr>
+              <a:t>two-sided</a:t>
+            </a:r>
+            <a:endParaRPr lang="es-ES" dirty="0">
+              <a:latin typeface="Courier New" panose="02070309020205020404" pitchFamily="49" charset="0"/>
+              <a:cs typeface="Courier New" panose="02070309020205020404" pitchFamily="49" charset="0"/>
+            </a:endParaRPr>
+          </a:p>
+          <a:p>
+            <a:pPr marL="914400" indent="0">
+              <a:buNone/>
+            </a:pPr>
+            <a:endParaRPr lang="es-ES" sz="1200" dirty="0">
+              <a:latin typeface="Courier New" panose="02070309020205020404" pitchFamily="49" charset="0"/>
+              <a:cs typeface="Courier New" panose="02070309020205020404" pitchFamily="49" charset="0"/>
+            </a:endParaRPr>
+          </a:p>
+          <a:p>
+            <a:pPr marL="914400" indent="0">
+              <a:buNone/>
+            </a:pPr>
+            <a:r>
+              <a:rPr lang="es-ES" dirty="0">
+                <a:latin typeface="Courier New" panose="02070309020205020404" pitchFamily="49" charset="0"/>
+                <a:cs typeface="Courier New" panose="02070309020205020404" pitchFamily="49" charset="0"/>
+              </a:rPr>
+              <a:t>&gt; e</a:t>
+            </a:r>
+          </a:p>
+          <a:p>
+            <a:pPr marL="914400" indent="0">
+              <a:buNone/>
+            </a:pPr>
+            <a:r>
+              <a:rPr lang="es-ES" dirty="0">
+                <a:latin typeface="Courier New" panose="02070309020205020404" pitchFamily="49" charset="0"/>
+                <a:cs typeface="Courier New" panose="02070309020205020404" pitchFamily="49" charset="0"/>
+              </a:rPr>
+              <a:t>~x + y</a:t>
+            </a:r>
+          </a:p>
+          <a:p>
+            <a:pPr marL="914400" indent="0">
+              <a:buNone/>
+            </a:pPr>
+            <a:endParaRPr lang="es-ES" sz="1200" dirty="0">
+              <a:latin typeface="Courier New" panose="02070309020205020404" pitchFamily="49" charset="0"/>
+              <a:cs typeface="Courier New" panose="02070309020205020404" pitchFamily="49" charset="0"/>
+            </a:endParaRPr>
+          </a:p>
+          <a:p>
+            <a:pPr marL="914400" indent="0">
+              <a:buNone/>
+            </a:pPr>
+            <a:r>
+              <a:rPr lang="es-ES" dirty="0">
+                <a:latin typeface="Courier New" panose="02070309020205020404" pitchFamily="49" charset="0"/>
+                <a:cs typeface="Courier New" panose="02070309020205020404" pitchFamily="49" charset="0"/>
+              </a:rPr>
+              <a:t>&gt; f</a:t>
+            </a:r>
+          </a:p>
+          <a:p>
+            <a:pPr marL="914400" indent="0">
+              <a:buNone/>
+            </a:pPr>
+            <a:r>
+              <a:rPr lang="es-ES" dirty="0">
+                <a:latin typeface="Courier New" panose="02070309020205020404" pitchFamily="49" charset="0"/>
+                <a:cs typeface="Courier New" panose="02070309020205020404" pitchFamily="49" charset="0"/>
+              </a:rPr>
+              <a:t>y ~ x + b</a:t>
             </a:r>
           </a:p>
         </p:txBody>
@@ -14639,7 +15719,7 @@
           <p:cNvPr id="4" name="Slide Number Placeholder 3">
             <a:extLst>
               <a:ext uri="{FF2B5EF4-FFF2-40B4-BE49-F238E27FC236}">
-                <a16:creationId xmlns:a16="http://schemas.microsoft.com/office/drawing/2014/main" id="{D5AD933C-E020-437C-B3AB-FDC9DD68FD4D}"/>
+                <a16:creationId xmlns:a16="http://schemas.microsoft.com/office/drawing/2014/main" id="{50A9EB03-48D1-4C04-8DB5-D337DAF28905}"/>
               </a:ext>
             </a:extLst>
           </p:cNvPr>
@@ -14663,192 +15743,10 @@
           </a:p>
         </p:txBody>
       </p:sp>
-      <p:sp>
-        <p:nvSpPr>
-          <p:cNvPr id="5" name="Rectangle 4">
-            <a:extLst>
-              <a:ext uri="{FF2B5EF4-FFF2-40B4-BE49-F238E27FC236}">
-                <a16:creationId xmlns:a16="http://schemas.microsoft.com/office/drawing/2014/main" id="{F11C2D13-F593-42A4-9E93-FB5FA66489D9}"/>
-              </a:ext>
-            </a:extLst>
-          </p:cNvPr>
-          <p:cNvSpPr/>
-          <p:nvPr/>
-        </p:nvSpPr>
-        <p:spPr>
-          <a:xfrm>
-            <a:off x="1801368" y="3489761"/>
-            <a:ext cx="7616952" cy="3139321"/>
-          </a:xfrm>
-          <a:prstGeom prst="rect">
-            <a:avLst/>
-          </a:prstGeom>
-          <a:ln>
-            <a:solidFill>
-              <a:schemeClr val="tx1"/>
-            </a:solidFill>
-          </a:ln>
-        </p:spPr>
-        <p:txBody>
-          <a:bodyPr wrap="square">
-            <a:spAutoFit/>
-          </a:bodyPr>
-          <a:lstStyle/>
-          <a:p>
-            <a:r>
-              <a:rPr lang="en-US" dirty="0">
-                <a:latin typeface="Courier New" panose="02070309020205020404" pitchFamily="49" charset="0"/>
-                <a:cs typeface="Courier New" panose="02070309020205020404" pitchFamily="49" charset="0"/>
-              </a:rPr>
-              <a:t>&gt; </a:t>
-            </a:r>
-            <a:r>
-              <a:rPr lang="en-US" dirty="0" err="1">
-                <a:latin typeface="Courier New" panose="02070309020205020404" pitchFamily="49" charset="0"/>
-                <a:cs typeface="Courier New" panose="02070309020205020404" pitchFamily="49" charset="0"/>
-              </a:rPr>
-              <a:t>aov</a:t>
-            </a:r>
-            <a:r>
-              <a:rPr lang="en-US" dirty="0">
-                <a:latin typeface="Courier New" panose="02070309020205020404" pitchFamily="49" charset="0"/>
-                <a:cs typeface="Courier New" panose="02070309020205020404" pitchFamily="49" charset="0"/>
-              </a:rPr>
-              <a:t>(weight ~ group, data=</a:t>
-            </a:r>
-            <a:r>
-              <a:rPr lang="en-US" dirty="0" err="1">
-                <a:latin typeface="Courier New" panose="02070309020205020404" pitchFamily="49" charset="0"/>
-                <a:cs typeface="Courier New" panose="02070309020205020404" pitchFamily="49" charset="0"/>
-              </a:rPr>
-              <a:t>PlantGrowth</a:t>
-            </a:r>
-            <a:r>
-              <a:rPr lang="en-US" dirty="0">
-                <a:latin typeface="Courier New" panose="02070309020205020404" pitchFamily="49" charset="0"/>
-                <a:cs typeface="Courier New" panose="02070309020205020404" pitchFamily="49" charset="0"/>
-              </a:rPr>
-              <a:t>)</a:t>
-            </a:r>
-          </a:p>
-          <a:p>
-            <a:r>
-              <a:rPr lang="en-US" dirty="0">
-                <a:latin typeface="Courier New" panose="02070309020205020404" pitchFamily="49" charset="0"/>
-                <a:cs typeface="Courier New" panose="02070309020205020404" pitchFamily="49" charset="0"/>
-              </a:rPr>
-              <a:t>Call:</a:t>
-            </a:r>
-          </a:p>
-          <a:p>
-            <a:r>
-              <a:rPr lang="en-US" dirty="0">
-                <a:latin typeface="Courier New" panose="02070309020205020404" pitchFamily="49" charset="0"/>
-                <a:cs typeface="Courier New" panose="02070309020205020404" pitchFamily="49" charset="0"/>
-              </a:rPr>
-              <a:t>   </a:t>
-            </a:r>
-            <a:r>
-              <a:rPr lang="en-US" dirty="0" err="1">
-                <a:latin typeface="Courier New" panose="02070309020205020404" pitchFamily="49" charset="0"/>
-                <a:cs typeface="Courier New" panose="02070309020205020404" pitchFamily="49" charset="0"/>
-              </a:rPr>
-              <a:t>aov</a:t>
-            </a:r>
-            <a:r>
-              <a:rPr lang="en-US" dirty="0">
-                <a:latin typeface="Courier New" panose="02070309020205020404" pitchFamily="49" charset="0"/>
-                <a:cs typeface="Courier New" panose="02070309020205020404" pitchFamily="49" charset="0"/>
-              </a:rPr>
-              <a:t>(formula = weight ~ group, data = </a:t>
-            </a:r>
-            <a:r>
-              <a:rPr lang="en-US" dirty="0" err="1">
-                <a:latin typeface="Courier New" panose="02070309020205020404" pitchFamily="49" charset="0"/>
-                <a:cs typeface="Courier New" panose="02070309020205020404" pitchFamily="49" charset="0"/>
-              </a:rPr>
-              <a:t>PlantGrowth</a:t>
-            </a:r>
-            <a:r>
-              <a:rPr lang="en-US" dirty="0">
-                <a:latin typeface="Courier New" panose="02070309020205020404" pitchFamily="49" charset="0"/>
-                <a:cs typeface="Courier New" panose="02070309020205020404" pitchFamily="49" charset="0"/>
-              </a:rPr>
-              <a:t>)</a:t>
-            </a:r>
-          </a:p>
-          <a:p>
-            <a:endParaRPr lang="en-US" dirty="0">
-              <a:latin typeface="Courier New" panose="02070309020205020404" pitchFamily="49" charset="0"/>
-              <a:cs typeface="Courier New" panose="02070309020205020404" pitchFamily="49" charset="0"/>
-            </a:endParaRPr>
-          </a:p>
-          <a:p>
-            <a:r>
-              <a:rPr lang="en-US" dirty="0">
-                <a:latin typeface="Courier New" panose="02070309020205020404" pitchFamily="49" charset="0"/>
-                <a:cs typeface="Courier New" panose="02070309020205020404" pitchFamily="49" charset="0"/>
-              </a:rPr>
-              <a:t>Terms:</a:t>
-            </a:r>
-          </a:p>
-          <a:p>
-            <a:r>
-              <a:rPr lang="en-US" dirty="0">
-                <a:latin typeface="Courier New" panose="02070309020205020404" pitchFamily="49" charset="0"/>
-                <a:cs typeface="Courier New" panose="02070309020205020404" pitchFamily="49" charset="0"/>
-              </a:rPr>
-              <a:t>                   group Residuals</a:t>
-            </a:r>
-          </a:p>
-          <a:p>
-            <a:r>
-              <a:rPr lang="en-US" dirty="0">
-                <a:latin typeface="Courier New" panose="02070309020205020404" pitchFamily="49" charset="0"/>
-                <a:cs typeface="Courier New" panose="02070309020205020404" pitchFamily="49" charset="0"/>
-              </a:rPr>
-              <a:t>Sum of Squares   3.76634  10.49209</a:t>
-            </a:r>
-          </a:p>
-          <a:p>
-            <a:r>
-              <a:rPr lang="en-US" dirty="0">
-                <a:latin typeface="Courier New" panose="02070309020205020404" pitchFamily="49" charset="0"/>
-                <a:cs typeface="Courier New" panose="02070309020205020404" pitchFamily="49" charset="0"/>
-              </a:rPr>
-              <a:t>Deg. of Freedom        2        27</a:t>
-            </a:r>
-          </a:p>
-          <a:p>
-            <a:endParaRPr lang="en-US" dirty="0">
-              <a:latin typeface="Courier New" panose="02070309020205020404" pitchFamily="49" charset="0"/>
-              <a:cs typeface="Courier New" panose="02070309020205020404" pitchFamily="49" charset="0"/>
-            </a:endParaRPr>
-          </a:p>
-          <a:p>
-            <a:r>
-              <a:rPr lang="en-US" dirty="0">
-                <a:latin typeface="Courier New" panose="02070309020205020404" pitchFamily="49" charset="0"/>
-                <a:cs typeface="Courier New" panose="02070309020205020404" pitchFamily="49" charset="0"/>
-              </a:rPr>
-              <a:t>Residual standard error: 0.6233746</a:t>
-            </a:r>
-          </a:p>
-          <a:p>
-            <a:r>
-              <a:rPr lang="en-US" dirty="0">
-                <a:latin typeface="Courier New" panose="02070309020205020404" pitchFamily="49" charset="0"/>
-                <a:cs typeface="Courier New" panose="02070309020205020404" pitchFamily="49" charset="0"/>
-              </a:rPr>
-              <a:t>Estimated effects may be unbalanced</a:t>
-            </a:r>
-          </a:p>
-        </p:txBody>
-      </p:sp>
     </p:spTree>
     <p:extLst>
       <p:ext uri="{BB962C8B-B14F-4D97-AF65-F5344CB8AC3E}">
-        <p14:creationId xmlns:p14="http://schemas.microsoft.com/office/powerpoint/2010/main" val="428330251"/>
+        <p14:creationId xmlns:p14="http://schemas.microsoft.com/office/powerpoint/2010/main" val="1961094057"/>
       </p:ext>
     </p:extLst>
   </p:cSld>
@@ -15061,6 +15959,341 @@
         <p:spPr>
           <a:xfrm>
             <a:off x="609600" y="174054"/>
+            <a:ext cx="10160000" cy="764671"/>
+          </a:xfrm>
+        </p:spPr>
+        <p:txBody>
+          <a:bodyPr/>
+          <a:lstStyle/>
+          <a:p>
+            <a:r>
+              <a:rPr lang="en-US" dirty="0"/>
+              <a:t>One-Way ANOVA</a:t>
+            </a:r>
+          </a:p>
+        </p:txBody>
+      </p:sp>
+      <p:sp>
+        <p:nvSpPr>
+          <p:cNvPr id="3" name="Text Placeholder 2">
+            <a:extLst>
+              <a:ext uri="{FF2B5EF4-FFF2-40B4-BE49-F238E27FC236}">
+                <a16:creationId xmlns:a16="http://schemas.microsoft.com/office/drawing/2014/main" id="{831C8CB6-E561-4D29-957D-4D1A41A90348}"/>
+              </a:ext>
+            </a:extLst>
+          </p:cNvPr>
+          <p:cNvSpPr>
+            <a:spLocks noGrp="1"/>
+          </p:cNvSpPr>
+          <p:nvPr>
+            <p:ph type="body" idx="1"/>
+          </p:nvPr>
+        </p:nvSpPr>
+        <p:spPr>
+          <a:xfrm>
+            <a:off x="609600" y="1051560"/>
+            <a:ext cx="10160000" cy="5632386"/>
+          </a:xfrm>
+        </p:spPr>
+        <p:txBody>
+          <a:bodyPr/>
+          <a:lstStyle/>
+          <a:p>
+            <a:r>
+              <a:rPr lang="en-US" dirty="0"/>
+              <a:t>Continuing our analysis…</a:t>
+            </a:r>
+          </a:p>
+          <a:p>
+            <a:pPr lvl="1"/>
+            <a:r>
+              <a:rPr lang="en-US" dirty="0"/>
+              <a:t>We want to know if there is any significant difference between the average weights of plants in the 3 experimental conditions.</a:t>
+            </a:r>
+          </a:p>
+          <a:p>
+            <a:r>
+              <a:rPr lang="en-US" dirty="0"/>
+              <a:t>The </a:t>
+            </a:r>
+            <a:r>
+              <a:rPr lang="en-US" dirty="0" err="1"/>
+              <a:t>aov</a:t>
+            </a:r>
+            <a:r>
+              <a:rPr lang="en-US" dirty="0"/>
+              <a:t>() function can be used to answer to this question</a:t>
+            </a:r>
+          </a:p>
+          <a:p>
+            <a:pPr lvl="1"/>
+            <a:r>
+              <a:rPr lang="en-US" dirty="0"/>
+              <a:t>This function will create a regression object, which in its raw form isn't that interesting to us, see the next slide for how to use it</a:t>
+            </a:r>
+          </a:p>
+        </p:txBody>
+      </p:sp>
+      <p:sp>
+        <p:nvSpPr>
+          <p:cNvPr id="4" name="Slide Number Placeholder 3">
+            <a:extLst>
+              <a:ext uri="{FF2B5EF4-FFF2-40B4-BE49-F238E27FC236}">
+                <a16:creationId xmlns:a16="http://schemas.microsoft.com/office/drawing/2014/main" id="{D5AD933C-E020-437C-B3AB-FDC9DD68FD4D}"/>
+              </a:ext>
+            </a:extLst>
+          </p:cNvPr>
+          <p:cNvSpPr>
+            <a:spLocks noGrp="1"/>
+          </p:cNvSpPr>
+          <p:nvPr>
+            <p:ph type="sldNum" sz="quarter" idx="12"/>
+          </p:nvPr>
+        </p:nvSpPr>
+        <p:spPr/>
+        <p:txBody>
+          <a:bodyPr/>
+          <a:lstStyle/>
+          <a:p>
+            <a:fld id="{3A6A1FD8-DC5E-4118-B28D-026D064165E4}" type="slidenum">
+              <a:rPr lang="en-US" smtClean="0"/>
+              <a:t>50</a:t>
+            </a:fld>
+            <a:endParaRPr lang="en-US"/>
+          </a:p>
+        </p:txBody>
+      </p:sp>
+      <p:sp>
+        <p:nvSpPr>
+          <p:cNvPr id="5" name="Rectangle 4">
+            <a:extLst>
+              <a:ext uri="{FF2B5EF4-FFF2-40B4-BE49-F238E27FC236}">
+                <a16:creationId xmlns:a16="http://schemas.microsoft.com/office/drawing/2014/main" id="{F11C2D13-F593-42A4-9E93-FB5FA66489D9}"/>
+              </a:ext>
+            </a:extLst>
+          </p:cNvPr>
+          <p:cNvSpPr/>
+          <p:nvPr/>
+        </p:nvSpPr>
+        <p:spPr>
+          <a:xfrm>
+            <a:off x="1801368" y="3489761"/>
+            <a:ext cx="7616952" cy="3139321"/>
+          </a:xfrm>
+          <a:prstGeom prst="rect">
+            <a:avLst/>
+          </a:prstGeom>
+          <a:ln>
+            <a:solidFill>
+              <a:schemeClr val="tx1"/>
+            </a:solidFill>
+          </a:ln>
+        </p:spPr>
+        <p:txBody>
+          <a:bodyPr wrap="square">
+            <a:spAutoFit/>
+          </a:bodyPr>
+          <a:lstStyle/>
+          <a:p>
+            <a:r>
+              <a:rPr lang="en-US" dirty="0">
+                <a:latin typeface="Courier New" panose="02070309020205020404" pitchFamily="49" charset="0"/>
+                <a:cs typeface="Courier New" panose="02070309020205020404" pitchFamily="49" charset="0"/>
+              </a:rPr>
+              <a:t>&gt; </a:t>
+            </a:r>
+            <a:r>
+              <a:rPr lang="en-US" dirty="0" err="1">
+                <a:latin typeface="Courier New" panose="02070309020205020404" pitchFamily="49" charset="0"/>
+                <a:cs typeface="Courier New" panose="02070309020205020404" pitchFamily="49" charset="0"/>
+              </a:rPr>
+              <a:t>aov</a:t>
+            </a:r>
+            <a:r>
+              <a:rPr lang="en-US" dirty="0">
+                <a:latin typeface="Courier New" panose="02070309020205020404" pitchFamily="49" charset="0"/>
+                <a:cs typeface="Courier New" panose="02070309020205020404" pitchFamily="49" charset="0"/>
+              </a:rPr>
+              <a:t>(weight ~ group, data=</a:t>
+            </a:r>
+            <a:r>
+              <a:rPr lang="en-US" dirty="0" err="1">
+                <a:latin typeface="Courier New" panose="02070309020205020404" pitchFamily="49" charset="0"/>
+                <a:cs typeface="Courier New" panose="02070309020205020404" pitchFamily="49" charset="0"/>
+              </a:rPr>
+              <a:t>PlantGrowth</a:t>
+            </a:r>
+            <a:r>
+              <a:rPr lang="en-US" dirty="0">
+                <a:latin typeface="Courier New" panose="02070309020205020404" pitchFamily="49" charset="0"/>
+                <a:cs typeface="Courier New" panose="02070309020205020404" pitchFamily="49" charset="0"/>
+              </a:rPr>
+              <a:t>)</a:t>
+            </a:r>
+          </a:p>
+          <a:p>
+            <a:r>
+              <a:rPr lang="en-US" dirty="0">
+                <a:latin typeface="Courier New" panose="02070309020205020404" pitchFamily="49" charset="0"/>
+                <a:cs typeface="Courier New" panose="02070309020205020404" pitchFamily="49" charset="0"/>
+              </a:rPr>
+              <a:t>Call:</a:t>
+            </a:r>
+          </a:p>
+          <a:p>
+            <a:r>
+              <a:rPr lang="en-US" dirty="0">
+                <a:latin typeface="Courier New" panose="02070309020205020404" pitchFamily="49" charset="0"/>
+                <a:cs typeface="Courier New" panose="02070309020205020404" pitchFamily="49" charset="0"/>
+              </a:rPr>
+              <a:t>   </a:t>
+            </a:r>
+            <a:r>
+              <a:rPr lang="en-US" dirty="0" err="1">
+                <a:latin typeface="Courier New" panose="02070309020205020404" pitchFamily="49" charset="0"/>
+                <a:cs typeface="Courier New" panose="02070309020205020404" pitchFamily="49" charset="0"/>
+              </a:rPr>
+              <a:t>aov</a:t>
+            </a:r>
+            <a:r>
+              <a:rPr lang="en-US" dirty="0">
+                <a:latin typeface="Courier New" panose="02070309020205020404" pitchFamily="49" charset="0"/>
+                <a:cs typeface="Courier New" panose="02070309020205020404" pitchFamily="49" charset="0"/>
+              </a:rPr>
+              <a:t>(formula = weight ~ group, data = </a:t>
+            </a:r>
+            <a:r>
+              <a:rPr lang="en-US" dirty="0" err="1">
+                <a:latin typeface="Courier New" panose="02070309020205020404" pitchFamily="49" charset="0"/>
+                <a:cs typeface="Courier New" panose="02070309020205020404" pitchFamily="49" charset="0"/>
+              </a:rPr>
+              <a:t>PlantGrowth</a:t>
+            </a:r>
+            <a:r>
+              <a:rPr lang="en-US" dirty="0">
+                <a:latin typeface="Courier New" panose="02070309020205020404" pitchFamily="49" charset="0"/>
+                <a:cs typeface="Courier New" panose="02070309020205020404" pitchFamily="49" charset="0"/>
+              </a:rPr>
+              <a:t>)</a:t>
+            </a:r>
+          </a:p>
+          <a:p>
+            <a:endParaRPr lang="en-US" dirty="0">
+              <a:latin typeface="Courier New" panose="02070309020205020404" pitchFamily="49" charset="0"/>
+              <a:cs typeface="Courier New" panose="02070309020205020404" pitchFamily="49" charset="0"/>
+            </a:endParaRPr>
+          </a:p>
+          <a:p>
+            <a:r>
+              <a:rPr lang="en-US" dirty="0">
+                <a:latin typeface="Courier New" panose="02070309020205020404" pitchFamily="49" charset="0"/>
+                <a:cs typeface="Courier New" panose="02070309020205020404" pitchFamily="49" charset="0"/>
+              </a:rPr>
+              <a:t>Terms:</a:t>
+            </a:r>
+          </a:p>
+          <a:p>
+            <a:r>
+              <a:rPr lang="en-US" dirty="0">
+                <a:latin typeface="Courier New" panose="02070309020205020404" pitchFamily="49" charset="0"/>
+                <a:cs typeface="Courier New" panose="02070309020205020404" pitchFamily="49" charset="0"/>
+              </a:rPr>
+              <a:t>                   group Residuals</a:t>
+            </a:r>
+          </a:p>
+          <a:p>
+            <a:r>
+              <a:rPr lang="en-US" dirty="0">
+                <a:latin typeface="Courier New" panose="02070309020205020404" pitchFamily="49" charset="0"/>
+                <a:cs typeface="Courier New" panose="02070309020205020404" pitchFamily="49" charset="0"/>
+              </a:rPr>
+              <a:t>Sum of Squares   3.76634  10.49209</a:t>
+            </a:r>
+          </a:p>
+          <a:p>
+            <a:r>
+              <a:rPr lang="en-US" dirty="0">
+                <a:latin typeface="Courier New" panose="02070309020205020404" pitchFamily="49" charset="0"/>
+                <a:cs typeface="Courier New" panose="02070309020205020404" pitchFamily="49" charset="0"/>
+              </a:rPr>
+              <a:t>Deg. of Freedom        2        27</a:t>
+            </a:r>
+          </a:p>
+          <a:p>
+            <a:endParaRPr lang="en-US" dirty="0">
+              <a:latin typeface="Courier New" panose="02070309020205020404" pitchFamily="49" charset="0"/>
+              <a:cs typeface="Courier New" panose="02070309020205020404" pitchFamily="49" charset="0"/>
+            </a:endParaRPr>
+          </a:p>
+          <a:p>
+            <a:r>
+              <a:rPr lang="en-US" dirty="0">
+                <a:latin typeface="Courier New" panose="02070309020205020404" pitchFamily="49" charset="0"/>
+                <a:cs typeface="Courier New" panose="02070309020205020404" pitchFamily="49" charset="0"/>
+              </a:rPr>
+              <a:t>Residual standard error: 0.6233746</a:t>
+            </a:r>
+          </a:p>
+          <a:p>
+            <a:r>
+              <a:rPr lang="en-US" dirty="0">
+                <a:latin typeface="Courier New" panose="02070309020205020404" pitchFamily="49" charset="0"/>
+                <a:cs typeface="Courier New" panose="02070309020205020404" pitchFamily="49" charset="0"/>
+              </a:rPr>
+              <a:t>Estimated effects may be unbalanced</a:t>
+            </a:r>
+          </a:p>
+        </p:txBody>
+      </p:sp>
+    </p:spTree>
+    <p:extLst>
+      <p:ext uri="{BB962C8B-B14F-4D97-AF65-F5344CB8AC3E}">
+        <p14:creationId xmlns:p14="http://schemas.microsoft.com/office/powerpoint/2010/main" val="428330251"/>
+      </p:ext>
+    </p:extLst>
+  </p:cSld>
+  <p:clrMapOvr>
+    <a:masterClrMapping/>
+  </p:clrMapOvr>
+</p:sld>
+</file>
+
+<file path=ppt/slides/slide51.xml><?xml version="1.0" encoding="utf-8"?>
+<p:sld xmlns:a="http://schemas.openxmlformats.org/drawingml/2006/main" xmlns:r="http://schemas.openxmlformats.org/officeDocument/2006/relationships" xmlns:p="http://schemas.openxmlformats.org/presentationml/2006/main">
+  <p:cSld>
+    <p:spTree>
+      <p:nvGrpSpPr>
+        <p:cNvPr id="1" name=""/>
+        <p:cNvGrpSpPr/>
+        <p:nvPr/>
+      </p:nvGrpSpPr>
+      <p:grpSpPr>
+        <a:xfrm>
+          <a:off x="0" y="0"/>
+          <a:ext cx="0" cy="0"/>
+          <a:chOff x="0" y="0"/>
+          <a:chExt cx="0" cy="0"/>
+        </a:xfrm>
+      </p:grpSpPr>
+      <p:sp>
+        <p:nvSpPr>
+          <p:cNvPr id="2" name="Title 1">
+            <a:extLst>
+              <a:ext uri="{FF2B5EF4-FFF2-40B4-BE49-F238E27FC236}">
+                <a16:creationId xmlns:a16="http://schemas.microsoft.com/office/drawing/2014/main" id="{3073CD62-ABDC-47E1-8D05-1B87072C10D5}"/>
+              </a:ext>
+            </a:extLst>
+          </p:cNvPr>
+          <p:cNvSpPr>
+            <a:spLocks noGrp="1"/>
+          </p:cNvSpPr>
+          <p:nvPr>
+            <p:ph type="title"/>
+          </p:nvPr>
+        </p:nvSpPr>
+        <p:spPr>
+          <a:xfrm>
+            <a:off x="609600" y="174054"/>
             <a:ext cx="10160000" cy="895794"/>
           </a:xfrm>
         </p:spPr>
@@ -15141,7 +16374,7 @@
           <a:p>
             <a:fld id="{3A6A1FD8-DC5E-4118-B28D-026D064165E4}" type="slidenum">
               <a:rPr lang="en-US" smtClean="0"/>
-              <a:t>50</a:t>
+              <a:t>51</a:t>
             </a:fld>
             <a:endParaRPr lang="en-US"/>
           </a:p>
@@ -15646,7 +16879,7 @@
 </p:sld>
 </file>
 
-<file path=ppt/slides/slide51.xml><?xml version="1.0" encoding="utf-8"?>
+<file path=ppt/slides/slide52.xml><?xml version="1.0" encoding="utf-8"?>
 <p:sld xmlns:a="http://schemas.openxmlformats.org/drawingml/2006/main" xmlns:r="http://schemas.openxmlformats.org/officeDocument/2006/relationships" xmlns:p="http://schemas.openxmlformats.org/presentationml/2006/main">
   <p:cSld>
     <p:spTree>
@@ -15777,7 +17010,7 @@
           <a:p>
             <a:fld id="{3A6A1FD8-DC5E-4118-B28D-026D064165E4}" type="slidenum">
               <a:rPr lang="en-US" smtClean="0"/>
-              <a:t>51</a:t>
+              <a:t>52</a:t>
             </a:fld>
             <a:endParaRPr lang="en-US"/>
           </a:p>

--- a/slides/COP2073C-Module8.pptx
+++ b/slides/COP2073C-Module8.pptx
@@ -259,7 +259,7 @@
           <a:p>
             <a:fld id="{2A37B5DA-8E33-465E-AA6E-3D89F39FC24F}" type="datetimeFigureOut">
               <a:rPr lang="en-US" smtClean="0"/>
-              <a:t>12/27/2022</a:t>
+              <a:t>12/28/2022</a:t>
             </a:fld>
             <a:endParaRPr lang="en-US" dirty="0"/>
           </a:p>
@@ -1200,7 +1200,7 @@
           <a:p>
             <a:fld id="{EA4713E7-B5C7-46C0-9D1A-09BA4EBDD267}" type="datetime1">
               <a:rPr lang="en-US" smtClean="0"/>
-              <a:t>12/27/2022</a:t>
+              <a:t>12/28/2022</a:t>
             </a:fld>
             <a:endParaRPr lang="en-US"/>
           </a:p>
@@ -13177,9 +13177,10 @@
           <a:lstStyle/>
           <a:p>
             <a:r>
-              <a:rPr lang="en-US" dirty="0"/>
-              <a:t>What is ANOVA</a:t>
-            </a:r>
+              <a:rPr lang="en-US"/>
+              <a:t>ANOVA</a:t>
+            </a:r>
+            <a:endParaRPr lang="en-US" dirty="0"/>
           </a:p>
         </p:txBody>
       </p:sp>
@@ -13235,7 +13236,15 @@
             <a:pPr lvl="1"/>
             <a:r>
               <a:rPr lang="en-US" sz="2400" dirty="0"/>
-              <a:t>null hypothesis: the mean is the same for all groups</a:t>
+              <a:t>N</a:t>
+            </a:r>
+            <a:r>
+              <a:rPr lang="en-US" sz="2400"/>
+              <a:t>ull </a:t>
+            </a:r>
+            <a:r>
+              <a:rPr lang="en-US" sz="2400" dirty="0"/>
+              <a:t>hypothesis: the mean is the same for all groups</a:t>
             </a:r>
           </a:p>
           <a:p>
@@ -13676,7 +13685,35 @@
                 <a:latin typeface="Courier New" panose="02070309020205020404" pitchFamily="49" charset="0"/>
                 <a:cs typeface="Courier New" panose="02070309020205020404" pitchFamily="49" charset="0"/>
               </a:rPr>
-              <a:t>The levels of group are ‘ctrl’, ‘trt1’, and ‘trt2’</a:t>
+              <a:t>The levels of group </a:t>
+            </a:r>
+            <a:r>
+              <a:rPr lang="en-US" sz="1800">
+                <a:latin typeface="Courier New" panose="02070309020205020404" pitchFamily="49" charset="0"/>
+                <a:cs typeface="Courier New" panose="02070309020205020404" pitchFamily="49" charset="0"/>
+              </a:rPr>
+              <a:t>are 'ctrl', 'trt1</a:t>
+            </a:r>
+            <a:r>
+              <a:rPr lang="en-US" sz="1800" dirty="0">
+                <a:latin typeface="Courier New" panose="02070309020205020404" pitchFamily="49" charset="0"/>
+                <a:cs typeface="Courier New" panose="02070309020205020404" pitchFamily="49" charset="0"/>
+              </a:rPr>
+              <a:t>'</a:t>
+            </a:r>
+            <a:r>
+              <a:rPr lang="en-US" sz="1800">
+                <a:latin typeface="Courier New" panose="02070309020205020404" pitchFamily="49" charset="0"/>
+                <a:cs typeface="Courier New" panose="02070309020205020404" pitchFamily="49" charset="0"/>
+              </a:rPr>
+              <a:t>, and 'trt2</a:t>
+            </a:r>
+            <a:r>
+              <a:rPr lang="en-US" sz="1800" dirty="0">
+                <a:latin typeface="Courier New" panose="02070309020205020404" pitchFamily="49" charset="0"/>
+                <a:cs typeface="Courier New" panose="02070309020205020404" pitchFamily="49" charset="0"/>
+              </a:rPr>
+              <a:t>'</a:t>
             </a:r>
           </a:p>
         </p:txBody>
@@ -14248,8 +14285,17 @@
               <a:rPr lang="en-US" sz="2800" dirty="0">
                 <a:cs typeface="Courier New" panose="02070309020205020404" pitchFamily="49" charset="0"/>
               </a:rPr>
-              <a:t>Plot the data; what do you think?</a:t>
-            </a:r>
+              <a:t>Plot the data; what do you </a:t>
+            </a:r>
+            <a:r>
+              <a:rPr lang="en-US" sz="2800">
+                <a:cs typeface="Courier New" panose="02070309020205020404" pitchFamily="49" charset="0"/>
+              </a:rPr>
+              <a:t>think? Does Treatment 1 or Treatment 2 have a statistically relevant effect on the weight of the plants?</a:t>
+            </a:r>
+            <a:endParaRPr lang="en-US" sz="2800" dirty="0">
+              <a:cs typeface="Courier New" panose="02070309020205020404" pitchFamily="49" charset="0"/>
+            </a:endParaRPr>
           </a:p>
         </p:txBody>
       </p:sp>
@@ -14296,8 +14342,8 @@
         </p:nvSpPr>
         <p:spPr>
           <a:xfrm>
-            <a:off x="1056640" y="1826542"/>
-            <a:ext cx="8617712" cy="4339650"/>
+            <a:off x="1281611" y="2196657"/>
+            <a:ext cx="8617712" cy="4093428"/>
           </a:xfrm>
           <a:prstGeom prst="rect">
             <a:avLst/>
@@ -14335,12 +14381,6 @@
               </a:rPr>
               <a:t>)</a:t>
             </a:r>
-          </a:p>
-          <a:p>
-            <a:endParaRPr lang="en-US" sz="1600" dirty="0">
-              <a:latin typeface="Courier New" panose="02070309020205020404" pitchFamily="49" charset="0"/>
-              <a:cs typeface="Courier New" panose="02070309020205020404" pitchFamily="49" charset="0"/>
-            </a:endParaRPr>
           </a:p>
           <a:p>
             <a:endParaRPr lang="en-US" sz="1600" dirty="0">
@@ -14455,7 +14495,7 @@
         </p:blipFill>
         <p:spPr>
           <a:xfrm>
-            <a:off x="2166747" y="2542032"/>
+            <a:off x="2623947" y="2828110"/>
             <a:ext cx="6267450" cy="3338082"/>
           </a:xfrm>
           <a:prstGeom prst="rect">
@@ -14548,100 +14588,56 @@
         <p:spPr>
           <a:xfrm>
             <a:off x="707935" y="1089423"/>
-            <a:ext cx="10160000" cy="1242511"/>
+            <a:ext cx="10160000" cy="1864234"/>
           </a:xfrm>
         </p:spPr>
         <p:txBody>
           <a:bodyPr>
-            <a:normAutofit fontScale="25000" lnSpcReduction="20000"/>
+            <a:normAutofit/>
           </a:bodyPr>
           <a:lstStyle/>
           <a:p>
             <a:r>
-              <a:rPr lang="en-US" sz="2400" dirty="0">
+              <a:rPr lang="en-US" sz="2000" dirty="0">
                 <a:cs typeface="Courier New" panose="02070309020205020404" pitchFamily="49" charset="0"/>
               </a:rPr>
               <a:t>We want to know if there is a significant statistical difference between the average weights of the plants in the 3 experimental conditions</a:t>
             </a:r>
           </a:p>
           <a:p>
-            <a:pPr lvl="1"/>
-            <a:r>
-              <a:rPr lang="en-US" sz="2200" dirty="0">
-                <a:cs typeface="Courier New" panose="02070309020205020404" pitchFamily="49" charset="0"/>
-              </a:rPr>
-              <a:t>Plot the data; what do you think?</a:t>
-            </a:r>
-          </a:p>
-          <a:p>
-            <a:endParaRPr lang="en-US" sz="2400" dirty="0">
+            <a:r>
+              <a:rPr lang="en-US" sz="2000">
+                <a:cs typeface="Courier New" panose="02070309020205020404" pitchFamily="49" charset="0"/>
+              </a:rPr>
+              <a:t>Before </a:t>
+            </a:r>
+            <a:r>
+              <a:rPr lang="en-US" sz="2000" dirty="0">
+                <a:cs typeface="Courier New" panose="02070309020205020404" pitchFamily="49" charset="0"/>
+              </a:rPr>
+              <a:t>doing the analysis we need to take a detour and look at </a:t>
+            </a:r>
+            <a:r>
+              <a:rPr lang="en-US" sz="2000" u="sng" dirty="0">
+                <a:cs typeface="Courier New" panose="02070309020205020404" pitchFamily="49" charset="0"/>
+              </a:rPr>
+              <a:t>formula notation </a:t>
+            </a:r>
+            <a:r>
+              <a:rPr lang="en-US" sz="2000" dirty="0">
+                <a:cs typeface="Courier New" panose="02070309020205020404" pitchFamily="49" charset="0"/>
+              </a:rPr>
+              <a:t>so we understand how it is used in the steps we </a:t>
+            </a:r>
+            <a:r>
+              <a:rPr lang="en-US" sz="2000">
+                <a:cs typeface="Courier New" panose="02070309020205020404" pitchFamily="49" charset="0"/>
+              </a:rPr>
+              <a:t>will take</a:t>
+            </a:r>
+            <a:endParaRPr lang="en-US" sz="2000" dirty="0">
               <a:cs typeface="Courier New" panose="02070309020205020404" pitchFamily="49" charset="0"/>
             </a:endParaRPr>
-          </a:p>
-          <a:p>
-            <a:endParaRPr lang="en-US" sz="2400" dirty="0">
-              <a:cs typeface="Courier New" panose="02070309020205020404" pitchFamily="49" charset="0"/>
-            </a:endParaRPr>
-          </a:p>
-          <a:p>
-            <a:pPr marL="114300" indent="0">
-              <a:buNone/>
-            </a:pPr>
-            <a:endParaRPr lang="en-US" sz="2800" dirty="0">
-              <a:cs typeface="Courier New" panose="02070309020205020404" pitchFamily="49" charset="0"/>
-            </a:endParaRPr>
-          </a:p>
-          <a:p>
-            <a:pPr marL="114300" indent="0">
-              <a:buNone/>
-            </a:pPr>
-            <a:endParaRPr lang="en-US" sz="2800" dirty="0">
-              <a:cs typeface="Courier New" panose="02070309020205020404" pitchFamily="49" charset="0"/>
-            </a:endParaRPr>
-          </a:p>
-          <a:p>
-            <a:pPr marL="114300" indent="0">
-              <a:buNone/>
-            </a:pPr>
-            <a:endParaRPr lang="en-US" sz="2800" dirty="0">
-              <a:cs typeface="Courier New" panose="02070309020205020404" pitchFamily="49" charset="0"/>
-            </a:endParaRPr>
-          </a:p>
-          <a:p>
-            <a:pPr marL="114300" indent="0">
-              <a:buNone/>
-            </a:pPr>
-            <a:endParaRPr lang="en-US" sz="2800" dirty="0">
-              <a:cs typeface="Courier New" panose="02070309020205020404" pitchFamily="49" charset="0"/>
-            </a:endParaRPr>
-          </a:p>
-          <a:p>
-            <a:pPr marL="114300" indent="0">
-              <a:buNone/>
-            </a:pPr>
-            <a:endParaRPr lang="en-US" sz="2800" dirty="0">
-              <a:cs typeface="Courier New" panose="02070309020205020404" pitchFamily="49" charset="0"/>
-            </a:endParaRPr>
-          </a:p>
-          <a:p>
-            <a:r>
-              <a:rPr lang="en-US" sz="2400" dirty="0">
-                <a:cs typeface="Courier New" panose="02070309020205020404" pitchFamily="49" charset="0"/>
-              </a:rPr>
-              <a:t>Before doing the analysis we need to take a detour and look at </a:t>
-            </a:r>
-            <a:r>
-              <a:rPr lang="en-US" sz="2400" u="sng" dirty="0">
-                <a:cs typeface="Courier New" panose="02070309020205020404" pitchFamily="49" charset="0"/>
-              </a:rPr>
-              <a:t>formula notation </a:t>
-            </a:r>
-            <a:r>
-              <a:rPr lang="en-US" sz="2400" dirty="0">
-                <a:cs typeface="Courier New" panose="02070309020205020404" pitchFamily="49" charset="0"/>
-              </a:rPr>
-              <a:t>so we understand how it is used in the steps we will take</a:t>
-            </a:r>
           </a:p>
         </p:txBody>
       </p:sp>
@@ -14688,7 +14684,7 @@
         </p:nvSpPr>
         <p:spPr>
           <a:xfrm>
-            <a:off x="1369785" y="2487168"/>
+            <a:off x="1195613" y="3176597"/>
             <a:ext cx="8617712" cy="3077766"/>
           </a:xfrm>
           <a:prstGeom prst="rect">
@@ -14711,7 +14707,21 @@
                 <a:latin typeface="Courier New" panose="02070309020205020404" pitchFamily="49" charset="0"/>
                 <a:cs typeface="Courier New" panose="02070309020205020404" pitchFamily="49" charset="0"/>
               </a:rPr>
-              <a:t>&gt; boxplot(weight ~ group, data = </a:t>
+              <a:t>&gt; boxplot(</a:t>
+            </a:r>
+            <a:r>
+              <a:rPr lang="en-US" b="1" dirty="0">
+                <a:latin typeface="Courier New" panose="02070309020205020404" pitchFamily="49" charset="0"/>
+                <a:cs typeface="Courier New" panose="02070309020205020404" pitchFamily="49" charset="0"/>
+              </a:rPr>
+              <a:t>weight ~ group</a:t>
+            </a:r>
+            <a:r>
+              <a:rPr lang="en-US" dirty="0">
+                <a:latin typeface="Courier New" panose="02070309020205020404" pitchFamily="49" charset="0"/>
+                <a:cs typeface="Courier New" panose="02070309020205020404" pitchFamily="49" charset="0"/>
+              </a:rPr>
+              <a:t>, data = </a:t>
             </a:r>
             <a:r>
               <a:rPr lang="en-US" dirty="0" err="1">
@@ -14817,7 +14827,7 @@
         </p:blipFill>
         <p:spPr>
           <a:xfrm>
-            <a:off x="3888419" y="2940820"/>
+            <a:off x="2901447" y="3688305"/>
             <a:ext cx="4635472" cy="2468880"/>
           </a:xfrm>
           <a:prstGeom prst="rect">
@@ -16346,8 +16356,13 @@
             </a:r>
             <a:r>
               <a:rPr lang="en-US" sz="2400" dirty="0"/>
-              <a:t>() function can be passed to the summary function to give us the desired results</a:t>
-            </a:r>
+              <a:t>() function can be passed to the summary function to give us the </a:t>
+            </a:r>
+            <a:r>
+              <a:rPr lang="en-US" sz="2400"/>
+              <a:t>desired results (note the F value and p-value)</a:t>
+            </a:r>
+            <a:endParaRPr lang="en-US" sz="2400" dirty="0"/>
           </a:p>
         </p:txBody>
       </p:sp>
